--- a/Courses/Computer-Modeling-and-IT/Computer-Modeling-and-IT-6-Class/07-Page-Formatting-And-Printing-A-Text-Document/07-Page-Formatting-And-Printing-A-Text-Document.pptx
+++ b/Courses/Computer-Modeling-and-IT/Computer-Modeling-and-IT-6-Class/07-Page-Formatting-And-Printing-A-Text-Document/07-Page-Formatting-And-Printing-A-Text-Document.pptx
@@ -5,10 +5,10 @@
     <p:sldMasterId id="2147483675" r:id="rId1"/>
   </p:sldMasterIdLst>
   <p:notesMasterIdLst>
-    <p:notesMasterId r:id="rId18"/>
+    <p:notesMasterId r:id="rId22"/>
   </p:notesMasterIdLst>
   <p:handoutMasterIdLst>
-    <p:handoutMasterId r:id="rId19"/>
+    <p:handoutMasterId r:id="rId23"/>
   </p:handoutMasterIdLst>
   <p:sldIdLst>
     <p:sldId id="503" r:id="rId2"/>
@@ -24,9 +24,13 @@
     <p:sldId id="595" r:id="rId12"/>
     <p:sldId id="596" r:id="rId13"/>
     <p:sldId id="597" r:id="rId14"/>
-    <p:sldId id="586" r:id="rId15"/>
-    <p:sldId id="504" r:id="rId16"/>
-    <p:sldId id="505" r:id="rId17"/>
+    <p:sldId id="598" r:id="rId15"/>
+    <p:sldId id="599" r:id="rId16"/>
+    <p:sldId id="600" r:id="rId17"/>
+    <p:sldId id="601" r:id="rId18"/>
+    <p:sldId id="586" r:id="rId19"/>
+    <p:sldId id="504" r:id="rId20"/>
+    <p:sldId id="505" r:id="rId21"/>
   </p:sldIdLst>
   <p:sldSz cx="12192000" cy="6858000"/>
   <p:notesSz cx="6858000" cy="9144000"/>
@@ -155,6 +159,10 @@
         <p14:section name="Отпечатване на документ" id="{35D0EBBF-4293-4D80-8E3D-CA3F779D3DF8}">
           <p14:sldIdLst>
             <p14:sldId id="597"/>
+            <p14:sldId id="598"/>
+            <p14:sldId id="599"/>
+            <p14:sldId id="600"/>
+            <p14:sldId id="601"/>
           </p14:sldIdLst>
         </p14:section>
         <p14:section name="Заключение" id="{E19D07F1-86E2-47E9-B2AB-7ADC4F89DC12}">
@@ -281,7 +289,7 @@
           <a:p>
             <a:fld id="{4E087215-0C8F-4762-A664-737A353EC9A4}" type="datetimeFigureOut">
               <a:rPr lang="bg-BG" smtClean="0"/>
-              <a:t>9.4.2024 г.</a:t>
+              <a:t>10.4.2024 г.</a:t>
             </a:fld>
             <a:endParaRPr lang="bg-BG"/>
           </a:p>
@@ -477,7 +485,7 @@
           <a:p>
             <a:fld id="{72D84649-876A-46C9-8472-14CB09C070D8}" type="datetimeFigureOut">
               <a:rPr lang="en-US" smtClean="0"/>
-              <a:t>4/9/2024</a:t>
+              <a:t>4/10/2024</a:t>
             </a:fld>
             <a:endParaRPr lang="en-US"/>
           </a:p>
@@ -1504,7 +1512,7 @@
             <a:fld id="{3EBA5BD7-F043-4D1B-AA17-CD412FC534DE}" type="slidenum">
               <a:rPr lang="en-US" smtClean="0"/>
               <a:pPr/>
-              <a:t>14</a:t>
+              <a:t>18</a:t>
             </a:fld>
             <a:endParaRPr lang="en-US" dirty="0"/>
           </a:p>
@@ -1695,7 +1703,7 @@
             <a:fld id="{3EBA5BD7-F043-4D1B-AA17-CD412FC534DE}" type="slidenum">
               <a:rPr lang="en-US" smtClean="0"/>
               <a:pPr/>
-              <a:t>15</a:t>
+              <a:t>19</a:t>
             </a:fld>
             <a:endParaRPr lang="en-US" dirty="0"/>
           </a:p>
@@ -1925,7 +1933,7 @@
             <a:fld id="{3EBA5BD7-F043-4D1B-AA17-CD412FC534DE}" type="slidenum">
               <a:rPr lang="en-US" smtClean="0"/>
               <a:pPr/>
-              <a:t>16</a:t>
+              <a:t>20</a:t>
             </a:fld>
             <a:endParaRPr lang="en-US" dirty="0"/>
           </a:p>
@@ -8043,15 +8051,7 @@
                   <a:schemeClr val="tx1"/>
                 </a:solidFill>
               </a:rPr>
-              <a:t>Lorem ipsum dolor sit amet, consectetur adipiscing elit. Donec id nisl id purus luctus dignissim vitae a purus. Maecenas tristique sapien sit amet justo ullamcorper elementum sed quis libero. Curabitur volutpat purus vel lacus suscipit ornare. Nulla rhoncus, risus id fringilla lobortis, ante velit sagittis sapien, at dictum turpis sapien id mi. Fusce nec fermentum risus. Duis gravida fermentum mauris vitae sollicitudin. In lobortis lacinia leo, ut finibus diam scelerisque at. Sed ac erat venenatis, egestas nibh vitae, sagittis </a:t>
-            </a:r>
-            <a:r>
-              <a:rPr lang="en-US" sz="1400" noProof="1">
-                <a:solidFill>
-                  <a:schemeClr val="tx1"/>
-                </a:solidFill>
-              </a:rPr>
-              <a:t>diam</a:t>
+              <a:t>Lorem ipsum dolor sit amet, consectetur adipiscing elit. Donec id nisl id purus luctus dignissim vitae a purus. Maecenas tristique sapien sit amet justo ullamcorper elementum sed quis libero. Curabitur volutpat purus vel lacus suscipit ornare. Nulla rhoncus, risus id fringilla lobortis, ante velit sagittis sapien, at dictum turpis sapien id mi. Fusce nec fermentum risus. Duis gravida fermentum mauris vitae sollicitudin. In lobortis lacinia leo, ut finibus diam scelerisque at. Sed ac erat venenatis, egestas nibh vitae, sagittis diam</a:t>
             </a:r>
             <a:r>
               <a:rPr lang="en-US" sz="1400" noProof="1" smtClean="0">
@@ -9259,21 +9259,6 @@
               </a:rPr>
               <a:t>Page Numbers Format</a:t>
             </a:r>
-            <a:endParaRPr lang="en-US" sz="2800" b="1" dirty="0">
-              <a:solidFill>
-                <a:schemeClr val="bg1">
-                  <a:lumMod val="60000"/>
-                  <a:lumOff val="40000"/>
-                </a:schemeClr>
-              </a:solidFill>
-              <a:effectLst>
-                <a:outerShdw blurRad="38100" dist="38100" dir="2700000" algn="tl">
-                  <a:srgbClr val="000000">
-                    <a:alpha val="43137"/>
-                  </a:srgbClr>
-                </a:outerShdw>
-              </a:effectLst>
-            </a:endParaRPr>
           </a:p>
         </p:txBody>
       </p:sp>
@@ -9942,25 +9927,6 @@
       </p:grpSpPr>
       <p:sp>
         <p:nvSpPr>
-          <p:cNvPr id="7" name="Subtitle 6"/>
-          <p:cNvSpPr>
-            <a:spLocks noGrp="1"/>
-          </p:cNvSpPr>
-          <p:nvPr>
-            <p:ph type="subTitle" sz="quarter" idx="11"/>
-          </p:nvPr>
-        </p:nvSpPr>
-        <p:spPr/>
-        <p:txBody>
-          <a:bodyPr/>
-          <a:lstStyle/>
-          <a:p>
-            <a:endParaRPr lang="en-US"/>
-          </a:p>
-        </p:txBody>
-      </p:sp>
-      <p:sp>
-        <p:nvSpPr>
           <p:cNvPr id="6" name="Title 5"/>
           <p:cNvSpPr>
             <a:spLocks noGrp="1"/>
@@ -9969,117 +9935,58 @@
             <p:ph type="title" sz="quarter" idx="10"/>
           </p:nvPr>
         </p:nvSpPr>
-        <p:spPr/>
+        <p:spPr>
+          <a:xfrm>
+            <a:off x="615109" y="5225916"/>
+            <a:ext cx="10961783" cy="768084"/>
+          </a:xfrm>
+        </p:spPr>
         <p:txBody>
           <a:bodyPr/>
           <a:lstStyle/>
           <a:p>
-            <a:endParaRPr lang="en-US"/>
+            <a:r>
+              <a:rPr lang="bg-BG" dirty="0"/>
+              <a:t>Отпечатване на </a:t>
+            </a:r>
+            <a:r>
+              <a:rPr lang="bg-BG" dirty="0" smtClean="0"/>
+              <a:t>документ</a:t>
+            </a:r>
+            <a:endParaRPr lang="en-US" dirty="0"/>
           </a:p>
         </p:txBody>
       </p:sp>
-      <p:sp>
-        <p:nvSpPr>
-          <p:cNvPr id="2" name="Slide Number Placeholder 1"/>
-          <p:cNvSpPr>
-            <a:spLocks noGrp="1"/>
-          </p:cNvSpPr>
-          <p:nvPr>
-            <p:ph type="sldNum" sz="quarter" idx="4294967295"/>
-          </p:nvPr>
-        </p:nvSpPr>
+      <p:pic>
+        <p:nvPicPr>
+          <p:cNvPr id="3" name="Picture 2"/>
+          <p:cNvPicPr>
+            <a:picLocks noChangeAspect="1"/>
+          </p:cNvPicPr>
+          <p:nvPr/>
+        </p:nvPicPr>
+        <p:blipFill>
+          <a:blip r:embed="rId2">
+            <a:extLst>
+              <a:ext uri="{28A0092B-C50C-407E-A947-70E740481C1C}">
+                <a14:useLocalDpi xmlns:a14="http://schemas.microsoft.com/office/drawing/2010/main" val="0"/>
+              </a:ext>
+            </a:extLst>
+          </a:blip>
+          <a:stretch>
+            <a:fillRect/>
+          </a:stretch>
+        </p:blipFill>
         <p:spPr>
           <a:xfrm>
-            <a:off x="11823700" y="6507163"/>
-            <a:ext cx="368300" cy="296862"/>
+            <a:off x="4899300" y="1449000"/>
+            <a:ext cx="2393400" cy="2393400"/>
           </a:xfrm>
           <a:prstGeom prst="rect">
             <a:avLst/>
           </a:prstGeom>
         </p:spPr>
-        <p:txBody>
-          <a:bodyPr/>
-          <a:lstStyle/>
-          <a:p>
-            <a:fld id="{2BF067CD-8E6B-4360-9AA8-C5DF2A48A6D1}" type="slidenum">
-              <a:rPr lang="en-US" noProof="0" smtClean="0"/>
-              <a:pPr/>
-              <a:t>13</a:t>
-            </a:fld>
-            <a:endParaRPr lang="en-US" noProof="0" dirty="0"/>
-          </a:p>
-        </p:txBody>
-      </p:sp>
-      <p:sp>
-        <p:nvSpPr>
-          <p:cNvPr id="5" name="Rectangle 4"/>
-          <p:cNvSpPr/>
-          <p:nvPr/>
-        </p:nvSpPr>
-        <p:spPr bwMode="auto">
-          <a:xfrm>
-            <a:off x="2046000" y="2619000"/>
-            <a:ext cx="5535000" cy="3888000"/>
-          </a:xfrm>
-          <a:prstGeom prst="rect">
-            <a:avLst/>
-          </a:prstGeom>
-          <a:ln/>
-        </p:spPr>
-        <p:style>
-          <a:lnRef idx="2">
-            <a:schemeClr val="accent1"/>
-          </a:lnRef>
-          <a:fillRef idx="1">
-            <a:schemeClr val="lt1"/>
-          </a:fillRef>
-          <a:effectRef idx="0">
-            <a:schemeClr val="accent1"/>
-          </a:effectRef>
-          <a:fontRef idx="minor">
-            <a:schemeClr val="dk1"/>
-          </a:fontRef>
-        </p:style>
-        <p:txBody>
-          <a:bodyPr rot="0" spcFirstLastPara="0" vertOverflow="overflow" horzOverflow="overflow" vert="horz" wrap="square" lIns="91440" tIns="45720" rIns="91440" bIns="45720" numCol="1" spcCol="0" rtlCol="0" fromWordArt="0" anchor="ctr" anchorCtr="0" forceAA="0" compatLnSpc="1">
-            <a:prstTxWarp prst="textNoShape">
-              <a:avLst/>
-            </a:prstTxWarp>
-            <a:noAutofit/>
-          </a:bodyPr>
-          <a:lstStyle/>
-          <a:p>
-            <a:pPr algn="ctr"/>
-            <a:r>
-              <a:rPr lang="bg-BG" sz="2800" b="1" dirty="0" smtClean="0">
-                <a:solidFill>
-                  <a:srgbClr val="FFFFFF"/>
-                </a:solidFill>
-                <a:effectLst>
-                  <a:outerShdw blurRad="38100" dist="38100" dir="2700000" algn="tl">
-                    <a:srgbClr val="000000">
-                      <a:alpha val="43137"/>
-                    </a:srgbClr>
-                  </a:outerShdw>
-                </a:effectLst>
-              </a:rPr>
-              <a:t>Отпечатване на документ</a:t>
-            </a:r>
-            <a:endParaRPr lang="en-US" sz="2800" b="1" dirty="0">
-              <a:solidFill>
-                <a:srgbClr val="FFFFFF"/>
-              </a:solidFill>
-              <a:effectLst>
-                <a:outerShdw blurRad="38100" dist="38100" dir="2700000" algn="tl">
-                  <a:srgbClr val="000000">
-                    <a:alpha val="43137"/>
-                  </a:srgbClr>
-                </a:outerShdw>
-              </a:effectLst>
-            </a:endParaRPr>
-          </a:p>
-        </p:txBody>
-      </p:sp>
+      </p:pic>
     </p:spTree>
     <p:extLst>
       <p:ext uri="{BB962C8B-B14F-4D97-AF65-F5344CB8AC3E}">
@@ -10109,6 +10016,2389 @@
 </file>
 
 <file path=ppt/slides/slide14.xml><?xml version="1.0" encoding="utf-8"?>
+<p:sld xmlns:a="http://schemas.openxmlformats.org/drawingml/2006/main" xmlns:r="http://schemas.openxmlformats.org/officeDocument/2006/relationships" xmlns:p="http://schemas.openxmlformats.org/presentationml/2006/main">
+  <p:cSld>
+    <p:spTree>
+      <p:nvGrpSpPr>
+        <p:cNvPr id="1" name=""/>
+        <p:cNvGrpSpPr/>
+        <p:nvPr/>
+      </p:nvGrpSpPr>
+      <p:grpSpPr>
+        <a:xfrm>
+          <a:off x="0" y="0"/>
+          <a:ext cx="0" cy="0"/>
+          <a:chOff x="0" y="0"/>
+          <a:chExt cx="0" cy="0"/>
+        </a:xfrm>
+      </p:grpSpPr>
+      <p:sp>
+        <p:nvSpPr>
+          <p:cNvPr id="5" name="Text Placeholder 4"/>
+          <p:cNvSpPr>
+            <a:spLocks noGrp="1"/>
+          </p:cNvSpPr>
+          <p:nvPr>
+            <p:ph type="body" sz="quarter" idx="10"/>
+          </p:nvPr>
+        </p:nvSpPr>
+        <p:spPr/>
+        <p:txBody>
+          <a:bodyPr/>
+          <a:lstStyle/>
+          <a:p>
+            <a:r>
+              <a:rPr lang="bg-BG" dirty="0" smtClean="0"/>
+              <a:t>Печатането на документ в </a:t>
+            </a:r>
+            <a:r>
+              <a:rPr lang="en-US" b="1" dirty="0" smtClean="0"/>
+              <a:t>Word</a:t>
+            </a:r>
+            <a:r>
+              <a:rPr lang="en-US" dirty="0" smtClean="0"/>
+              <a:t> </a:t>
+            </a:r>
+            <a:r>
+              <a:rPr lang="bg-BG" dirty="0" smtClean="0"/>
+              <a:t>се извършва от </a:t>
+            </a:r>
+            <a:r>
+              <a:rPr lang="bg-BG" b="1" dirty="0" smtClean="0"/>
+              <a:t>менюто </a:t>
+            </a:r>
+            <a:r>
+              <a:rPr lang="en-US" b="1" dirty="0" smtClean="0">
+                <a:solidFill>
+                  <a:schemeClr val="bg1"/>
+                </a:solidFill>
+              </a:rPr>
+              <a:t>File</a:t>
+            </a:r>
+            <a:r>
+              <a:rPr lang="en-US" b="1" dirty="0" smtClean="0"/>
+              <a:t> </a:t>
+            </a:r>
+            <a:r>
+              <a:rPr lang="bg-BG" dirty="0" smtClean="0"/>
+              <a:t>и </a:t>
+            </a:r>
+            <a:r>
+              <a:rPr lang="bg-BG" b="1" dirty="0" smtClean="0"/>
+              <a:t>командата </a:t>
+            </a:r>
+            <a:r>
+              <a:rPr lang="en-US" b="1" dirty="0" smtClean="0">
+                <a:solidFill>
+                  <a:schemeClr val="bg1"/>
+                </a:solidFill>
+              </a:rPr>
+              <a:t>Print</a:t>
+            </a:r>
+            <a:endParaRPr lang="en-US" b="1" dirty="0">
+              <a:solidFill>
+                <a:schemeClr val="bg1"/>
+              </a:solidFill>
+            </a:endParaRPr>
+          </a:p>
+        </p:txBody>
+      </p:sp>
+      <p:sp>
+        <p:nvSpPr>
+          <p:cNvPr id="4" name="Title 3"/>
+          <p:cNvSpPr>
+            <a:spLocks noGrp="1"/>
+          </p:cNvSpPr>
+          <p:nvPr>
+            <p:ph type="title"/>
+          </p:nvPr>
+        </p:nvSpPr>
+        <p:spPr/>
+        <p:txBody>
+          <a:bodyPr/>
+          <a:lstStyle/>
+          <a:p>
+            <a:r>
+              <a:rPr lang="bg-BG" dirty="0" smtClean="0"/>
+              <a:t>Отпечатване на документ</a:t>
+            </a:r>
+            <a:endParaRPr lang="en-US" dirty="0"/>
+          </a:p>
+        </p:txBody>
+      </p:sp>
+      <p:pic>
+        <p:nvPicPr>
+          <p:cNvPr id="6" name="Picture 5"/>
+          <p:cNvPicPr>
+            <a:picLocks noChangeAspect="1"/>
+          </p:cNvPicPr>
+          <p:nvPr/>
+        </p:nvPicPr>
+        <p:blipFill rotWithShape="1">
+          <a:blip r:embed="rId2"/>
+          <a:srcRect r="9755" b="23102"/>
+          <a:stretch/>
+        </p:blipFill>
+        <p:spPr>
+          <a:xfrm>
+            <a:off x="921000" y="3294000"/>
+            <a:ext cx="4525714" cy="2475000"/>
+          </a:xfrm>
+          <a:prstGeom prst="rect">
+            <a:avLst/>
+          </a:prstGeom>
+          <a:ln>
+            <a:solidFill>
+              <a:schemeClr val="bg2">
+                <a:lumMod val="75000"/>
+              </a:schemeClr>
+            </a:solidFill>
+          </a:ln>
+        </p:spPr>
+      </p:pic>
+      <p:pic>
+        <p:nvPicPr>
+          <p:cNvPr id="8" name="Picture 7"/>
+          <p:cNvPicPr>
+            <a:picLocks noChangeAspect="1"/>
+          </p:cNvPicPr>
+          <p:nvPr/>
+        </p:nvPicPr>
+        <p:blipFill>
+          <a:blip r:embed="rId3"/>
+          <a:stretch>
+            <a:fillRect/>
+          </a:stretch>
+        </p:blipFill>
+        <p:spPr>
+          <a:xfrm>
+            <a:off x="6771000" y="2979000"/>
+            <a:ext cx="4448796" cy="3305636"/>
+          </a:xfrm>
+          <a:prstGeom prst="rect">
+            <a:avLst/>
+          </a:prstGeom>
+          <a:ln>
+            <a:solidFill>
+              <a:schemeClr val="bg2">
+                <a:lumMod val="75000"/>
+              </a:schemeClr>
+            </a:solidFill>
+          </a:ln>
+        </p:spPr>
+      </p:pic>
+      <p:sp>
+        <p:nvSpPr>
+          <p:cNvPr id="9" name="Rectangle 8"/>
+          <p:cNvSpPr/>
+          <p:nvPr/>
+        </p:nvSpPr>
+        <p:spPr bwMode="auto">
+          <a:xfrm>
+            <a:off x="831000" y="3699000"/>
+            <a:ext cx="1080000" cy="630000"/>
+          </a:xfrm>
+          <a:prstGeom prst="rect">
+            <a:avLst/>
+          </a:prstGeom>
+          <a:noFill/>
+          <a:ln w="38100">
+            <a:solidFill>
+              <a:schemeClr val="bg1">
+                <a:lumMod val="60000"/>
+                <a:lumOff val="40000"/>
+              </a:schemeClr>
+            </a:solidFill>
+          </a:ln>
+          <a:effectLst/>
+        </p:spPr>
+        <p:style>
+          <a:lnRef idx="2">
+            <a:schemeClr val="accent1">
+              <a:shade val="50000"/>
+            </a:schemeClr>
+          </a:lnRef>
+          <a:fillRef idx="1001">
+            <a:schemeClr val="dk2"/>
+          </a:fillRef>
+          <a:effectRef idx="0">
+            <a:schemeClr val="accent1"/>
+          </a:effectRef>
+          <a:fontRef idx="minor">
+            <a:schemeClr val="lt1"/>
+          </a:fontRef>
+        </p:style>
+        <p:txBody>
+          <a:bodyPr rot="0" spcFirstLastPara="0" vertOverflow="overflow" horzOverflow="overflow" vert="horz" wrap="square" lIns="91440" tIns="45720" rIns="91440" bIns="45720" numCol="1" spcCol="0" rtlCol="0" fromWordArt="0" anchor="ctr" anchorCtr="0" forceAA="0" compatLnSpc="1">
+            <a:prstTxWarp prst="textNoShape">
+              <a:avLst/>
+            </a:prstTxWarp>
+            <a:noAutofit/>
+          </a:bodyPr>
+          <a:lstStyle/>
+          <a:p>
+            <a:pPr algn="ctr"/>
+            <a:endParaRPr lang="en-US" sz="2800" b="1" dirty="0">
+              <a:solidFill>
+                <a:srgbClr val="FFFFFF"/>
+              </a:solidFill>
+              <a:effectLst>
+                <a:outerShdw blurRad="38100" dist="38100" dir="2700000" algn="tl">
+                  <a:srgbClr val="000000">
+                    <a:alpha val="43137"/>
+                  </a:srgbClr>
+                </a:outerShdw>
+              </a:effectLst>
+            </a:endParaRPr>
+          </a:p>
+        </p:txBody>
+      </p:sp>
+      <p:sp>
+        <p:nvSpPr>
+          <p:cNvPr id="10" name="Rectangle 9"/>
+          <p:cNvSpPr/>
+          <p:nvPr/>
+        </p:nvSpPr>
+        <p:spPr bwMode="auto">
+          <a:xfrm>
+            <a:off x="6771000" y="5499000"/>
+            <a:ext cx="1125000" cy="405000"/>
+          </a:xfrm>
+          <a:prstGeom prst="rect">
+            <a:avLst/>
+          </a:prstGeom>
+          <a:noFill/>
+          <a:ln w="38100">
+            <a:solidFill>
+              <a:schemeClr val="bg1">
+                <a:lumMod val="60000"/>
+                <a:lumOff val="40000"/>
+              </a:schemeClr>
+            </a:solidFill>
+          </a:ln>
+          <a:effectLst/>
+        </p:spPr>
+        <p:style>
+          <a:lnRef idx="2">
+            <a:schemeClr val="accent1">
+              <a:shade val="50000"/>
+            </a:schemeClr>
+          </a:lnRef>
+          <a:fillRef idx="1001">
+            <a:schemeClr val="dk2"/>
+          </a:fillRef>
+          <a:effectRef idx="0">
+            <a:schemeClr val="accent1"/>
+          </a:effectRef>
+          <a:fontRef idx="minor">
+            <a:schemeClr val="lt1"/>
+          </a:fontRef>
+        </p:style>
+        <p:txBody>
+          <a:bodyPr rot="0" spcFirstLastPara="0" vertOverflow="overflow" horzOverflow="overflow" vert="horz" wrap="square" lIns="91440" tIns="45720" rIns="91440" bIns="45720" numCol="1" spcCol="0" rtlCol="0" fromWordArt="0" anchor="ctr" anchorCtr="0" forceAA="0" compatLnSpc="1">
+            <a:prstTxWarp prst="textNoShape">
+              <a:avLst/>
+            </a:prstTxWarp>
+            <a:noAutofit/>
+          </a:bodyPr>
+          <a:lstStyle/>
+          <a:p>
+            <a:pPr algn="ctr"/>
+            <a:endParaRPr lang="en-US" sz="2800" b="1" dirty="0">
+              <a:solidFill>
+                <a:srgbClr val="FFFFFF"/>
+              </a:solidFill>
+              <a:effectLst>
+                <a:outerShdw blurRad="38100" dist="38100" dir="2700000" algn="tl">
+                  <a:srgbClr val="000000">
+                    <a:alpha val="43137"/>
+                  </a:srgbClr>
+                </a:outerShdw>
+              </a:effectLst>
+            </a:endParaRPr>
+          </a:p>
+        </p:txBody>
+      </p:sp>
+      <p:cxnSp>
+        <p:nvCxnSpPr>
+          <p:cNvPr id="12" name="Straight Arrow Connector 11"/>
+          <p:cNvCxnSpPr/>
+          <p:nvPr/>
+        </p:nvCxnSpPr>
+        <p:spPr>
+          <a:xfrm>
+            <a:off x="5703857" y="4631818"/>
+            <a:ext cx="810000" cy="237182"/>
+          </a:xfrm>
+          <a:prstGeom prst="straightConnector1">
+            <a:avLst/>
+          </a:prstGeom>
+          <a:ln w="76200">
+            <a:tailEnd type="triangle"/>
+          </a:ln>
+        </p:spPr>
+        <p:style>
+          <a:lnRef idx="1">
+            <a:schemeClr val="dk1"/>
+          </a:lnRef>
+          <a:fillRef idx="0">
+            <a:schemeClr val="dk1"/>
+          </a:fillRef>
+          <a:effectRef idx="0">
+            <a:schemeClr val="dk1"/>
+          </a:effectRef>
+          <a:fontRef idx="minor">
+            <a:schemeClr val="tx1"/>
+          </a:fontRef>
+        </p:style>
+      </p:cxnSp>
+    </p:spTree>
+    <p:extLst>
+      <p:ext uri="{BB962C8B-B14F-4D97-AF65-F5344CB8AC3E}">
+        <p14:creationId xmlns:p14="http://schemas.microsoft.com/office/powerpoint/2010/main" val="3559257137"/>
+      </p:ext>
+    </p:extLst>
+  </p:cSld>
+  <p:clrMapOvr>
+    <a:masterClrMapping/>
+  </p:clrMapOvr>
+  <mc:AlternateContent xmlns:mc="http://schemas.openxmlformats.org/markup-compatibility/2006" xmlns:p14="http://schemas.microsoft.com/office/powerpoint/2010/main">
+    <mc:Choice Requires="p14">
+      <p:transition spd="slow" p14:dur="2000" advClick="0" advTm="5000"/>
+    </mc:Choice>
+    <mc:Fallback xmlns="">
+      <p:transition spd="slow" advClick="0" advTm="5000"/>
+    </mc:Fallback>
+  </mc:AlternateContent>
+  <p:timing>
+    <p:tnLst>
+      <p:par>
+        <p:cTn id="1" dur="indefinite" restart="never" nodeType="tmRoot">
+          <p:childTnLst>
+            <p:seq concurrent="1" nextAc="seek">
+              <p:cTn id="2" dur="indefinite" nodeType="mainSeq">
+                <p:childTnLst>
+                  <p:par>
+                    <p:cTn id="3" fill="hold">
+                      <p:stCondLst>
+                        <p:cond delay="indefinite"/>
+                      </p:stCondLst>
+                      <p:childTnLst>
+                        <p:par>
+                          <p:cTn id="4" fill="hold">
+                            <p:stCondLst>
+                              <p:cond delay="0"/>
+                            </p:stCondLst>
+                            <p:childTnLst>
+                              <p:par>
+                                <p:cTn id="5" presetID="1" presetClass="entr" presetSubtype="0" fill="hold" nodeType="clickEffect">
+                                  <p:stCondLst>
+                                    <p:cond delay="0"/>
+                                  </p:stCondLst>
+                                  <p:childTnLst>
+                                    <p:set>
+                                      <p:cBhvr>
+                                        <p:cTn id="6" dur="1" fill="hold">
+                                          <p:stCondLst>
+                                            <p:cond delay="0"/>
+                                          </p:stCondLst>
+                                        </p:cTn>
+                                        <p:tgtEl>
+                                          <p:spTgt spid="6"/>
+                                        </p:tgtEl>
+                                        <p:attrNameLst>
+                                          <p:attrName>style.visibility</p:attrName>
+                                        </p:attrNameLst>
+                                      </p:cBhvr>
+                                      <p:to>
+                                        <p:strVal val="visible"/>
+                                      </p:to>
+                                    </p:set>
+                                  </p:childTnLst>
+                                </p:cTn>
+                              </p:par>
+                            </p:childTnLst>
+                          </p:cTn>
+                        </p:par>
+                      </p:childTnLst>
+                    </p:cTn>
+                  </p:par>
+                  <p:par>
+                    <p:cTn id="7" fill="hold">
+                      <p:stCondLst>
+                        <p:cond delay="indefinite"/>
+                      </p:stCondLst>
+                      <p:childTnLst>
+                        <p:par>
+                          <p:cTn id="8" fill="hold">
+                            <p:stCondLst>
+                              <p:cond delay="0"/>
+                            </p:stCondLst>
+                            <p:childTnLst>
+                              <p:par>
+                                <p:cTn id="9" presetID="1" presetClass="entr" presetSubtype="0" fill="hold" grpId="0" nodeType="clickEffect">
+                                  <p:stCondLst>
+                                    <p:cond delay="0"/>
+                                  </p:stCondLst>
+                                  <p:childTnLst>
+                                    <p:set>
+                                      <p:cBhvr>
+                                        <p:cTn id="10" dur="1" fill="hold">
+                                          <p:stCondLst>
+                                            <p:cond delay="0"/>
+                                          </p:stCondLst>
+                                        </p:cTn>
+                                        <p:tgtEl>
+                                          <p:spTgt spid="9"/>
+                                        </p:tgtEl>
+                                        <p:attrNameLst>
+                                          <p:attrName>style.visibility</p:attrName>
+                                        </p:attrNameLst>
+                                      </p:cBhvr>
+                                      <p:to>
+                                        <p:strVal val="visible"/>
+                                      </p:to>
+                                    </p:set>
+                                  </p:childTnLst>
+                                </p:cTn>
+                              </p:par>
+                            </p:childTnLst>
+                          </p:cTn>
+                        </p:par>
+                      </p:childTnLst>
+                    </p:cTn>
+                  </p:par>
+                  <p:par>
+                    <p:cTn id="11" fill="hold">
+                      <p:stCondLst>
+                        <p:cond delay="indefinite"/>
+                      </p:stCondLst>
+                      <p:childTnLst>
+                        <p:par>
+                          <p:cTn id="12" fill="hold">
+                            <p:stCondLst>
+                              <p:cond delay="0"/>
+                            </p:stCondLst>
+                            <p:childTnLst>
+                              <p:par>
+                                <p:cTn id="13" presetID="1" presetClass="entr" presetSubtype="0" fill="hold" nodeType="clickEffect">
+                                  <p:stCondLst>
+                                    <p:cond delay="0"/>
+                                  </p:stCondLst>
+                                  <p:childTnLst>
+                                    <p:set>
+                                      <p:cBhvr>
+                                        <p:cTn id="14" dur="1" fill="hold">
+                                          <p:stCondLst>
+                                            <p:cond delay="0"/>
+                                          </p:stCondLst>
+                                        </p:cTn>
+                                        <p:tgtEl>
+                                          <p:spTgt spid="12"/>
+                                        </p:tgtEl>
+                                        <p:attrNameLst>
+                                          <p:attrName>style.visibility</p:attrName>
+                                        </p:attrNameLst>
+                                      </p:cBhvr>
+                                      <p:to>
+                                        <p:strVal val="visible"/>
+                                      </p:to>
+                                    </p:set>
+                                  </p:childTnLst>
+                                </p:cTn>
+                              </p:par>
+                            </p:childTnLst>
+                          </p:cTn>
+                        </p:par>
+                      </p:childTnLst>
+                    </p:cTn>
+                  </p:par>
+                  <p:par>
+                    <p:cTn id="15" fill="hold">
+                      <p:stCondLst>
+                        <p:cond delay="indefinite"/>
+                      </p:stCondLst>
+                      <p:childTnLst>
+                        <p:par>
+                          <p:cTn id="16" fill="hold">
+                            <p:stCondLst>
+                              <p:cond delay="0"/>
+                            </p:stCondLst>
+                            <p:childTnLst>
+                              <p:par>
+                                <p:cTn id="17" presetID="1" presetClass="entr" presetSubtype="0" fill="hold" nodeType="clickEffect">
+                                  <p:stCondLst>
+                                    <p:cond delay="0"/>
+                                  </p:stCondLst>
+                                  <p:childTnLst>
+                                    <p:set>
+                                      <p:cBhvr>
+                                        <p:cTn id="18" dur="1" fill="hold">
+                                          <p:stCondLst>
+                                            <p:cond delay="0"/>
+                                          </p:stCondLst>
+                                        </p:cTn>
+                                        <p:tgtEl>
+                                          <p:spTgt spid="8"/>
+                                        </p:tgtEl>
+                                        <p:attrNameLst>
+                                          <p:attrName>style.visibility</p:attrName>
+                                        </p:attrNameLst>
+                                      </p:cBhvr>
+                                      <p:to>
+                                        <p:strVal val="visible"/>
+                                      </p:to>
+                                    </p:set>
+                                  </p:childTnLst>
+                                </p:cTn>
+                              </p:par>
+                            </p:childTnLst>
+                          </p:cTn>
+                        </p:par>
+                      </p:childTnLst>
+                    </p:cTn>
+                  </p:par>
+                  <p:par>
+                    <p:cTn id="19" fill="hold">
+                      <p:stCondLst>
+                        <p:cond delay="indefinite"/>
+                      </p:stCondLst>
+                      <p:childTnLst>
+                        <p:par>
+                          <p:cTn id="20" fill="hold">
+                            <p:stCondLst>
+                              <p:cond delay="0"/>
+                            </p:stCondLst>
+                            <p:childTnLst>
+                              <p:par>
+                                <p:cTn id="21" presetID="1" presetClass="entr" presetSubtype="0" fill="hold" grpId="0" nodeType="clickEffect">
+                                  <p:stCondLst>
+                                    <p:cond delay="0"/>
+                                  </p:stCondLst>
+                                  <p:childTnLst>
+                                    <p:set>
+                                      <p:cBhvr>
+                                        <p:cTn id="22" dur="1" fill="hold">
+                                          <p:stCondLst>
+                                            <p:cond delay="0"/>
+                                          </p:stCondLst>
+                                        </p:cTn>
+                                        <p:tgtEl>
+                                          <p:spTgt spid="10"/>
+                                        </p:tgtEl>
+                                        <p:attrNameLst>
+                                          <p:attrName>style.visibility</p:attrName>
+                                        </p:attrNameLst>
+                                      </p:cBhvr>
+                                      <p:to>
+                                        <p:strVal val="visible"/>
+                                      </p:to>
+                                    </p:set>
+                                  </p:childTnLst>
+                                </p:cTn>
+                              </p:par>
+                            </p:childTnLst>
+                          </p:cTn>
+                        </p:par>
+                      </p:childTnLst>
+                    </p:cTn>
+                  </p:par>
+                </p:childTnLst>
+              </p:cTn>
+              <p:prevCondLst>
+                <p:cond evt="onPrev" delay="0">
+                  <p:tgtEl>
+                    <p:sldTgt/>
+                  </p:tgtEl>
+                </p:cond>
+              </p:prevCondLst>
+              <p:nextCondLst>
+                <p:cond evt="onNext" delay="0">
+                  <p:tgtEl>
+                    <p:sldTgt/>
+                  </p:tgtEl>
+                </p:cond>
+              </p:nextCondLst>
+            </p:seq>
+          </p:childTnLst>
+        </p:cTn>
+      </p:par>
+    </p:tnLst>
+    <p:bldLst>
+      <p:bldP spid="9" grpId="0" animBg="1"/>
+      <p:bldP spid="10" grpId="0" animBg="1"/>
+    </p:bldLst>
+  </p:timing>
+</p:sld>
+</file>
+
+<file path=ppt/slides/slide15.xml><?xml version="1.0" encoding="utf-8"?>
+<p:sld xmlns:a="http://schemas.openxmlformats.org/drawingml/2006/main" xmlns:r="http://schemas.openxmlformats.org/officeDocument/2006/relationships" xmlns:p="http://schemas.openxmlformats.org/presentationml/2006/main">
+  <p:cSld>
+    <p:spTree>
+      <p:nvGrpSpPr>
+        <p:cNvPr id="1" name=""/>
+        <p:cNvGrpSpPr/>
+        <p:nvPr/>
+      </p:nvGrpSpPr>
+      <p:grpSpPr>
+        <a:xfrm>
+          <a:off x="0" y="0"/>
+          <a:ext cx="0" cy="0"/>
+          <a:chOff x="0" y="0"/>
+          <a:chExt cx="0" cy="0"/>
+        </a:xfrm>
+      </p:grpSpPr>
+      <p:sp>
+        <p:nvSpPr>
+          <p:cNvPr id="2" name="Slide Number Placeholder 1"/>
+          <p:cNvSpPr>
+            <a:spLocks noGrp="1"/>
+          </p:cNvSpPr>
+          <p:nvPr>
+            <p:ph type="sldNum" sz="quarter" idx="5"/>
+          </p:nvPr>
+        </p:nvSpPr>
+        <p:spPr/>
+        <p:txBody>
+          <a:bodyPr/>
+          <a:lstStyle/>
+          <a:p>
+            <a:fld id="{2BF067CD-8E6B-4360-9AA8-C5DF2A48A6D1}" type="slidenum">
+              <a:rPr lang="en-US" noProof="0" smtClean="0"/>
+              <a:pPr/>
+              <a:t>15</a:t>
+            </a:fld>
+            <a:endParaRPr lang="en-US" noProof="0" dirty="0"/>
+          </a:p>
+        </p:txBody>
+      </p:sp>
+      <p:sp>
+        <p:nvSpPr>
+          <p:cNvPr id="4" name="Title 3"/>
+          <p:cNvSpPr>
+            <a:spLocks noGrp="1"/>
+          </p:cNvSpPr>
+          <p:nvPr>
+            <p:ph type="title"/>
+          </p:nvPr>
+        </p:nvSpPr>
+        <p:spPr/>
+        <p:txBody>
+          <a:bodyPr/>
+          <a:lstStyle/>
+          <a:p>
+            <a:r>
+              <a:rPr lang="bg-BG" dirty="0"/>
+              <a:t>Отпечатване на документ</a:t>
+            </a:r>
+            <a:endParaRPr lang="en-US" dirty="0"/>
+          </a:p>
+        </p:txBody>
+      </p:sp>
+      <p:grpSp>
+        <p:nvGrpSpPr>
+          <p:cNvPr id="10" name="Group 9"/>
+          <p:cNvGrpSpPr/>
+          <p:nvPr/>
+        </p:nvGrpSpPr>
+        <p:grpSpPr>
+          <a:xfrm>
+            <a:off x="2136000" y="1179000"/>
+            <a:ext cx="7876353" cy="5553000"/>
+            <a:chOff x="3380537" y="1490625"/>
+            <a:chExt cx="7084888" cy="4995000"/>
+          </a:xfrm>
+        </p:grpSpPr>
+        <p:grpSp>
+          <p:nvGrpSpPr>
+            <p:cNvPr id="8" name="Group 7"/>
+            <p:cNvGrpSpPr/>
+            <p:nvPr/>
+          </p:nvGrpSpPr>
+          <p:grpSpPr>
+            <a:xfrm>
+              <a:off x="3380537" y="1490625"/>
+              <a:ext cx="7084888" cy="4995000"/>
+              <a:chOff x="2600538" y="1358998"/>
+              <a:chExt cx="7155024" cy="4919839"/>
+            </a:xfrm>
+          </p:grpSpPr>
+          <p:pic>
+            <p:nvPicPr>
+              <p:cNvPr id="5" name="Picture 4"/>
+              <p:cNvPicPr>
+                <a:picLocks noChangeAspect="1"/>
+              </p:cNvPicPr>
+              <p:nvPr/>
+            </p:nvPicPr>
+            <p:blipFill rotWithShape="1">
+              <a:blip r:embed="rId2"/>
+              <a:srcRect l="40548" r="21376"/>
+              <a:stretch/>
+            </p:blipFill>
+            <p:spPr>
+              <a:xfrm>
+                <a:off x="5331000" y="1359000"/>
+                <a:ext cx="3465000" cy="4919837"/>
+              </a:xfrm>
+              <a:prstGeom prst="rect">
+                <a:avLst/>
+              </a:prstGeom>
+            </p:spPr>
+          </p:pic>
+          <p:pic>
+            <p:nvPicPr>
+              <p:cNvPr id="6" name="Picture 5"/>
+              <p:cNvPicPr>
+                <a:picLocks noChangeAspect="1"/>
+              </p:cNvPicPr>
+              <p:nvPr/>
+            </p:nvPicPr>
+            <p:blipFill rotWithShape="1">
+              <a:blip r:embed="rId2"/>
+              <a:srcRect r="69836"/>
+              <a:stretch/>
+            </p:blipFill>
+            <p:spPr>
+              <a:xfrm>
+                <a:off x="2600538" y="1358998"/>
+                <a:ext cx="2745000" cy="4919837"/>
+              </a:xfrm>
+              <a:prstGeom prst="rect">
+                <a:avLst/>
+              </a:prstGeom>
+            </p:spPr>
+          </p:pic>
+          <p:pic>
+            <p:nvPicPr>
+              <p:cNvPr id="7" name="Picture 6"/>
+              <p:cNvPicPr>
+                <a:picLocks noChangeAspect="1"/>
+              </p:cNvPicPr>
+              <p:nvPr/>
+            </p:nvPicPr>
+            <p:blipFill rotWithShape="1">
+              <a:blip r:embed="rId2"/>
+              <a:srcRect l="89456"/>
+              <a:stretch/>
+            </p:blipFill>
+            <p:spPr>
+              <a:xfrm>
+                <a:off x="8796000" y="1358999"/>
+                <a:ext cx="959562" cy="4919837"/>
+              </a:xfrm>
+              <a:prstGeom prst="rect">
+                <a:avLst/>
+              </a:prstGeom>
+            </p:spPr>
+          </p:pic>
+        </p:grpSp>
+        <p:pic>
+          <p:nvPicPr>
+            <p:cNvPr id="9" name="Picture 8"/>
+            <p:cNvPicPr>
+              <a:picLocks noChangeAspect="1"/>
+            </p:cNvPicPr>
+            <p:nvPr/>
+          </p:nvPicPr>
+          <p:blipFill>
+            <a:blip r:embed="rId3"/>
+            <a:stretch>
+              <a:fillRect/>
+            </a:stretch>
+          </p:blipFill>
+          <p:spPr>
+            <a:xfrm>
+              <a:off x="3993996" y="1509748"/>
+              <a:ext cx="1994902" cy="4975875"/>
+            </a:xfrm>
+            <a:prstGeom prst="rect">
+              <a:avLst/>
+            </a:prstGeom>
+          </p:spPr>
+        </p:pic>
+      </p:grpSp>
+      <p:sp>
+        <p:nvSpPr>
+          <p:cNvPr id="11" name="Rounded Rectangular Callout 10"/>
+          <p:cNvSpPr/>
+          <p:nvPr/>
+        </p:nvSpPr>
+        <p:spPr bwMode="auto">
+          <a:xfrm>
+            <a:off x="9606041" y="5620500"/>
+            <a:ext cx="2025000" cy="1035000"/>
+          </a:xfrm>
+          <a:prstGeom prst="wedgeRoundRectCallout">
+            <a:avLst>
+              <a:gd name="adj1" fmla="val -73957"/>
+              <a:gd name="adj2" fmla="val -40572"/>
+              <a:gd name="adj3" fmla="val 16667"/>
+            </a:avLst>
+          </a:prstGeom>
+          <a:solidFill>
+            <a:schemeClr val="dk2">
+              <a:alpha val="80000"/>
+            </a:schemeClr>
+          </a:solidFill>
+          <a:ln w="19050">
+            <a:solidFill>
+              <a:schemeClr val="tx1">
+                <a:lumMod val="75000"/>
+                <a:alpha val="80000"/>
+              </a:schemeClr>
+            </a:solidFill>
+          </a:ln>
+          <a:effectLst/>
+        </p:spPr>
+        <p:style>
+          <a:lnRef idx="2">
+            <a:schemeClr val="accent1">
+              <a:shade val="50000"/>
+            </a:schemeClr>
+          </a:lnRef>
+          <a:fillRef idx="1001">
+            <a:schemeClr val="dk2"/>
+          </a:fillRef>
+          <a:effectRef idx="0">
+            <a:schemeClr val="accent1"/>
+          </a:effectRef>
+          <a:fontRef idx="minor">
+            <a:schemeClr val="lt1"/>
+          </a:fontRef>
+        </p:style>
+        <p:txBody>
+          <a:bodyPr rot="0" spcFirstLastPara="0" vertOverflow="overflow" horzOverflow="overflow" vert="horz" wrap="square" lIns="91440" tIns="45720" rIns="91440" bIns="45720" numCol="1" spcCol="0" rtlCol="0" fromWordArt="0" anchor="ctr" anchorCtr="0" forceAA="0" compatLnSpc="1">
+            <a:prstTxWarp prst="textNoShape">
+              <a:avLst/>
+            </a:prstTxWarp>
+            <a:noAutofit/>
+          </a:bodyPr>
+          <a:lstStyle/>
+          <a:p>
+            <a:pPr algn="ctr"/>
+            <a:r>
+              <a:rPr lang="bg-BG" sz="2800" b="1" dirty="0" smtClean="0">
+                <a:solidFill>
+                  <a:srgbClr val="FFFFFF"/>
+                </a:solidFill>
+                <a:effectLst>
+                  <a:outerShdw blurRad="38100" dist="38100" dir="2700000" algn="tl">
+                    <a:srgbClr val="000000">
+                      <a:alpha val="43137"/>
+                    </a:srgbClr>
+                  </a:outerShdw>
+                </a:effectLst>
+              </a:rPr>
+              <a:t>Изглед на документа</a:t>
+            </a:r>
+            <a:endParaRPr lang="en-US" sz="2800" b="1" dirty="0">
+              <a:solidFill>
+                <a:srgbClr val="FFFFFF"/>
+              </a:solidFill>
+              <a:effectLst>
+                <a:outerShdw blurRad="38100" dist="38100" dir="2700000" algn="tl">
+                  <a:srgbClr val="000000">
+                    <a:alpha val="43137"/>
+                  </a:srgbClr>
+                </a:outerShdw>
+              </a:effectLst>
+            </a:endParaRPr>
+          </a:p>
+        </p:txBody>
+      </p:sp>
+      <p:sp>
+        <p:nvSpPr>
+          <p:cNvPr id="12" name="Rounded Rectangular Callout 11"/>
+          <p:cNvSpPr/>
+          <p:nvPr/>
+        </p:nvSpPr>
+        <p:spPr bwMode="auto">
+          <a:xfrm>
+            <a:off x="5256343" y="1358794"/>
+            <a:ext cx="4866735" cy="1395000"/>
+          </a:xfrm>
+          <a:prstGeom prst="wedgeRoundRectCallout">
+            <a:avLst>
+              <a:gd name="adj1" fmla="val -54910"/>
+              <a:gd name="adj2" fmla="val 69569"/>
+              <a:gd name="adj3" fmla="val 16667"/>
+            </a:avLst>
+          </a:prstGeom>
+          <a:solidFill>
+            <a:schemeClr val="dk2">
+              <a:alpha val="80000"/>
+            </a:schemeClr>
+          </a:solidFill>
+          <a:ln w="19050">
+            <a:solidFill>
+              <a:schemeClr val="tx1">
+                <a:lumMod val="75000"/>
+                <a:alpha val="80000"/>
+              </a:schemeClr>
+            </a:solidFill>
+          </a:ln>
+          <a:effectLst/>
+        </p:spPr>
+        <p:style>
+          <a:lnRef idx="2">
+            <a:schemeClr val="accent1">
+              <a:shade val="50000"/>
+            </a:schemeClr>
+          </a:lnRef>
+          <a:fillRef idx="1001">
+            <a:schemeClr val="dk2"/>
+          </a:fillRef>
+          <a:effectRef idx="0">
+            <a:schemeClr val="accent1"/>
+          </a:effectRef>
+          <a:fontRef idx="minor">
+            <a:schemeClr val="lt1"/>
+          </a:fontRef>
+        </p:style>
+        <p:txBody>
+          <a:bodyPr rot="0" spcFirstLastPara="0" vertOverflow="overflow" horzOverflow="overflow" vert="horz" wrap="square" lIns="91440" tIns="45720" rIns="91440" bIns="45720" numCol="1" spcCol="0" rtlCol="0" fromWordArt="0" anchor="ctr" anchorCtr="0" forceAA="0" compatLnSpc="1">
+            <a:prstTxWarp prst="textNoShape">
+              <a:avLst/>
+            </a:prstTxWarp>
+            <a:noAutofit/>
+          </a:bodyPr>
+          <a:lstStyle/>
+          <a:p>
+            <a:pPr algn="ctr"/>
+            <a:r>
+              <a:rPr lang="bg-BG" sz="2800" b="1" dirty="0" smtClean="0">
+                <a:solidFill>
+                  <a:srgbClr val="FFFFFF"/>
+                </a:solidFill>
+                <a:effectLst>
+                  <a:outerShdw blurRad="38100" dist="38100" dir="2700000" algn="tl">
+                    <a:srgbClr val="000000">
+                      <a:alpha val="43137"/>
+                    </a:srgbClr>
+                  </a:outerShdw>
+                </a:effectLst>
+              </a:rPr>
+              <a:t>От секцията </a:t>
+            </a:r>
+            <a:r>
+              <a:rPr lang="en-US" sz="2800" b="1" dirty="0" smtClean="0">
+                <a:solidFill>
+                  <a:schemeClr val="bg1">
+                    <a:lumMod val="60000"/>
+                    <a:lumOff val="40000"/>
+                  </a:schemeClr>
+                </a:solidFill>
+                <a:effectLst>
+                  <a:outerShdw blurRad="38100" dist="38100" dir="2700000" algn="tl">
+                    <a:srgbClr val="000000">
+                      <a:alpha val="43137"/>
+                    </a:srgbClr>
+                  </a:outerShdw>
+                </a:effectLst>
+              </a:rPr>
+              <a:t>Printer</a:t>
+            </a:r>
+            <a:r>
+              <a:rPr lang="en-US" sz="2800" b="1" dirty="0" smtClean="0">
+                <a:solidFill>
+                  <a:srgbClr val="FFFFFF"/>
+                </a:solidFill>
+                <a:effectLst>
+                  <a:outerShdw blurRad="38100" dist="38100" dir="2700000" algn="tl">
+                    <a:srgbClr val="000000">
+                      <a:alpha val="43137"/>
+                    </a:srgbClr>
+                  </a:outerShdw>
+                </a:effectLst>
+              </a:rPr>
+              <a:t> </a:t>
+            </a:r>
+            <a:r>
+              <a:rPr lang="bg-BG" sz="2800" b="1" dirty="0" smtClean="0">
+                <a:solidFill>
+                  <a:srgbClr val="FFFFFF"/>
+                </a:solidFill>
+                <a:effectLst>
+                  <a:outerShdw blurRad="38100" dist="38100" dir="2700000" algn="tl">
+                    <a:srgbClr val="000000">
+                      <a:alpha val="43137"/>
+                    </a:srgbClr>
+                  </a:outerShdw>
+                </a:effectLst>
+              </a:rPr>
+              <a:t>избирате принтера, на който да се извърши отпечатването</a:t>
+            </a:r>
+            <a:endParaRPr lang="en-US" sz="2800" b="1" dirty="0">
+              <a:solidFill>
+                <a:srgbClr val="FFFFFF"/>
+              </a:solidFill>
+              <a:effectLst>
+                <a:outerShdw blurRad="38100" dist="38100" dir="2700000" algn="tl">
+                  <a:srgbClr val="000000">
+                    <a:alpha val="43137"/>
+                  </a:srgbClr>
+                </a:outerShdw>
+              </a:effectLst>
+            </a:endParaRPr>
+          </a:p>
+        </p:txBody>
+      </p:sp>
+      <p:sp>
+        <p:nvSpPr>
+          <p:cNvPr id="13" name="Rounded Rectangular Callout 12"/>
+          <p:cNvSpPr/>
+          <p:nvPr/>
+        </p:nvSpPr>
+        <p:spPr bwMode="auto">
+          <a:xfrm>
+            <a:off x="5623078" y="3129184"/>
+            <a:ext cx="4500000" cy="1485000"/>
+          </a:xfrm>
+          <a:prstGeom prst="wedgeRoundRectCallout">
+            <a:avLst>
+              <a:gd name="adj1" fmla="val -60078"/>
+              <a:gd name="adj2" fmla="val -4509"/>
+              <a:gd name="adj3" fmla="val 16667"/>
+            </a:avLst>
+          </a:prstGeom>
+          <a:solidFill>
+            <a:schemeClr val="dk2">
+              <a:alpha val="80000"/>
+            </a:schemeClr>
+          </a:solidFill>
+          <a:ln w="19050">
+            <a:solidFill>
+              <a:schemeClr val="tx1">
+                <a:lumMod val="75000"/>
+                <a:alpha val="80000"/>
+              </a:schemeClr>
+            </a:solidFill>
+          </a:ln>
+          <a:effectLst/>
+        </p:spPr>
+        <p:style>
+          <a:lnRef idx="2">
+            <a:schemeClr val="accent1">
+              <a:shade val="50000"/>
+            </a:schemeClr>
+          </a:lnRef>
+          <a:fillRef idx="1001">
+            <a:schemeClr val="dk2"/>
+          </a:fillRef>
+          <a:effectRef idx="0">
+            <a:schemeClr val="accent1"/>
+          </a:effectRef>
+          <a:fontRef idx="minor">
+            <a:schemeClr val="lt1"/>
+          </a:fontRef>
+        </p:style>
+        <p:txBody>
+          <a:bodyPr rot="0" spcFirstLastPara="0" vertOverflow="overflow" horzOverflow="overflow" vert="horz" wrap="square" lIns="91440" tIns="45720" rIns="91440" bIns="45720" numCol="1" spcCol="0" rtlCol="0" fromWordArt="0" anchor="ctr" anchorCtr="0" forceAA="0" compatLnSpc="1">
+            <a:prstTxWarp prst="textNoShape">
+              <a:avLst/>
+            </a:prstTxWarp>
+            <a:noAutofit/>
+          </a:bodyPr>
+          <a:lstStyle/>
+          <a:p>
+            <a:pPr algn="ctr"/>
+            <a:r>
+              <a:rPr lang="bg-BG" sz="2800" b="1" dirty="0" smtClean="0">
+                <a:solidFill>
+                  <a:srgbClr val="FFFFFF"/>
+                </a:solidFill>
+                <a:effectLst>
+                  <a:outerShdw blurRad="38100" dist="38100" dir="2700000" algn="tl">
+                    <a:srgbClr val="000000">
+                      <a:alpha val="43137"/>
+                    </a:srgbClr>
+                  </a:outerShdw>
+                </a:effectLst>
+              </a:rPr>
+              <a:t>От секцията </a:t>
+            </a:r>
+            <a:r>
+              <a:rPr lang="en-US" sz="2800" b="1" dirty="0" smtClean="0">
+                <a:solidFill>
+                  <a:schemeClr val="bg1">
+                    <a:lumMod val="60000"/>
+                    <a:lumOff val="40000"/>
+                  </a:schemeClr>
+                </a:solidFill>
+                <a:effectLst>
+                  <a:outerShdw blurRad="38100" dist="38100" dir="2700000" algn="tl">
+                    <a:srgbClr val="000000">
+                      <a:alpha val="43137"/>
+                    </a:srgbClr>
+                  </a:outerShdw>
+                </a:effectLst>
+              </a:rPr>
+              <a:t>Settings</a:t>
+            </a:r>
+            <a:r>
+              <a:rPr lang="en-US" sz="2800" b="1" dirty="0" smtClean="0">
+                <a:solidFill>
+                  <a:srgbClr val="FFFFFF"/>
+                </a:solidFill>
+                <a:effectLst>
+                  <a:outerShdw blurRad="38100" dist="38100" dir="2700000" algn="tl">
+                    <a:srgbClr val="000000">
+                      <a:alpha val="43137"/>
+                    </a:srgbClr>
+                  </a:outerShdw>
+                </a:effectLst>
+              </a:rPr>
+              <a:t> </a:t>
+            </a:r>
+            <a:r>
+              <a:rPr lang="bg-BG" sz="2800" b="1" dirty="0" smtClean="0">
+                <a:solidFill>
+                  <a:srgbClr val="FFFFFF"/>
+                </a:solidFill>
+                <a:effectLst>
+                  <a:outerShdw blurRad="38100" dist="38100" dir="2700000" algn="tl">
+                    <a:srgbClr val="000000">
+                      <a:alpha val="43137"/>
+                    </a:srgbClr>
+                  </a:outerShdw>
+                </a:effectLst>
+              </a:rPr>
+              <a:t>може да задавате различни настройки за принта</a:t>
+            </a:r>
+            <a:endParaRPr lang="en-US" sz="2800" b="1" dirty="0">
+              <a:solidFill>
+                <a:srgbClr val="FFFFFF"/>
+              </a:solidFill>
+              <a:effectLst>
+                <a:outerShdw blurRad="38100" dist="38100" dir="2700000" algn="tl">
+                  <a:srgbClr val="000000">
+                    <a:alpha val="43137"/>
+                  </a:srgbClr>
+                </a:outerShdw>
+              </a:effectLst>
+            </a:endParaRPr>
+          </a:p>
+        </p:txBody>
+      </p:sp>
+      <p:sp>
+        <p:nvSpPr>
+          <p:cNvPr id="14" name="Rounded Rectangular Callout 13"/>
+          <p:cNvSpPr/>
+          <p:nvPr/>
+        </p:nvSpPr>
+        <p:spPr bwMode="auto">
+          <a:xfrm>
+            <a:off x="111000" y="2747547"/>
+            <a:ext cx="2790000" cy="1440000"/>
+          </a:xfrm>
+          <a:prstGeom prst="wedgeRoundRectCallout">
+            <a:avLst>
+              <a:gd name="adj1" fmla="val 91306"/>
+              <a:gd name="adj2" fmla="val -100608"/>
+              <a:gd name="adj3" fmla="val 16667"/>
+            </a:avLst>
+          </a:prstGeom>
+          <a:solidFill>
+            <a:schemeClr val="dk2">
+              <a:alpha val="80000"/>
+            </a:schemeClr>
+          </a:solidFill>
+          <a:ln w="19050">
+            <a:solidFill>
+              <a:schemeClr val="tx1">
+                <a:lumMod val="75000"/>
+                <a:alpha val="80000"/>
+              </a:schemeClr>
+            </a:solidFill>
+          </a:ln>
+          <a:effectLst/>
+        </p:spPr>
+        <p:style>
+          <a:lnRef idx="2">
+            <a:schemeClr val="accent1">
+              <a:shade val="50000"/>
+            </a:schemeClr>
+          </a:lnRef>
+          <a:fillRef idx="1001">
+            <a:schemeClr val="dk2"/>
+          </a:fillRef>
+          <a:effectRef idx="0">
+            <a:schemeClr val="accent1"/>
+          </a:effectRef>
+          <a:fontRef idx="minor">
+            <a:schemeClr val="lt1"/>
+          </a:fontRef>
+        </p:style>
+        <p:txBody>
+          <a:bodyPr rot="0" spcFirstLastPara="0" vertOverflow="overflow" horzOverflow="overflow" vert="horz" wrap="square" lIns="91440" tIns="45720" rIns="91440" bIns="45720" numCol="1" spcCol="0" rtlCol="0" fromWordArt="0" anchor="ctr" anchorCtr="0" forceAA="0" compatLnSpc="1">
+            <a:prstTxWarp prst="textNoShape">
+              <a:avLst/>
+            </a:prstTxWarp>
+            <a:noAutofit/>
+          </a:bodyPr>
+          <a:lstStyle/>
+          <a:p>
+            <a:pPr algn="ctr"/>
+            <a:r>
+              <a:rPr lang="bg-BG" sz="2800" b="1" dirty="0" smtClean="0">
+                <a:solidFill>
+                  <a:srgbClr val="FFFFFF"/>
+                </a:solidFill>
+                <a:effectLst>
+                  <a:outerShdw blurRad="38100" dist="38100" dir="2700000" algn="tl">
+                    <a:srgbClr val="000000">
+                      <a:alpha val="43137"/>
+                    </a:srgbClr>
+                  </a:outerShdw>
+                </a:effectLst>
+              </a:rPr>
+              <a:t>Избирате колко копия да се принтира</a:t>
+            </a:r>
+            <a:endParaRPr lang="en-US" sz="2800" b="1" dirty="0">
+              <a:solidFill>
+                <a:srgbClr val="FFFFFF"/>
+              </a:solidFill>
+              <a:effectLst>
+                <a:outerShdw blurRad="38100" dist="38100" dir="2700000" algn="tl">
+                  <a:srgbClr val="000000">
+                    <a:alpha val="43137"/>
+                  </a:srgbClr>
+                </a:outerShdw>
+              </a:effectLst>
+            </a:endParaRPr>
+          </a:p>
+        </p:txBody>
+      </p:sp>
+    </p:spTree>
+    <p:extLst>
+      <p:ext uri="{BB962C8B-B14F-4D97-AF65-F5344CB8AC3E}">
+        <p14:creationId xmlns:p14="http://schemas.microsoft.com/office/powerpoint/2010/main" val="2577787507"/>
+      </p:ext>
+    </p:extLst>
+  </p:cSld>
+  <p:clrMapOvr>
+    <a:masterClrMapping/>
+  </p:clrMapOvr>
+  <mc:AlternateContent xmlns:mc="http://schemas.openxmlformats.org/markup-compatibility/2006" xmlns:p14="http://schemas.microsoft.com/office/powerpoint/2010/main">
+    <mc:Choice Requires="p14">
+      <p:transition spd="slow" p14:dur="2000" advClick="0" advTm="5000"/>
+    </mc:Choice>
+    <mc:Fallback xmlns="">
+      <p:transition spd="slow" advClick="0" advTm="5000"/>
+    </mc:Fallback>
+  </mc:AlternateContent>
+  <p:timing>
+    <p:tnLst>
+      <p:par>
+        <p:cTn id="1" dur="indefinite" restart="never" nodeType="tmRoot">
+          <p:childTnLst>
+            <p:seq concurrent="1" nextAc="seek">
+              <p:cTn id="2" dur="indefinite" nodeType="mainSeq">
+                <p:childTnLst>
+                  <p:par>
+                    <p:cTn id="3" fill="hold">
+                      <p:stCondLst>
+                        <p:cond delay="indefinite"/>
+                      </p:stCondLst>
+                      <p:childTnLst>
+                        <p:par>
+                          <p:cTn id="4" fill="hold">
+                            <p:stCondLst>
+                              <p:cond delay="0"/>
+                            </p:stCondLst>
+                            <p:childTnLst>
+                              <p:par>
+                                <p:cTn id="5" presetID="1" presetClass="entr" presetSubtype="0" fill="hold" grpId="0" nodeType="clickEffect">
+                                  <p:stCondLst>
+                                    <p:cond delay="0"/>
+                                  </p:stCondLst>
+                                  <p:childTnLst>
+                                    <p:set>
+                                      <p:cBhvr>
+                                        <p:cTn id="6" dur="1" fill="hold">
+                                          <p:stCondLst>
+                                            <p:cond delay="0"/>
+                                          </p:stCondLst>
+                                        </p:cTn>
+                                        <p:tgtEl>
+                                          <p:spTgt spid="11"/>
+                                        </p:tgtEl>
+                                        <p:attrNameLst>
+                                          <p:attrName>style.visibility</p:attrName>
+                                        </p:attrNameLst>
+                                      </p:cBhvr>
+                                      <p:to>
+                                        <p:strVal val="visible"/>
+                                      </p:to>
+                                    </p:set>
+                                  </p:childTnLst>
+                                </p:cTn>
+                              </p:par>
+                            </p:childTnLst>
+                          </p:cTn>
+                        </p:par>
+                      </p:childTnLst>
+                    </p:cTn>
+                  </p:par>
+                  <p:par>
+                    <p:cTn id="7" fill="hold">
+                      <p:stCondLst>
+                        <p:cond delay="indefinite"/>
+                      </p:stCondLst>
+                      <p:childTnLst>
+                        <p:par>
+                          <p:cTn id="8" fill="hold">
+                            <p:stCondLst>
+                              <p:cond delay="0"/>
+                            </p:stCondLst>
+                            <p:childTnLst>
+                              <p:par>
+                                <p:cTn id="9" presetID="1" presetClass="entr" presetSubtype="0" fill="hold" grpId="0" nodeType="clickEffect">
+                                  <p:stCondLst>
+                                    <p:cond delay="0"/>
+                                  </p:stCondLst>
+                                  <p:childTnLst>
+                                    <p:set>
+                                      <p:cBhvr>
+                                        <p:cTn id="10" dur="1" fill="hold">
+                                          <p:stCondLst>
+                                            <p:cond delay="0"/>
+                                          </p:stCondLst>
+                                        </p:cTn>
+                                        <p:tgtEl>
+                                          <p:spTgt spid="14"/>
+                                        </p:tgtEl>
+                                        <p:attrNameLst>
+                                          <p:attrName>style.visibility</p:attrName>
+                                        </p:attrNameLst>
+                                      </p:cBhvr>
+                                      <p:to>
+                                        <p:strVal val="visible"/>
+                                      </p:to>
+                                    </p:set>
+                                  </p:childTnLst>
+                                </p:cTn>
+                              </p:par>
+                            </p:childTnLst>
+                          </p:cTn>
+                        </p:par>
+                      </p:childTnLst>
+                    </p:cTn>
+                  </p:par>
+                  <p:par>
+                    <p:cTn id="11" fill="hold">
+                      <p:stCondLst>
+                        <p:cond delay="indefinite"/>
+                      </p:stCondLst>
+                      <p:childTnLst>
+                        <p:par>
+                          <p:cTn id="12" fill="hold">
+                            <p:stCondLst>
+                              <p:cond delay="0"/>
+                            </p:stCondLst>
+                            <p:childTnLst>
+                              <p:par>
+                                <p:cTn id="13" presetID="1" presetClass="entr" presetSubtype="0" fill="hold" grpId="0" nodeType="clickEffect">
+                                  <p:stCondLst>
+                                    <p:cond delay="0"/>
+                                  </p:stCondLst>
+                                  <p:childTnLst>
+                                    <p:set>
+                                      <p:cBhvr>
+                                        <p:cTn id="14" dur="1" fill="hold">
+                                          <p:stCondLst>
+                                            <p:cond delay="0"/>
+                                          </p:stCondLst>
+                                        </p:cTn>
+                                        <p:tgtEl>
+                                          <p:spTgt spid="12"/>
+                                        </p:tgtEl>
+                                        <p:attrNameLst>
+                                          <p:attrName>style.visibility</p:attrName>
+                                        </p:attrNameLst>
+                                      </p:cBhvr>
+                                      <p:to>
+                                        <p:strVal val="visible"/>
+                                      </p:to>
+                                    </p:set>
+                                  </p:childTnLst>
+                                </p:cTn>
+                              </p:par>
+                            </p:childTnLst>
+                          </p:cTn>
+                        </p:par>
+                      </p:childTnLst>
+                    </p:cTn>
+                  </p:par>
+                  <p:par>
+                    <p:cTn id="15" fill="hold">
+                      <p:stCondLst>
+                        <p:cond delay="indefinite"/>
+                      </p:stCondLst>
+                      <p:childTnLst>
+                        <p:par>
+                          <p:cTn id="16" fill="hold">
+                            <p:stCondLst>
+                              <p:cond delay="0"/>
+                            </p:stCondLst>
+                            <p:childTnLst>
+                              <p:par>
+                                <p:cTn id="17" presetID="1" presetClass="entr" presetSubtype="0" fill="hold" grpId="0" nodeType="clickEffect">
+                                  <p:stCondLst>
+                                    <p:cond delay="0"/>
+                                  </p:stCondLst>
+                                  <p:childTnLst>
+                                    <p:set>
+                                      <p:cBhvr>
+                                        <p:cTn id="18" dur="1" fill="hold">
+                                          <p:stCondLst>
+                                            <p:cond delay="0"/>
+                                          </p:stCondLst>
+                                        </p:cTn>
+                                        <p:tgtEl>
+                                          <p:spTgt spid="13"/>
+                                        </p:tgtEl>
+                                        <p:attrNameLst>
+                                          <p:attrName>style.visibility</p:attrName>
+                                        </p:attrNameLst>
+                                      </p:cBhvr>
+                                      <p:to>
+                                        <p:strVal val="visible"/>
+                                      </p:to>
+                                    </p:set>
+                                  </p:childTnLst>
+                                </p:cTn>
+                              </p:par>
+                            </p:childTnLst>
+                          </p:cTn>
+                        </p:par>
+                      </p:childTnLst>
+                    </p:cTn>
+                  </p:par>
+                </p:childTnLst>
+              </p:cTn>
+              <p:prevCondLst>
+                <p:cond evt="onPrev" delay="0">
+                  <p:tgtEl>
+                    <p:sldTgt/>
+                  </p:tgtEl>
+                </p:cond>
+              </p:prevCondLst>
+              <p:nextCondLst>
+                <p:cond evt="onNext" delay="0">
+                  <p:tgtEl>
+                    <p:sldTgt/>
+                  </p:tgtEl>
+                </p:cond>
+              </p:nextCondLst>
+            </p:seq>
+          </p:childTnLst>
+        </p:cTn>
+      </p:par>
+    </p:tnLst>
+    <p:bldLst>
+      <p:bldP spid="11" grpId="0" animBg="1"/>
+      <p:bldP spid="12" grpId="0" animBg="1"/>
+      <p:bldP spid="13" grpId="0" animBg="1"/>
+      <p:bldP spid="14" grpId="0" animBg="1"/>
+    </p:bldLst>
+  </p:timing>
+</p:sld>
+</file>
+
+<file path=ppt/slides/slide16.xml><?xml version="1.0" encoding="utf-8"?>
+<p:sld xmlns:a="http://schemas.openxmlformats.org/drawingml/2006/main" xmlns:r="http://schemas.openxmlformats.org/officeDocument/2006/relationships" xmlns:p="http://schemas.openxmlformats.org/presentationml/2006/main">
+  <p:cSld>
+    <p:spTree>
+      <p:nvGrpSpPr>
+        <p:cNvPr id="1" name=""/>
+        <p:cNvGrpSpPr/>
+        <p:nvPr/>
+      </p:nvGrpSpPr>
+      <p:grpSpPr>
+        <a:xfrm>
+          <a:off x="0" y="0"/>
+          <a:ext cx="0" cy="0"/>
+          <a:chOff x="0" y="0"/>
+          <a:chExt cx="0" cy="0"/>
+        </a:xfrm>
+      </p:grpSpPr>
+      <p:sp>
+        <p:nvSpPr>
+          <p:cNvPr id="2" name="Slide Number Placeholder 1"/>
+          <p:cNvSpPr>
+            <a:spLocks noGrp="1"/>
+          </p:cNvSpPr>
+          <p:nvPr>
+            <p:ph type="sldNum" sz="quarter" idx="5"/>
+          </p:nvPr>
+        </p:nvSpPr>
+        <p:spPr/>
+        <p:txBody>
+          <a:bodyPr/>
+          <a:lstStyle/>
+          <a:p>
+            <a:fld id="{2BF067CD-8E6B-4360-9AA8-C5DF2A48A6D1}" type="slidenum">
+              <a:rPr lang="en-US" noProof="0" smtClean="0"/>
+              <a:pPr/>
+              <a:t>16</a:t>
+            </a:fld>
+            <a:endParaRPr lang="en-US" noProof="0" dirty="0"/>
+          </a:p>
+        </p:txBody>
+      </p:sp>
+      <p:sp>
+        <p:nvSpPr>
+          <p:cNvPr id="3" name="Text Placeholder 2"/>
+          <p:cNvSpPr>
+            <a:spLocks noGrp="1"/>
+          </p:cNvSpPr>
+          <p:nvPr>
+            <p:ph type="body" sz="quarter" idx="10"/>
+          </p:nvPr>
+        </p:nvSpPr>
+        <p:spPr>
+          <a:xfrm>
+            <a:off x="66000" y="1196125"/>
+            <a:ext cx="8302606" cy="5528766"/>
+          </a:xfrm>
+        </p:spPr>
+        <p:txBody>
+          <a:bodyPr>
+            <a:normAutofit lnSpcReduction="10000"/>
+          </a:bodyPr>
+          <a:lstStyle/>
+          <a:p>
+            <a:r>
+              <a:rPr lang="bg-BG" dirty="0" smtClean="0"/>
+              <a:t>С бутона </a:t>
+            </a:r>
+            <a:r>
+              <a:rPr lang="en-US" b="1" dirty="0" smtClean="0">
+                <a:solidFill>
+                  <a:schemeClr val="bg1"/>
+                </a:solidFill>
+              </a:rPr>
+              <a:t>Print All Pages </a:t>
+            </a:r>
+            <a:r>
+              <a:rPr lang="bg-BG" dirty="0" smtClean="0"/>
+              <a:t>се отпечатва </a:t>
+            </a:r>
+            <a:r>
+              <a:rPr lang="bg-BG" b="1" dirty="0" smtClean="0"/>
+              <a:t>целият документ</a:t>
+            </a:r>
+          </a:p>
+          <a:p>
+            <a:pPr lvl="1"/>
+            <a:r>
+              <a:rPr lang="bg-BG" dirty="0" smtClean="0"/>
+              <a:t>Ако отворите падащото меню, може да изберете други опции за печатане</a:t>
+            </a:r>
+          </a:p>
+          <a:p>
+            <a:r>
+              <a:rPr lang="bg-BG" dirty="0" smtClean="0"/>
+              <a:t>В числовата кутия </a:t>
+            </a:r>
+            <a:r>
+              <a:rPr lang="en-US" b="1" dirty="0" smtClean="0">
+                <a:solidFill>
+                  <a:schemeClr val="bg1"/>
+                </a:solidFill>
+              </a:rPr>
+              <a:t>Pages</a:t>
+            </a:r>
+            <a:r>
+              <a:rPr lang="en-US" dirty="0" smtClean="0"/>
+              <a:t> </a:t>
+            </a:r>
+            <a:r>
+              <a:rPr lang="bg-BG" dirty="0" smtClean="0"/>
+              <a:t>може да запишете кои </a:t>
+            </a:r>
+            <a:r>
+              <a:rPr lang="bg-BG" b="1" dirty="0" smtClean="0"/>
+              <a:t>страници</a:t>
+            </a:r>
+            <a:r>
+              <a:rPr lang="bg-BG" dirty="0" smtClean="0"/>
+              <a:t> да се </a:t>
+            </a:r>
+            <a:r>
+              <a:rPr lang="bg-BG" b="1" dirty="0" smtClean="0"/>
+              <a:t>отпечатат</a:t>
+            </a:r>
+          </a:p>
+          <a:p>
+            <a:r>
+              <a:rPr lang="bg-BG" b="1" dirty="0" smtClean="0"/>
+              <a:t>Ориентация</a:t>
+            </a:r>
+          </a:p>
+          <a:p>
+            <a:r>
+              <a:rPr lang="bg-BG" b="1" dirty="0" smtClean="0"/>
+              <a:t>Формат</a:t>
+            </a:r>
+            <a:r>
+              <a:rPr lang="bg-BG" dirty="0" smtClean="0"/>
+              <a:t> на листа</a:t>
+            </a:r>
+          </a:p>
+          <a:p>
+            <a:r>
+              <a:rPr lang="bg-BG" b="1" dirty="0" smtClean="0"/>
+              <a:t>Размер</a:t>
+            </a:r>
+            <a:r>
+              <a:rPr lang="bg-BG" dirty="0" smtClean="0"/>
+              <a:t> на </a:t>
+            </a:r>
+            <a:r>
+              <a:rPr lang="bg-BG" b="1" dirty="0" smtClean="0"/>
+              <a:t>белите полета</a:t>
+            </a:r>
+          </a:p>
+          <a:p>
+            <a:endParaRPr lang="en-US" dirty="0"/>
+          </a:p>
+        </p:txBody>
+      </p:sp>
+      <p:sp>
+        <p:nvSpPr>
+          <p:cNvPr id="4" name="Title 3"/>
+          <p:cNvSpPr>
+            <a:spLocks noGrp="1"/>
+          </p:cNvSpPr>
+          <p:nvPr>
+            <p:ph type="title"/>
+          </p:nvPr>
+        </p:nvSpPr>
+        <p:spPr/>
+        <p:txBody>
+          <a:bodyPr/>
+          <a:lstStyle/>
+          <a:p>
+            <a:r>
+              <a:rPr lang="bg-BG" dirty="0" smtClean="0"/>
+              <a:t>Настройки на принтирането</a:t>
+            </a:r>
+            <a:endParaRPr lang="en-US" dirty="0"/>
+          </a:p>
+        </p:txBody>
+      </p:sp>
+      <p:pic>
+        <p:nvPicPr>
+          <p:cNvPr id="5" name="Picture 4"/>
+          <p:cNvPicPr>
+            <a:picLocks noChangeAspect="1"/>
+          </p:cNvPicPr>
+          <p:nvPr/>
+        </p:nvPicPr>
+        <p:blipFill>
+          <a:blip r:embed="rId2"/>
+          <a:stretch>
+            <a:fillRect/>
+          </a:stretch>
+        </p:blipFill>
+        <p:spPr>
+          <a:xfrm>
+            <a:off x="8368606" y="1251151"/>
+            <a:ext cx="3375000" cy="5473740"/>
+          </a:xfrm>
+          <a:prstGeom prst="rect">
+            <a:avLst/>
+          </a:prstGeom>
+          <a:ln>
+            <a:solidFill>
+              <a:schemeClr val="bg2">
+                <a:lumMod val="75000"/>
+              </a:schemeClr>
+            </a:solidFill>
+          </a:ln>
+        </p:spPr>
+      </p:pic>
+    </p:spTree>
+    <p:extLst>
+      <p:ext uri="{BB962C8B-B14F-4D97-AF65-F5344CB8AC3E}">
+        <p14:creationId xmlns:p14="http://schemas.microsoft.com/office/powerpoint/2010/main" val="4235724461"/>
+      </p:ext>
+    </p:extLst>
+  </p:cSld>
+  <p:clrMapOvr>
+    <a:masterClrMapping/>
+  </p:clrMapOvr>
+  <mc:AlternateContent xmlns:mc="http://schemas.openxmlformats.org/markup-compatibility/2006" xmlns:p14="http://schemas.microsoft.com/office/powerpoint/2010/main">
+    <mc:Choice Requires="p14">
+      <p:transition spd="slow" p14:dur="2000" advClick="0" advTm="5000"/>
+    </mc:Choice>
+    <mc:Fallback xmlns="">
+      <p:transition spd="slow" advClick="0" advTm="5000"/>
+    </mc:Fallback>
+  </mc:AlternateContent>
+  <p:timing>
+    <p:tnLst>
+      <p:par>
+        <p:cTn id="1" dur="indefinite" restart="never" nodeType="tmRoot">
+          <p:childTnLst>
+            <p:seq concurrent="1" nextAc="seek">
+              <p:cTn id="2" dur="indefinite" nodeType="mainSeq">
+                <p:childTnLst>
+                  <p:par>
+                    <p:cTn id="3" fill="hold">
+                      <p:stCondLst>
+                        <p:cond delay="indefinite"/>
+                      </p:stCondLst>
+                      <p:childTnLst>
+                        <p:par>
+                          <p:cTn id="4" fill="hold">
+                            <p:stCondLst>
+                              <p:cond delay="0"/>
+                            </p:stCondLst>
+                            <p:childTnLst>
+                              <p:par>
+                                <p:cTn id="5" presetID="1" presetClass="entr" presetSubtype="0" fill="hold" nodeType="clickEffect">
+                                  <p:stCondLst>
+                                    <p:cond delay="0"/>
+                                  </p:stCondLst>
+                                  <p:childTnLst>
+                                    <p:set>
+                                      <p:cBhvr>
+                                        <p:cTn id="6" dur="1" fill="hold">
+                                          <p:stCondLst>
+                                            <p:cond delay="0"/>
+                                          </p:stCondLst>
+                                        </p:cTn>
+                                        <p:tgtEl>
+                                          <p:spTgt spid="3">
+                                            <p:txEl>
+                                              <p:pRg st="1" end="1"/>
+                                            </p:txEl>
+                                          </p:spTgt>
+                                        </p:tgtEl>
+                                        <p:attrNameLst>
+                                          <p:attrName>style.visibility</p:attrName>
+                                        </p:attrNameLst>
+                                      </p:cBhvr>
+                                      <p:to>
+                                        <p:strVal val="visible"/>
+                                      </p:to>
+                                    </p:set>
+                                  </p:childTnLst>
+                                </p:cTn>
+                              </p:par>
+                            </p:childTnLst>
+                          </p:cTn>
+                        </p:par>
+                      </p:childTnLst>
+                    </p:cTn>
+                  </p:par>
+                  <p:par>
+                    <p:cTn id="7" fill="hold">
+                      <p:stCondLst>
+                        <p:cond delay="indefinite"/>
+                      </p:stCondLst>
+                      <p:childTnLst>
+                        <p:par>
+                          <p:cTn id="8" fill="hold">
+                            <p:stCondLst>
+                              <p:cond delay="0"/>
+                            </p:stCondLst>
+                            <p:childTnLst>
+                              <p:par>
+                                <p:cTn id="9" presetID="1" presetClass="entr" presetSubtype="0" fill="hold" nodeType="clickEffect">
+                                  <p:stCondLst>
+                                    <p:cond delay="0"/>
+                                  </p:stCondLst>
+                                  <p:childTnLst>
+                                    <p:set>
+                                      <p:cBhvr>
+                                        <p:cTn id="10" dur="1" fill="hold">
+                                          <p:stCondLst>
+                                            <p:cond delay="0"/>
+                                          </p:stCondLst>
+                                        </p:cTn>
+                                        <p:tgtEl>
+                                          <p:spTgt spid="3">
+                                            <p:txEl>
+                                              <p:pRg st="2" end="2"/>
+                                            </p:txEl>
+                                          </p:spTgt>
+                                        </p:tgtEl>
+                                        <p:attrNameLst>
+                                          <p:attrName>style.visibility</p:attrName>
+                                        </p:attrNameLst>
+                                      </p:cBhvr>
+                                      <p:to>
+                                        <p:strVal val="visible"/>
+                                      </p:to>
+                                    </p:set>
+                                  </p:childTnLst>
+                                </p:cTn>
+                              </p:par>
+                            </p:childTnLst>
+                          </p:cTn>
+                        </p:par>
+                      </p:childTnLst>
+                    </p:cTn>
+                  </p:par>
+                  <p:par>
+                    <p:cTn id="11" fill="hold">
+                      <p:stCondLst>
+                        <p:cond delay="indefinite"/>
+                      </p:stCondLst>
+                      <p:childTnLst>
+                        <p:par>
+                          <p:cTn id="12" fill="hold">
+                            <p:stCondLst>
+                              <p:cond delay="0"/>
+                            </p:stCondLst>
+                            <p:childTnLst>
+                              <p:par>
+                                <p:cTn id="13" presetID="1" presetClass="entr" presetSubtype="0" fill="hold" nodeType="clickEffect">
+                                  <p:stCondLst>
+                                    <p:cond delay="0"/>
+                                  </p:stCondLst>
+                                  <p:childTnLst>
+                                    <p:set>
+                                      <p:cBhvr>
+                                        <p:cTn id="14" dur="1" fill="hold">
+                                          <p:stCondLst>
+                                            <p:cond delay="0"/>
+                                          </p:stCondLst>
+                                        </p:cTn>
+                                        <p:tgtEl>
+                                          <p:spTgt spid="3">
+                                            <p:txEl>
+                                              <p:pRg st="3" end="3"/>
+                                            </p:txEl>
+                                          </p:spTgt>
+                                        </p:tgtEl>
+                                        <p:attrNameLst>
+                                          <p:attrName>style.visibility</p:attrName>
+                                        </p:attrNameLst>
+                                      </p:cBhvr>
+                                      <p:to>
+                                        <p:strVal val="visible"/>
+                                      </p:to>
+                                    </p:set>
+                                  </p:childTnLst>
+                                </p:cTn>
+                              </p:par>
+                            </p:childTnLst>
+                          </p:cTn>
+                        </p:par>
+                      </p:childTnLst>
+                    </p:cTn>
+                  </p:par>
+                  <p:par>
+                    <p:cTn id="15" fill="hold">
+                      <p:stCondLst>
+                        <p:cond delay="indefinite"/>
+                      </p:stCondLst>
+                      <p:childTnLst>
+                        <p:par>
+                          <p:cTn id="16" fill="hold">
+                            <p:stCondLst>
+                              <p:cond delay="0"/>
+                            </p:stCondLst>
+                            <p:childTnLst>
+                              <p:par>
+                                <p:cTn id="17" presetID="1" presetClass="entr" presetSubtype="0" fill="hold" nodeType="clickEffect">
+                                  <p:stCondLst>
+                                    <p:cond delay="0"/>
+                                  </p:stCondLst>
+                                  <p:childTnLst>
+                                    <p:set>
+                                      <p:cBhvr>
+                                        <p:cTn id="18" dur="1" fill="hold">
+                                          <p:stCondLst>
+                                            <p:cond delay="0"/>
+                                          </p:stCondLst>
+                                        </p:cTn>
+                                        <p:tgtEl>
+                                          <p:spTgt spid="3">
+                                            <p:txEl>
+                                              <p:pRg st="4" end="4"/>
+                                            </p:txEl>
+                                          </p:spTgt>
+                                        </p:tgtEl>
+                                        <p:attrNameLst>
+                                          <p:attrName>style.visibility</p:attrName>
+                                        </p:attrNameLst>
+                                      </p:cBhvr>
+                                      <p:to>
+                                        <p:strVal val="visible"/>
+                                      </p:to>
+                                    </p:set>
+                                  </p:childTnLst>
+                                </p:cTn>
+                              </p:par>
+                            </p:childTnLst>
+                          </p:cTn>
+                        </p:par>
+                      </p:childTnLst>
+                    </p:cTn>
+                  </p:par>
+                  <p:par>
+                    <p:cTn id="19" fill="hold">
+                      <p:stCondLst>
+                        <p:cond delay="indefinite"/>
+                      </p:stCondLst>
+                      <p:childTnLst>
+                        <p:par>
+                          <p:cTn id="20" fill="hold">
+                            <p:stCondLst>
+                              <p:cond delay="0"/>
+                            </p:stCondLst>
+                            <p:childTnLst>
+                              <p:par>
+                                <p:cTn id="21" presetID="1" presetClass="entr" presetSubtype="0" fill="hold" nodeType="clickEffect">
+                                  <p:stCondLst>
+                                    <p:cond delay="0"/>
+                                  </p:stCondLst>
+                                  <p:childTnLst>
+                                    <p:set>
+                                      <p:cBhvr>
+                                        <p:cTn id="22" dur="1" fill="hold">
+                                          <p:stCondLst>
+                                            <p:cond delay="0"/>
+                                          </p:stCondLst>
+                                        </p:cTn>
+                                        <p:tgtEl>
+                                          <p:spTgt spid="3">
+                                            <p:txEl>
+                                              <p:pRg st="5" end="5"/>
+                                            </p:txEl>
+                                          </p:spTgt>
+                                        </p:tgtEl>
+                                        <p:attrNameLst>
+                                          <p:attrName>style.visibility</p:attrName>
+                                        </p:attrNameLst>
+                                      </p:cBhvr>
+                                      <p:to>
+                                        <p:strVal val="visible"/>
+                                      </p:to>
+                                    </p:set>
+                                  </p:childTnLst>
+                                </p:cTn>
+                              </p:par>
+                            </p:childTnLst>
+                          </p:cTn>
+                        </p:par>
+                      </p:childTnLst>
+                    </p:cTn>
+                  </p:par>
+                </p:childTnLst>
+              </p:cTn>
+              <p:prevCondLst>
+                <p:cond evt="onPrev" delay="0">
+                  <p:tgtEl>
+                    <p:sldTgt/>
+                  </p:tgtEl>
+                </p:cond>
+              </p:prevCondLst>
+              <p:nextCondLst>
+                <p:cond evt="onNext" delay="0">
+                  <p:tgtEl>
+                    <p:sldTgt/>
+                  </p:tgtEl>
+                </p:cond>
+              </p:nextCondLst>
+            </p:seq>
+          </p:childTnLst>
+        </p:cTn>
+      </p:par>
+    </p:tnLst>
+  </p:timing>
+</p:sld>
+</file>
+
+<file path=ppt/slides/slide17.xml><?xml version="1.0" encoding="utf-8"?>
+<p:sld xmlns:a="http://schemas.openxmlformats.org/drawingml/2006/main" xmlns:r="http://schemas.openxmlformats.org/officeDocument/2006/relationships" xmlns:p="http://schemas.openxmlformats.org/presentationml/2006/main">
+  <p:cSld>
+    <p:spTree>
+      <p:nvGrpSpPr>
+        <p:cNvPr id="1" name=""/>
+        <p:cNvGrpSpPr/>
+        <p:nvPr/>
+      </p:nvGrpSpPr>
+      <p:grpSpPr>
+        <a:xfrm>
+          <a:off x="0" y="0"/>
+          <a:ext cx="0" cy="0"/>
+          <a:chOff x="0" y="0"/>
+          <a:chExt cx="0" cy="0"/>
+        </a:xfrm>
+      </p:grpSpPr>
+      <p:sp>
+        <p:nvSpPr>
+          <p:cNvPr id="2" name="Slide Number Placeholder 1"/>
+          <p:cNvSpPr>
+            <a:spLocks noGrp="1"/>
+          </p:cNvSpPr>
+          <p:nvPr>
+            <p:ph type="sldNum" sz="quarter" idx="5"/>
+          </p:nvPr>
+        </p:nvSpPr>
+        <p:spPr/>
+        <p:txBody>
+          <a:bodyPr/>
+          <a:lstStyle/>
+          <a:p>
+            <a:fld id="{2BF067CD-8E6B-4360-9AA8-C5DF2A48A6D1}" type="slidenum">
+              <a:rPr lang="en-US" noProof="0" smtClean="0"/>
+              <a:pPr/>
+              <a:t>17</a:t>
+            </a:fld>
+            <a:endParaRPr lang="en-US" noProof="0" dirty="0"/>
+          </a:p>
+        </p:txBody>
+      </p:sp>
+      <p:pic>
+        <p:nvPicPr>
+          <p:cNvPr id="5" name="Picture 4"/>
+          <p:cNvPicPr>
+            <a:picLocks noChangeAspect="1"/>
+          </p:cNvPicPr>
+          <p:nvPr/>
+        </p:nvPicPr>
+        <p:blipFill rotWithShape="1">
+          <a:blip r:embed="rId2"/>
+          <a:srcRect l="4887" t="3315" r="7154" b="5525"/>
+          <a:stretch/>
+        </p:blipFill>
+        <p:spPr>
+          <a:xfrm>
+            <a:off x="1191000" y="1899000"/>
+            <a:ext cx="3465000" cy="3529167"/>
+          </a:xfrm>
+          <a:prstGeom prst="rect">
+            <a:avLst/>
+          </a:prstGeom>
+          <a:ln>
+            <a:solidFill>
+              <a:schemeClr val="bg2">
+                <a:lumMod val="75000"/>
+              </a:schemeClr>
+            </a:solidFill>
+          </a:ln>
+        </p:spPr>
+      </p:pic>
+      <p:sp>
+        <p:nvSpPr>
+          <p:cNvPr id="4" name="Title 3"/>
+          <p:cNvSpPr>
+            <a:spLocks noGrp="1"/>
+          </p:cNvSpPr>
+          <p:nvPr>
+            <p:ph type="title"/>
+          </p:nvPr>
+        </p:nvSpPr>
+        <p:spPr/>
+        <p:txBody>
+          <a:bodyPr/>
+          <a:lstStyle/>
+          <a:p>
+            <a:r>
+              <a:rPr lang="en-US" dirty="0" smtClean="0"/>
+              <a:t>Print</a:t>
+            </a:r>
+            <a:endParaRPr lang="en-US" dirty="0"/>
+          </a:p>
+        </p:txBody>
+      </p:sp>
+      <p:pic>
+        <p:nvPicPr>
+          <p:cNvPr id="6" name="Picture 5"/>
+          <p:cNvPicPr>
+            <a:picLocks noChangeAspect="1"/>
+          </p:cNvPicPr>
+          <p:nvPr/>
+        </p:nvPicPr>
+        <p:blipFill>
+          <a:blip r:embed="rId3">
+            <a:extLst>
+              <a:ext uri="{28A0092B-C50C-407E-A947-70E740481C1C}">
+                <a14:useLocalDpi xmlns:a14="http://schemas.microsoft.com/office/drawing/2010/main" val="0"/>
+              </a:ext>
+            </a:extLst>
+          </a:blip>
+          <a:stretch>
+            <a:fillRect/>
+          </a:stretch>
+        </p:blipFill>
+        <p:spPr>
+          <a:xfrm>
+            <a:off x="1461000" y="2979000"/>
+            <a:ext cx="1957120" cy="2111737"/>
+          </a:xfrm>
+          <a:prstGeom prst="rect">
+            <a:avLst/>
+          </a:prstGeom>
+        </p:spPr>
+      </p:pic>
+      <p:cxnSp>
+        <p:nvCxnSpPr>
+          <p:cNvPr id="8" name="Straight Arrow Connector 7"/>
+          <p:cNvCxnSpPr/>
+          <p:nvPr/>
+        </p:nvCxnSpPr>
+        <p:spPr>
+          <a:xfrm>
+            <a:off x="4770806" y="3656383"/>
+            <a:ext cx="1298212" cy="352909"/>
+          </a:xfrm>
+          <a:prstGeom prst="straightConnector1">
+            <a:avLst/>
+          </a:prstGeom>
+          <a:ln w="76200">
+            <a:tailEnd type="triangle"/>
+          </a:ln>
+        </p:spPr>
+        <p:style>
+          <a:lnRef idx="1">
+            <a:schemeClr val="dk1"/>
+          </a:lnRef>
+          <a:fillRef idx="0">
+            <a:schemeClr val="dk1"/>
+          </a:fillRef>
+          <a:effectRef idx="0">
+            <a:schemeClr val="dk1"/>
+          </a:effectRef>
+          <a:fontRef idx="minor">
+            <a:schemeClr val="tx1"/>
+          </a:fontRef>
+        </p:style>
+      </p:cxnSp>
+      <p:pic>
+        <p:nvPicPr>
+          <p:cNvPr id="9" name="Picture 8"/>
+          <p:cNvPicPr>
+            <a:picLocks noChangeAspect="1"/>
+          </p:cNvPicPr>
+          <p:nvPr/>
+        </p:nvPicPr>
+        <p:blipFill>
+          <a:blip r:embed="rId4">
+            <a:extLst>
+              <a:ext uri="{28A0092B-C50C-407E-A947-70E740481C1C}">
+                <a14:useLocalDpi xmlns:a14="http://schemas.microsoft.com/office/drawing/2010/main" val="0"/>
+              </a:ext>
+            </a:extLst>
+          </a:blip>
+          <a:stretch>
+            <a:fillRect/>
+          </a:stretch>
+        </p:blipFill>
+        <p:spPr>
+          <a:xfrm>
+            <a:off x="6217425" y="2066118"/>
+            <a:ext cx="5250000" cy="3937500"/>
+          </a:xfrm>
+          <a:prstGeom prst="rect">
+            <a:avLst/>
+          </a:prstGeom>
+          <a:ln>
+            <a:solidFill>
+              <a:schemeClr val="bg2">
+                <a:lumMod val="75000"/>
+              </a:schemeClr>
+            </a:solidFill>
+          </a:ln>
+        </p:spPr>
+      </p:pic>
+    </p:spTree>
+    <p:extLst>
+      <p:ext uri="{BB962C8B-B14F-4D97-AF65-F5344CB8AC3E}">
+        <p14:creationId xmlns:p14="http://schemas.microsoft.com/office/powerpoint/2010/main" val="4031552343"/>
+      </p:ext>
+    </p:extLst>
+  </p:cSld>
+  <p:clrMapOvr>
+    <a:masterClrMapping/>
+  </p:clrMapOvr>
+  <mc:AlternateContent xmlns:mc="http://schemas.openxmlformats.org/markup-compatibility/2006" xmlns:p14="http://schemas.microsoft.com/office/powerpoint/2010/main">
+    <mc:Choice Requires="p14">
+      <p:transition spd="slow" p14:dur="2000" advClick="0" advTm="5000"/>
+    </mc:Choice>
+    <mc:Fallback xmlns="">
+      <p:transition spd="slow" advClick="0" advTm="5000"/>
+    </mc:Fallback>
+  </mc:AlternateContent>
+  <p:timing>
+    <p:tnLst>
+      <p:par>
+        <p:cTn id="1" dur="indefinite" restart="never" nodeType="tmRoot">
+          <p:childTnLst>
+            <p:seq concurrent="1" nextAc="seek">
+              <p:cTn id="2" dur="indefinite" nodeType="mainSeq">
+                <p:childTnLst>
+                  <p:par>
+                    <p:cTn id="3" fill="hold">
+                      <p:stCondLst>
+                        <p:cond delay="indefinite"/>
+                      </p:stCondLst>
+                      <p:childTnLst>
+                        <p:par>
+                          <p:cTn id="4" fill="hold">
+                            <p:stCondLst>
+                              <p:cond delay="0"/>
+                            </p:stCondLst>
+                            <p:childTnLst>
+                              <p:par>
+                                <p:cTn id="5" presetID="1" presetClass="entr" presetSubtype="0" fill="hold" nodeType="clickEffect">
+                                  <p:stCondLst>
+                                    <p:cond delay="0"/>
+                                  </p:stCondLst>
+                                  <p:childTnLst>
+                                    <p:set>
+                                      <p:cBhvr>
+                                        <p:cTn id="6" dur="1" fill="hold">
+                                          <p:stCondLst>
+                                            <p:cond delay="0"/>
+                                          </p:stCondLst>
+                                        </p:cTn>
+                                        <p:tgtEl>
+                                          <p:spTgt spid="6"/>
+                                        </p:tgtEl>
+                                        <p:attrNameLst>
+                                          <p:attrName>style.visibility</p:attrName>
+                                        </p:attrNameLst>
+                                      </p:cBhvr>
+                                      <p:to>
+                                        <p:strVal val="visible"/>
+                                      </p:to>
+                                    </p:set>
+                                  </p:childTnLst>
+                                </p:cTn>
+                              </p:par>
+                            </p:childTnLst>
+                          </p:cTn>
+                        </p:par>
+                      </p:childTnLst>
+                    </p:cTn>
+                  </p:par>
+                  <p:par>
+                    <p:cTn id="7" fill="hold">
+                      <p:stCondLst>
+                        <p:cond delay="indefinite"/>
+                      </p:stCondLst>
+                      <p:childTnLst>
+                        <p:par>
+                          <p:cTn id="8" fill="hold">
+                            <p:stCondLst>
+                              <p:cond delay="0"/>
+                            </p:stCondLst>
+                            <p:childTnLst>
+                              <p:par>
+                                <p:cTn id="9" presetID="1" presetClass="entr" presetSubtype="0" fill="hold" nodeType="clickEffect">
+                                  <p:stCondLst>
+                                    <p:cond delay="0"/>
+                                  </p:stCondLst>
+                                  <p:childTnLst>
+                                    <p:set>
+                                      <p:cBhvr>
+                                        <p:cTn id="10" dur="1" fill="hold">
+                                          <p:stCondLst>
+                                            <p:cond delay="0"/>
+                                          </p:stCondLst>
+                                        </p:cTn>
+                                        <p:tgtEl>
+                                          <p:spTgt spid="8"/>
+                                        </p:tgtEl>
+                                        <p:attrNameLst>
+                                          <p:attrName>style.visibility</p:attrName>
+                                        </p:attrNameLst>
+                                      </p:cBhvr>
+                                      <p:to>
+                                        <p:strVal val="visible"/>
+                                      </p:to>
+                                    </p:set>
+                                  </p:childTnLst>
+                                </p:cTn>
+                              </p:par>
+                            </p:childTnLst>
+                          </p:cTn>
+                        </p:par>
+                      </p:childTnLst>
+                    </p:cTn>
+                  </p:par>
+                  <p:par>
+                    <p:cTn id="11" fill="hold">
+                      <p:stCondLst>
+                        <p:cond delay="indefinite"/>
+                      </p:stCondLst>
+                      <p:childTnLst>
+                        <p:par>
+                          <p:cTn id="12" fill="hold">
+                            <p:stCondLst>
+                              <p:cond delay="0"/>
+                            </p:stCondLst>
+                            <p:childTnLst>
+                              <p:par>
+                                <p:cTn id="13" presetID="1" presetClass="entr" presetSubtype="0" fill="hold" nodeType="clickEffect">
+                                  <p:stCondLst>
+                                    <p:cond delay="0"/>
+                                  </p:stCondLst>
+                                  <p:childTnLst>
+                                    <p:set>
+                                      <p:cBhvr>
+                                        <p:cTn id="14" dur="1" fill="hold">
+                                          <p:stCondLst>
+                                            <p:cond delay="0"/>
+                                          </p:stCondLst>
+                                        </p:cTn>
+                                        <p:tgtEl>
+                                          <p:spTgt spid="9"/>
+                                        </p:tgtEl>
+                                        <p:attrNameLst>
+                                          <p:attrName>style.visibility</p:attrName>
+                                        </p:attrNameLst>
+                                      </p:cBhvr>
+                                      <p:to>
+                                        <p:strVal val="visible"/>
+                                      </p:to>
+                                    </p:set>
+                                  </p:childTnLst>
+                                </p:cTn>
+                              </p:par>
+                            </p:childTnLst>
+                          </p:cTn>
+                        </p:par>
+                      </p:childTnLst>
+                    </p:cTn>
+                  </p:par>
+                </p:childTnLst>
+              </p:cTn>
+              <p:prevCondLst>
+                <p:cond evt="onPrev" delay="0">
+                  <p:tgtEl>
+                    <p:sldTgt/>
+                  </p:tgtEl>
+                </p:cond>
+              </p:prevCondLst>
+              <p:nextCondLst>
+                <p:cond evt="onNext" delay="0">
+                  <p:tgtEl>
+                    <p:sldTgt/>
+                  </p:tgtEl>
+                </p:cond>
+              </p:nextCondLst>
+            </p:seq>
+          </p:childTnLst>
+        </p:cTn>
+      </p:par>
+    </p:tnLst>
+  </p:timing>
+</p:sld>
+</file>
+
+<file path=ppt/slides/slide18.xml><?xml version="1.0" encoding="utf-8"?>
 <p:sld xmlns:a="http://schemas.openxmlformats.org/drawingml/2006/main" xmlns:r="http://schemas.openxmlformats.org/officeDocument/2006/relationships" xmlns:p="http://schemas.openxmlformats.org/presentationml/2006/main">
   <p:cSld>
     <p:spTree>
@@ -10370,7 +12660,7 @@
             <a:fld id="{C014DD1E-5D91-48A3-AD6D-45FBA980D106}" type="slidenum">
               <a:rPr lang="en-US" smtClean="0"/>
               <a:pPr/>
-              <a:t>14</a:t>
+              <a:t>18</a:t>
             </a:fld>
             <a:endParaRPr lang="en-US" dirty="0"/>
           </a:p>
@@ -10776,13 +13066,352 @@
               </a:buClr>
             </a:pPr>
             <a:r>
-              <a:rPr lang="en-US" sz="2800" b="1" dirty="0" smtClean="0">
+              <a:rPr lang="ru-RU" sz="2800" b="1" dirty="0">
+                <a:solidFill>
+                  <a:schemeClr val="bg1">
+                    <a:lumMod val="60000"/>
+                    <a:lumOff val="40000"/>
+                  </a:schemeClr>
+                </a:solidFill>
+              </a:rPr>
+              <a:t>Страница</a:t>
+            </a:r>
+            <a:r>
+              <a:rPr lang="ru-RU" sz="2800" b="1" dirty="0">
                 <a:solidFill>
                   <a:schemeClr val="bg2"/>
                 </a:solidFill>
               </a:rPr>
-              <a:t>TODO</a:t>
-            </a:r>
+              <a:t> – </a:t>
+            </a:r>
+            <a:r>
+              <a:rPr lang="ru-RU" sz="2800" dirty="0">
+                <a:solidFill>
+                  <a:schemeClr val="bg2"/>
+                </a:solidFill>
+              </a:rPr>
+              <a:t>тескт, който може да се отпечата на </a:t>
+            </a:r>
+            <a:r>
+              <a:rPr lang="ru-RU" sz="2800" b="1" dirty="0">
+                <a:solidFill>
+                  <a:schemeClr val="bg2"/>
+                </a:solidFill>
+              </a:rPr>
+              <a:t>един лист </a:t>
+            </a:r>
+            <a:r>
+              <a:rPr lang="ru-RU" sz="2800" b="1" dirty="0" smtClean="0">
+                <a:solidFill>
+                  <a:schemeClr val="bg2"/>
+                </a:solidFill>
+              </a:rPr>
+              <a:t>хартия</a:t>
+            </a:r>
+          </a:p>
+          <a:p>
+            <a:pPr marL="355600" indent="-355600">
+              <a:lnSpc>
+                <a:spcPct val="100000"/>
+              </a:lnSpc>
+              <a:buClr>
+                <a:schemeClr val="bg2"/>
+              </a:buClr>
+            </a:pPr>
+            <a:r>
+              <a:rPr lang="ru-RU" sz="2800" dirty="0">
+                <a:solidFill>
+                  <a:schemeClr val="bg2"/>
+                </a:solidFill>
+              </a:rPr>
+              <a:t>Основни</a:t>
+            </a:r>
+            <a:r>
+              <a:rPr lang="ru-RU" sz="2800" b="1" dirty="0">
+                <a:solidFill>
+                  <a:schemeClr val="bg2"/>
+                </a:solidFill>
+              </a:rPr>
+              <a:t> характеристики </a:t>
+            </a:r>
+            <a:r>
+              <a:rPr lang="ru-RU" sz="2800" dirty="0">
+                <a:solidFill>
+                  <a:schemeClr val="bg2"/>
+                </a:solidFill>
+              </a:rPr>
+              <a:t>на страница</a:t>
+            </a:r>
+            <a:r>
+              <a:rPr lang="ru-RU" sz="2800" b="1" dirty="0">
+                <a:solidFill>
+                  <a:schemeClr val="bg2"/>
+                </a:solidFill>
+              </a:rPr>
+              <a:t>:</a:t>
+            </a:r>
+          </a:p>
+          <a:p>
+            <a:pPr marL="888666" lvl="1" indent="-355600">
+              <a:lnSpc>
+                <a:spcPct val="100000"/>
+              </a:lnSpc>
+              <a:buClr>
+                <a:schemeClr val="bg2"/>
+              </a:buClr>
+            </a:pPr>
+            <a:r>
+              <a:rPr lang="ru-RU" sz="2600" b="1" dirty="0">
+                <a:solidFill>
+                  <a:schemeClr val="bg2"/>
+                </a:solidFill>
+              </a:rPr>
+              <a:t>Размер</a:t>
+            </a:r>
+          </a:p>
+          <a:p>
+            <a:pPr marL="888666" lvl="1" indent="-355600">
+              <a:lnSpc>
+                <a:spcPct val="100000"/>
+              </a:lnSpc>
+              <a:buClr>
+                <a:schemeClr val="bg2"/>
+              </a:buClr>
+            </a:pPr>
+            <a:r>
+              <a:rPr lang="ru-RU" sz="2600" b="1" dirty="0">
+                <a:solidFill>
+                  <a:schemeClr val="bg2"/>
+                </a:solidFill>
+              </a:rPr>
+              <a:t>Ориентация</a:t>
+            </a:r>
+          </a:p>
+          <a:p>
+            <a:pPr marL="888666" lvl="1" indent="-355600">
+              <a:lnSpc>
+                <a:spcPct val="100000"/>
+              </a:lnSpc>
+              <a:buClr>
+                <a:schemeClr val="bg2"/>
+              </a:buClr>
+            </a:pPr>
+            <a:r>
+              <a:rPr lang="ru-RU" sz="2600" b="1" dirty="0">
+                <a:solidFill>
+                  <a:schemeClr val="bg2"/>
+                </a:solidFill>
+              </a:rPr>
+              <a:t>Наборно </a:t>
+            </a:r>
+            <a:r>
+              <a:rPr lang="ru-RU" sz="2600" b="1" dirty="0" smtClean="0">
+                <a:solidFill>
+                  <a:schemeClr val="bg2"/>
+                </a:solidFill>
+              </a:rPr>
+              <a:t>поле</a:t>
+            </a:r>
+          </a:p>
+          <a:p>
+            <a:pPr marL="355600" indent="-355600">
+              <a:lnSpc>
+                <a:spcPct val="100000"/>
+              </a:lnSpc>
+              <a:buClr>
+                <a:schemeClr val="bg2"/>
+              </a:buClr>
+            </a:pPr>
+            <a:r>
+              <a:rPr lang="ru-RU" sz="2800" b="1" dirty="0" smtClean="0">
+                <a:solidFill>
+                  <a:schemeClr val="bg1">
+                    <a:lumMod val="60000"/>
+                    <a:lumOff val="40000"/>
+                  </a:schemeClr>
+                </a:solidFill>
+              </a:rPr>
+              <a:t>Номерация</a:t>
+            </a:r>
+            <a:r>
+              <a:rPr lang="ru-RU" sz="2800" b="1" dirty="0" smtClean="0">
+                <a:solidFill>
+                  <a:schemeClr val="bg2"/>
+                </a:solidFill>
+              </a:rPr>
+              <a:t> </a:t>
+            </a:r>
+            <a:r>
+              <a:rPr lang="ru-RU" sz="2800" dirty="0" smtClean="0">
+                <a:solidFill>
+                  <a:schemeClr val="bg2"/>
+                </a:solidFill>
+              </a:rPr>
+              <a:t>на страници</a:t>
+            </a:r>
+          </a:p>
+          <a:p>
+            <a:pPr marL="355600" indent="-355600">
+              <a:lnSpc>
+                <a:spcPct val="100000"/>
+              </a:lnSpc>
+              <a:buClr>
+                <a:schemeClr val="bg2"/>
+              </a:buClr>
+            </a:pPr>
+            <a:r>
+              <a:rPr lang="ru-RU" sz="2800" b="1" dirty="0" smtClean="0">
+                <a:solidFill>
+                  <a:schemeClr val="bg1">
+                    <a:lumMod val="60000"/>
+                    <a:lumOff val="40000"/>
+                  </a:schemeClr>
+                </a:solidFill>
+              </a:rPr>
+              <a:t>Отпечатване</a:t>
+            </a:r>
+            <a:r>
+              <a:rPr lang="ru-RU" sz="2800" b="1" dirty="0" smtClean="0">
+                <a:solidFill>
+                  <a:schemeClr val="bg2"/>
+                </a:solidFill>
+              </a:rPr>
+              <a:t> </a:t>
+            </a:r>
+            <a:r>
+              <a:rPr lang="ru-RU" sz="2800" dirty="0" smtClean="0">
+                <a:solidFill>
+                  <a:schemeClr val="bg2"/>
+                </a:solidFill>
+              </a:rPr>
+              <a:t>на документ</a:t>
+            </a:r>
+          </a:p>
+          <a:p>
+            <a:pPr marL="888666" lvl="1" indent="-355600">
+              <a:lnSpc>
+                <a:spcPct val="100000"/>
+              </a:lnSpc>
+              <a:buClr>
+                <a:schemeClr val="bg2"/>
+              </a:buClr>
+            </a:pPr>
+            <a:r>
+              <a:rPr lang="ru-RU" sz="2600" b="1" dirty="0" smtClean="0">
+                <a:solidFill>
+                  <a:schemeClr val="bg2"/>
+                </a:solidFill>
+              </a:rPr>
+              <a:t>Настройки </a:t>
+            </a:r>
+            <a:r>
+              <a:rPr lang="ru-RU" sz="2600" dirty="0" smtClean="0">
+                <a:solidFill>
+                  <a:schemeClr val="bg2"/>
+                </a:solidFill>
+              </a:rPr>
+              <a:t>при</a:t>
+            </a:r>
+            <a:r>
+              <a:rPr lang="ru-RU" sz="2600" b="1" dirty="0" smtClean="0">
+                <a:solidFill>
+                  <a:schemeClr val="bg2"/>
+                </a:solidFill>
+              </a:rPr>
+              <a:t> разпечатването </a:t>
+            </a:r>
+            <a:r>
+              <a:rPr lang="ru-RU" sz="2600" dirty="0" smtClean="0">
+                <a:solidFill>
+                  <a:schemeClr val="bg2"/>
+                </a:solidFill>
+              </a:rPr>
+              <a:t>на </a:t>
+            </a:r>
+            <a:r>
+              <a:rPr lang="en-US" sz="2600" b="1" dirty="0" smtClean="0">
+                <a:solidFill>
+                  <a:schemeClr val="bg2"/>
+                </a:solidFill>
+              </a:rPr>
+              <a:t>Word</a:t>
+            </a:r>
+            <a:r>
+              <a:rPr lang="en-US" sz="2600" dirty="0" smtClean="0">
+                <a:solidFill>
+                  <a:schemeClr val="bg2"/>
+                </a:solidFill>
+              </a:rPr>
+              <a:t> </a:t>
+            </a:r>
+            <a:r>
+              <a:rPr lang="bg-BG" sz="2600" b="1" dirty="0" smtClean="0">
+                <a:solidFill>
+                  <a:schemeClr val="bg2"/>
+                </a:solidFill>
+              </a:rPr>
+              <a:t>документ</a:t>
+            </a:r>
+            <a:endParaRPr lang="ru-RU" sz="2600" b="1" dirty="0" smtClean="0">
+              <a:solidFill>
+                <a:schemeClr val="bg2"/>
+              </a:solidFill>
+            </a:endParaRPr>
+          </a:p>
+          <a:p>
+            <a:pPr marL="355600" indent="-355600">
+              <a:lnSpc>
+                <a:spcPct val="100000"/>
+              </a:lnSpc>
+              <a:buClr>
+                <a:schemeClr val="bg2"/>
+              </a:buClr>
+            </a:pPr>
+            <a:endParaRPr lang="ru-RU" sz="2600" b="1" dirty="0">
+              <a:solidFill>
+                <a:schemeClr val="bg2"/>
+              </a:solidFill>
+            </a:endParaRPr>
+          </a:p>
+          <a:p>
+            <a:pPr marL="355600" indent="-355600">
+              <a:lnSpc>
+                <a:spcPct val="100000"/>
+              </a:lnSpc>
+              <a:buClr>
+                <a:schemeClr val="bg2"/>
+              </a:buClr>
+            </a:pPr>
+            <a:endParaRPr lang="ru-RU" sz="2800" b="1" dirty="0" smtClean="0">
+              <a:solidFill>
+                <a:schemeClr val="bg2"/>
+              </a:solidFill>
+            </a:endParaRPr>
+          </a:p>
+          <a:p>
+            <a:pPr marL="355600" indent="-355600">
+              <a:lnSpc>
+                <a:spcPct val="100000"/>
+              </a:lnSpc>
+              <a:buClr>
+                <a:schemeClr val="bg2"/>
+              </a:buClr>
+            </a:pPr>
+            <a:endParaRPr lang="ru-RU" sz="2800" b="1" dirty="0">
+              <a:solidFill>
+                <a:schemeClr val="bg2"/>
+              </a:solidFill>
+            </a:endParaRPr>
+          </a:p>
+          <a:p>
+            <a:pPr marL="355600" indent="-355600">
+              <a:lnSpc>
+                <a:spcPct val="100000"/>
+              </a:lnSpc>
+              <a:buClr>
+                <a:schemeClr val="bg2"/>
+              </a:buClr>
+            </a:pPr>
             <a:endParaRPr lang="en-US" sz="2400" dirty="0" smtClean="0">
               <a:solidFill>
                 <a:schemeClr val="bg2"/>
@@ -10812,14 +13441,380 @@
   <p:timing>
     <p:tnLst>
       <p:par>
-        <p:cTn id="1" dur="indefinite" restart="never" nodeType="tmRoot"/>
+        <p:cTn id="1" dur="indefinite" restart="never" nodeType="tmRoot">
+          <p:childTnLst>
+            <p:seq concurrent="1" nextAc="seek">
+              <p:cTn id="2" dur="indefinite" nodeType="mainSeq">
+                <p:childTnLst>
+                  <p:par>
+                    <p:cTn id="3" fill="hold">
+                      <p:stCondLst>
+                        <p:cond delay="indefinite"/>
+                      </p:stCondLst>
+                      <p:childTnLst>
+                        <p:par>
+                          <p:cTn id="4" fill="hold">
+                            <p:stCondLst>
+                              <p:cond delay="0"/>
+                            </p:stCondLst>
+                            <p:childTnLst>
+                              <p:par>
+                                <p:cTn id="5" presetID="1" presetClass="entr" presetSubtype="0" fill="hold" nodeType="clickEffect">
+                                  <p:stCondLst>
+                                    <p:cond delay="0"/>
+                                  </p:stCondLst>
+                                  <p:childTnLst>
+                                    <p:set>
+                                      <p:cBhvr>
+                                        <p:cTn id="6" dur="1" fill="hold">
+                                          <p:stCondLst>
+                                            <p:cond delay="0"/>
+                                          </p:stCondLst>
+                                        </p:cTn>
+                                        <p:tgtEl>
+                                          <p:spTgt spid="15">
+                                            <p:txEl>
+                                              <p:pRg st="1" end="1"/>
+                                            </p:txEl>
+                                          </p:spTgt>
+                                        </p:tgtEl>
+                                        <p:attrNameLst>
+                                          <p:attrName>style.visibility</p:attrName>
+                                        </p:attrNameLst>
+                                      </p:cBhvr>
+                                      <p:to>
+                                        <p:strVal val="visible"/>
+                                      </p:to>
+                                    </p:set>
+                                  </p:childTnLst>
+                                </p:cTn>
+                              </p:par>
+                            </p:childTnLst>
+                          </p:cTn>
+                        </p:par>
+                      </p:childTnLst>
+                    </p:cTn>
+                  </p:par>
+                  <p:par>
+                    <p:cTn id="7" fill="hold">
+                      <p:stCondLst>
+                        <p:cond delay="indefinite"/>
+                      </p:stCondLst>
+                      <p:childTnLst>
+                        <p:par>
+                          <p:cTn id="8" fill="hold">
+                            <p:stCondLst>
+                              <p:cond delay="0"/>
+                            </p:stCondLst>
+                            <p:childTnLst>
+                              <p:par>
+                                <p:cTn id="9" presetID="1" presetClass="entr" presetSubtype="0" fill="hold" nodeType="clickEffect">
+                                  <p:stCondLst>
+                                    <p:cond delay="0"/>
+                                  </p:stCondLst>
+                                  <p:childTnLst>
+                                    <p:set>
+                                      <p:cBhvr>
+                                        <p:cTn id="10" dur="1" fill="hold">
+                                          <p:stCondLst>
+                                            <p:cond delay="0"/>
+                                          </p:stCondLst>
+                                        </p:cTn>
+                                        <p:tgtEl>
+                                          <p:spTgt spid="15">
+                                            <p:txEl>
+                                              <p:pRg st="2" end="2"/>
+                                            </p:txEl>
+                                          </p:spTgt>
+                                        </p:tgtEl>
+                                        <p:attrNameLst>
+                                          <p:attrName>style.visibility</p:attrName>
+                                        </p:attrNameLst>
+                                      </p:cBhvr>
+                                      <p:to>
+                                        <p:strVal val="visible"/>
+                                      </p:to>
+                                    </p:set>
+                                  </p:childTnLst>
+                                </p:cTn>
+                              </p:par>
+                            </p:childTnLst>
+                          </p:cTn>
+                        </p:par>
+                      </p:childTnLst>
+                    </p:cTn>
+                  </p:par>
+                  <p:par>
+                    <p:cTn id="11" fill="hold">
+                      <p:stCondLst>
+                        <p:cond delay="indefinite"/>
+                      </p:stCondLst>
+                      <p:childTnLst>
+                        <p:par>
+                          <p:cTn id="12" fill="hold">
+                            <p:stCondLst>
+                              <p:cond delay="0"/>
+                            </p:stCondLst>
+                            <p:childTnLst>
+                              <p:par>
+                                <p:cTn id="13" presetID="1" presetClass="entr" presetSubtype="0" fill="hold" nodeType="clickEffect">
+                                  <p:stCondLst>
+                                    <p:cond delay="0"/>
+                                  </p:stCondLst>
+                                  <p:childTnLst>
+                                    <p:set>
+                                      <p:cBhvr>
+                                        <p:cTn id="14" dur="1" fill="hold">
+                                          <p:stCondLst>
+                                            <p:cond delay="0"/>
+                                          </p:stCondLst>
+                                        </p:cTn>
+                                        <p:tgtEl>
+                                          <p:spTgt spid="15">
+                                            <p:txEl>
+                                              <p:pRg st="3" end="3"/>
+                                            </p:txEl>
+                                          </p:spTgt>
+                                        </p:tgtEl>
+                                        <p:attrNameLst>
+                                          <p:attrName>style.visibility</p:attrName>
+                                        </p:attrNameLst>
+                                      </p:cBhvr>
+                                      <p:to>
+                                        <p:strVal val="visible"/>
+                                      </p:to>
+                                    </p:set>
+                                  </p:childTnLst>
+                                </p:cTn>
+                              </p:par>
+                            </p:childTnLst>
+                          </p:cTn>
+                        </p:par>
+                      </p:childTnLst>
+                    </p:cTn>
+                  </p:par>
+                  <p:par>
+                    <p:cTn id="15" fill="hold">
+                      <p:stCondLst>
+                        <p:cond delay="indefinite"/>
+                      </p:stCondLst>
+                      <p:childTnLst>
+                        <p:par>
+                          <p:cTn id="16" fill="hold">
+                            <p:stCondLst>
+                              <p:cond delay="0"/>
+                            </p:stCondLst>
+                            <p:childTnLst>
+                              <p:par>
+                                <p:cTn id="17" presetID="1" presetClass="entr" presetSubtype="0" fill="hold" nodeType="clickEffect">
+                                  <p:stCondLst>
+                                    <p:cond delay="0"/>
+                                  </p:stCondLst>
+                                  <p:childTnLst>
+                                    <p:set>
+                                      <p:cBhvr>
+                                        <p:cTn id="18" dur="1" fill="hold">
+                                          <p:stCondLst>
+                                            <p:cond delay="0"/>
+                                          </p:stCondLst>
+                                        </p:cTn>
+                                        <p:tgtEl>
+                                          <p:spTgt spid="15">
+                                            <p:txEl>
+                                              <p:pRg st="4" end="4"/>
+                                            </p:txEl>
+                                          </p:spTgt>
+                                        </p:tgtEl>
+                                        <p:attrNameLst>
+                                          <p:attrName>style.visibility</p:attrName>
+                                        </p:attrNameLst>
+                                      </p:cBhvr>
+                                      <p:to>
+                                        <p:strVal val="visible"/>
+                                      </p:to>
+                                    </p:set>
+                                  </p:childTnLst>
+                                </p:cTn>
+                              </p:par>
+                            </p:childTnLst>
+                          </p:cTn>
+                        </p:par>
+                      </p:childTnLst>
+                    </p:cTn>
+                  </p:par>
+                  <p:par>
+                    <p:cTn id="19" fill="hold">
+                      <p:stCondLst>
+                        <p:cond delay="indefinite"/>
+                      </p:stCondLst>
+                      <p:childTnLst>
+                        <p:par>
+                          <p:cTn id="20" fill="hold">
+                            <p:stCondLst>
+                              <p:cond delay="0"/>
+                            </p:stCondLst>
+                            <p:childTnLst>
+                              <p:par>
+                                <p:cTn id="21" presetID="1" presetClass="entr" presetSubtype="0" fill="hold" nodeType="clickEffect">
+                                  <p:stCondLst>
+                                    <p:cond delay="0"/>
+                                  </p:stCondLst>
+                                  <p:childTnLst>
+                                    <p:set>
+                                      <p:cBhvr>
+                                        <p:cTn id="22" dur="1" fill="hold">
+                                          <p:stCondLst>
+                                            <p:cond delay="0"/>
+                                          </p:stCondLst>
+                                        </p:cTn>
+                                        <p:tgtEl>
+                                          <p:spTgt spid="15">
+                                            <p:txEl>
+                                              <p:pRg st="5" end="5"/>
+                                            </p:txEl>
+                                          </p:spTgt>
+                                        </p:tgtEl>
+                                        <p:attrNameLst>
+                                          <p:attrName>style.visibility</p:attrName>
+                                        </p:attrNameLst>
+                                      </p:cBhvr>
+                                      <p:to>
+                                        <p:strVal val="visible"/>
+                                      </p:to>
+                                    </p:set>
+                                  </p:childTnLst>
+                                </p:cTn>
+                              </p:par>
+                            </p:childTnLst>
+                          </p:cTn>
+                        </p:par>
+                      </p:childTnLst>
+                    </p:cTn>
+                  </p:par>
+                  <p:par>
+                    <p:cTn id="23" fill="hold">
+                      <p:stCondLst>
+                        <p:cond delay="indefinite"/>
+                      </p:stCondLst>
+                      <p:childTnLst>
+                        <p:par>
+                          <p:cTn id="24" fill="hold">
+                            <p:stCondLst>
+                              <p:cond delay="0"/>
+                            </p:stCondLst>
+                            <p:childTnLst>
+                              <p:par>
+                                <p:cTn id="25" presetID="1" presetClass="entr" presetSubtype="0" fill="hold" nodeType="clickEffect">
+                                  <p:stCondLst>
+                                    <p:cond delay="0"/>
+                                  </p:stCondLst>
+                                  <p:childTnLst>
+                                    <p:set>
+                                      <p:cBhvr>
+                                        <p:cTn id="26" dur="1" fill="hold">
+                                          <p:stCondLst>
+                                            <p:cond delay="0"/>
+                                          </p:stCondLst>
+                                        </p:cTn>
+                                        <p:tgtEl>
+                                          <p:spTgt spid="15">
+                                            <p:txEl>
+                                              <p:pRg st="6" end="6"/>
+                                            </p:txEl>
+                                          </p:spTgt>
+                                        </p:tgtEl>
+                                        <p:attrNameLst>
+                                          <p:attrName>style.visibility</p:attrName>
+                                        </p:attrNameLst>
+                                      </p:cBhvr>
+                                      <p:to>
+                                        <p:strVal val="visible"/>
+                                      </p:to>
+                                    </p:set>
+                                  </p:childTnLst>
+                                </p:cTn>
+                              </p:par>
+                            </p:childTnLst>
+                          </p:cTn>
+                        </p:par>
+                      </p:childTnLst>
+                    </p:cTn>
+                  </p:par>
+                  <p:par>
+                    <p:cTn id="27" fill="hold">
+                      <p:stCondLst>
+                        <p:cond delay="indefinite"/>
+                      </p:stCondLst>
+                      <p:childTnLst>
+                        <p:par>
+                          <p:cTn id="28" fill="hold">
+                            <p:stCondLst>
+                              <p:cond delay="0"/>
+                            </p:stCondLst>
+                            <p:childTnLst>
+                              <p:par>
+                                <p:cTn id="29" presetID="1" presetClass="entr" presetSubtype="0" fill="hold" nodeType="clickEffect">
+                                  <p:stCondLst>
+                                    <p:cond delay="0"/>
+                                  </p:stCondLst>
+                                  <p:childTnLst>
+                                    <p:set>
+                                      <p:cBhvr>
+                                        <p:cTn id="30" dur="1" fill="hold">
+                                          <p:stCondLst>
+                                            <p:cond delay="0"/>
+                                          </p:stCondLst>
+                                        </p:cTn>
+                                        <p:tgtEl>
+                                          <p:spTgt spid="15">
+                                            <p:txEl>
+                                              <p:pRg st="7" end="7"/>
+                                            </p:txEl>
+                                          </p:spTgt>
+                                        </p:tgtEl>
+                                        <p:attrNameLst>
+                                          <p:attrName>style.visibility</p:attrName>
+                                        </p:attrNameLst>
+                                      </p:cBhvr>
+                                      <p:to>
+                                        <p:strVal val="visible"/>
+                                      </p:to>
+                                    </p:set>
+                                  </p:childTnLst>
+                                </p:cTn>
+                              </p:par>
+                            </p:childTnLst>
+                          </p:cTn>
+                        </p:par>
+                      </p:childTnLst>
+                    </p:cTn>
+                  </p:par>
+                </p:childTnLst>
+              </p:cTn>
+              <p:prevCondLst>
+                <p:cond evt="onPrev" delay="0">
+                  <p:tgtEl>
+                    <p:sldTgt/>
+                  </p:tgtEl>
+                </p:cond>
+              </p:prevCondLst>
+              <p:nextCondLst>
+                <p:cond evt="onNext" delay="0">
+                  <p:tgtEl>
+                    <p:sldTgt/>
+                  </p:tgtEl>
+                </p:cond>
+              </p:nextCondLst>
+            </p:seq>
+          </p:childTnLst>
+        </p:cTn>
       </p:par>
     </p:tnLst>
   </p:timing>
 </p:sld>
 </file>
 
-<file path=ppt/slides/slide15.xml><?xml version="1.0" encoding="utf-8"?>
+<file path=ppt/slides/slide19.xml><?xml version="1.0" encoding="utf-8"?>
 <p:sld xmlns:a="http://schemas.openxmlformats.org/drawingml/2006/main" xmlns:r="http://schemas.openxmlformats.org/officeDocument/2006/relationships" xmlns:p="http://schemas.openxmlformats.org/presentationml/2006/main">
   <p:cSld>
     <p:spTree>
@@ -10933,7 +13928,7 @@
                 <a:hlinkClick r:id="rId3">
                   <a:extLst>
                     <a:ext uri="{A12FA001-AC4F-418D-AE19-62706E023703}">
-                      <ahyp:hlinkClr xmlns:ahyp="http://schemas.microsoft.com/office/drawing/2018/hyperlinkcolor" xmlns="" val="tx"/>
+                      <ahyp:hlinkClr xmlns="" xmlns:ahyp="http://schemas.microsoft.com/office/drawing/2018/hyperlinkcolor" val="tx"/>
                     </a:ext>
                   </a:extLst>
                 </a:hlinkClick>
@@ -10992,396 +13987,6 @@
     <p:extLst>
       <p:ext uri="{BB962C8B-B14F-4D97-AF65-F5344CB8AC3E}">
         <p14:creationId xmlns:p14="http://schemas.microsoft.com/office/powerpoint/2010/main" val="1472534970"/>
-      </p:ext>
-    </p:extLst>
-  </p:cSld>
-  <p:clrMapOvr>
-    <a:masterClrMapping/>
-  </p:clrMapOvr>
-  <mc:AlternateContent xmlns:mc="http://schemas.openxmlformats.org/markup-compatibility/2006" xmlns:p14="http://schemas.microsoft.com/office/powerpoint/2010/main">
-    <mc:Choice Requires="p14">
-      <p:transition spd="slow" p14:dur="2000" advClick="0" advTm="5000"/>
-    </mc:Choice>
-    <mc:Fallback xmlns="">
-      <p:transition spd="slow" advClick="0" advTm="5000"/>
-    </mc:Fallback>
-  </mc:AlternateContent>
-  <p:timing>
-    <p:tnLst>
-      <p:par>
-        <p:cTn id="1" dur="indefinite" restart="never" nodeType="tmRoot"/>
-      </p:par>
-    </p:tnLst>
-  </p:timing>
-</p:sld>
-</file>
-
-<file path=ppt/slides/slide16.xml><?xml version="1.0" encoding="utf-8"?>
-<p:sld xmlns:a="http://schemas.openxmlformats.org/drawingml/2006/main" xmlns:r="http://schemas.openxmlformats.org/officeDocument/2006/relationships" xmlns:p="http://schemas.openxmlformats.org/presentationml/2006/main">
-  <p:cSld>
-    <p:spTree>
-      <p:nvGrpSpPr>
-        <p:cNvPr id="1" name=""/>
-        <p:cNvGrpSpPr/>
-        <p:nvPr/>
-      </p:nvGrpSpPr>
-      <p:grpSpPr>
-        <a:xfrm>
-          <a:off x="0" y="0"/>
-          <a:ext cx="0" cy="0"/>
-          <a:chOff x="0" y="0"/>
-          <a:chExt cx="0" cy="0"/>
-        </a:xfrm>
-      </p:grpSpPr>
-      <p:sp>
-        <p:nvSpPr>
-          <p:cNvPr id="5" name="Slide Number">
-            <a:extLst>
-              <a:ext uri="{FF2B5EF4-FFF2-40B4-BE49-F238E27FC236}">
-                <a16:creationId xmlns:a16="http://schemas.microsoft.com/office/drawing/2014/main" id="{F48C3C93-90A1-4D31-BEA6-B54D1106CE31}"/>
-              </a:ext>
-            </a:extLst>
-          </p:cNvPr>
-          <p:cNvSpPr>
-            <a:spLocks noGrp="1"/>
-          </p:cNvSpPr>
-          <p:nvPr>
-            <p:ph type="sldNum" sz="quarter" idx="5"/>
-          </p:nvPr>
-        </p:nvSpPr>
-        <p:spPr>
-          <a:xfrm>
-            <a:off x="11753030" y="6507000"/>
-            <a:ext cx="367414" cy="297000"/>
-          </a:xfrm>
-          <a:prstGeom prst="rect">
-            <a:avLst/>
-          </a:prstGeom>
-        </p:spPr>
-        <p:txBody>
-          <a:bodyPr vert="horz" lIns="91440" tIns="45720" rIns="91440" bIns="45720" rtlCol="0" anchor="b"/>
-          <a:lstStyle>
-            <a:lvl1pPr algn="r">
-              <a:defRPr sz="1000"/>
-            </a:lvl1pPr>
-          </a:lstStyle>
-          <a:p>
-            <a:fld id="{2BF067CD-8E6B-4360-9AA8-C5DF2A48A6D1}" type="slidenum">
-              <a:rPr lang="en-US" smtClean="0"/>
-              <a:pPr/>
-              <a:t>16</a:t>
-            </a:fld>
-            <a:endParaRPr lang="en-US" dirty="0"/>
-          </a:p>
-        </p:txBody>
-      </p:sp>
-      <p:sp>
-        <p:nvSpPr>
-          <p:cNvPr id="2" name="Slide Body">
-            <a:extLst>
-              <a:ext uri="{FF2B5EF4-FFF2-40B4-BE49-F238E27FC236}">
-                <a16:creationId xmlns:a16="http://schemas.microsoft.com/office/drawing/2014/main" id="{980F49B1-E4BE-4389-A747-7AB9B71AD920}"/>
-              </a:ext>
-            </a:extLst>
-          </p:cNvPr>
-          <p:cNvSpPr>
-            <a:spLocks noGrp="1"/>
-          </p:cNvSpPr>
-          <p:nvPr>
-            <p:ph type="body" sz="quarter" idx="10"/>
-          </p:nvPr>
-        </p:nvSpPr>
-        <p:spPr>
-          <a:xfrm>
-            <a:off x="190402" y="1269001"/>
-            <a:ext cx="9865598" cy="2474999"/>
-          </a:xfrm>
-        </p:spPr>
-        <p:txBody>
-          <a:bodyPr>
-            <a:normAutofit/>
-          </a:bodyPr>
-          <a:lstStyle/>
-          <a:p>
-            <a:pPr>
-              <a:lnSpc>
-                <a:spcPct val="120000"/>
-              </a:lnSpc>
-            </a:pPr>
-            <a:r>
-              <a:rPr lang="bg-BG" sz="3200" dirty="0"/>
-              <a:t>Този курс</a:t>
-            </a:r>
-            <a:r>
-              <a:rPr lang="en-US" sz="3200" dirty="0"/>
-              <a:t> (</a:t>
-            </a:r>
-            <a:r>
-              <a:rPr lang="bg-BG" sz="3200" dirty="0"/>
-              <a:t>презентации, примери, демонстрационен код, упражнения, домашни, видео и други активи</a:t>
-            </a:r>
-            <a:r>
-              <a:rPr lang="en-US" sz="3200" dirty="0"/>
-              <a:t>) </a:t>
-            </a:r>
-            <a:r>
-              <a:rPr lang="bg-BG" sz="3200" dirty="0"/>
-              <a:t>представлява</a:t>
-            </a:r>
-            <a:r>
-              <a:rPr lang="en-US" sz="3200" dirty="0"/>
-              <a:t> </a:t>
-            </a:r>
-            <a:r>
-              <a:rPr lang="bg-BG" sz="3200" b="1" dirty="0"/>
-              <a:t>свободно учебно съдържание </a:t>
-            </a:r>
-            <a:r>
-              <a:rPr lang="bg-BG" sz="3200" dirty="0"/>
-              <a:t>и се разпространява под свободен лиценз </a:t>
-            </a:r>
-            <a:r>
-              <a:rPr lang="en-US" sz="3200" b="1" dirty="0"/>
-              <a:t>CC-BY-NC-SA</a:t>
-            </a:r>
-            <a:endParaRPr lang="bg-BG" sz="3200" dirty="0"/>
-          </a:p>
-        </p:txBody>
-      </p:sp>
-      <p:pic>
-        <p:nvPicPr>
-          <p:cNvPr id="6" name="Picture License" descr="License">
-            <a:extLst>
-              <a:ext uri="{FF2B5EF4-FFF2-40B4-BE49-F238E27FC236}">
-                <a16:creationId xmlns:a16="http://schemas.microsoft.com/office/drawing/2014/main" id="{82BA520F-A037-4E01-AA18-27D9F1E930A6}"/>
-              </a:ext>
-            </a:extLst>
-          </p:cNvPr>
-          <p:cNvPicPr>
-            <a:picLocks noChangeAspect="1"/>
-          </p:cNvPicPr>
-          <p:nvPr/>
-        </p:nvPicPr>
-        <p:blipFill>
-          <a:blip r:embed="rId3">
-            <a:clrChange>
-              <a:clrFrom>
-                <a:srgbClr val="FFFFFF"/>
-              </a:clrFrom>
-              <a:clrTo>
-                <a:srgbClr val="FFFFFF">
-                  <a:alpha val="0"/>
-                </a:srgbClr>
-              </a:clrTo>
-            </a:clrChange>
-          </a:blip>
-          <a:stretch>
-            <a:fillRect/>
-          </a:stretch>
-        </p:blipFill>
-        <p:spPr>
-          <a:xfrm>
-            <a:off x="10226175" y="1440120"/>
-            <a:ext cx="1198986" cy="1268880"/>
-          </a:xfrm>
-          <a:prstGeom prst="rect">
-            <a:avLst/>
-          </a:prstGeom>
-        </p:spPr>
-      </p:pic>
-      <p:sp>
-        <p:nvSpPr>
-          <p:cNvPr id="3" name="Slide Title">
-            <a:extLst>
-              <a:ext uri="{FF2B5EF4-FFF2-40B4-BE49-F238E27FC236}">
-                <a16:creationId xmlns:a16="http://schemas.microsoft.com/office/drawing/2014/main" id="{E5F1FB41-80C3-4816-BC47-CCC50632E6E8}"/>
-              </a:ext>
-            </a:extLst>
-          </p:cNvPr>
-          <p:cNvSpPr>
-            <a:spLocks noGrp="1"/>
-          </p:cNvSpPr>
-          <p:nvPr>
-            <p:ph type="title"/>
-          </p:nvPr>
-        </p:nvSpPr>
-        <p:spPr/>
-        <p:txBody>
-          <a:bodyPr/>
-          <a:lstStyle/>
-          <a:p>
-            <a:r>
-              <a:rPr lang="bg-BG" dirty="0"/>
-              <a:t>Лиценз</a:t>
-            </a:r>
-          </a:p>
-        </p:txBody>
-      </p:sp>
-      <p:sp>
-        <p:nvSpPr>
-          <p:cNvPr id="11" name="TextBox 10">
-            <a:extLst>
-              <a:ext uri="{FF2B5EF4-FFF2-40B4-BE49-F238E27FC236}">
-                <a16:creationId xmlns:a16="http://schemas.microsoft.com/office/drawing/2014/main" id="{0C18DF19-B750-4C88-975B-661A6BF61F5E}"/>
-              </a:ext>
-            </a:extLst>
-          </p:cNvPr>
-          <p:cNvSpPr txBox="1"/>
-          <p:nvPr/>
-        </p:nvSpPr>
-        <p:spPr>
-          <a:xfrm>
-            <a:off x="190401" y="3927519"/>
-            <a:ext cx="11710599" cy="1979644"/>
-          </a:xfrm>
-          <a:prstGeom prst="rect">
-            <a:avLst/>
-          </a:prstGeom>
-          <a:noFill/>
-          <a:ln w="12700">
-            <a:noFill/>
-          </a:ln>
-        </p:spPr>
-        <p:txBody>
-          <a:bodyPr wrap="square">
-            <a:spAutoFit/>
-          </a:bodyPr>
-          <a:lstStyle/>
-          <a:p>
-            <a:pPr marL="360363" indent="-360363" defTabSz="1218438">
-              <a:lnSpc>
-                <a:spcPct val="120000"/>
-              </a:lnSpc>
-              <a:spcBef>
-                <a:spcPts val="600"/>
-              </a:spcBef>
-              <a:spcAft>
-                <a:spcPts val="600"/>
-              </a:spcAft>
-              <a:buFont typeface="Wingdings" panose="05000000000000000000" pitchFamily="2" charset="2"/>
-              <a:buChar char="§"/>
-              <a:defRPr/>
-            </a:pPr>
-            <a:r>
-              <a:rPr lang="bg-BG" sz="3200" dirty="0"/>
-              <a:t>Проект "</a:t>
-            </a:r>
-            <a:r>
-              <a:rPr lang="bg-BG" sz="3200" b="1" dirty="0"/>
-              <a:t>Отворено учебно съдържание по програмиране и ИТ</a:t>
-            </a:r>
-            <a:r>
-              <a:rPr lang="bg-BG" sz="3200" dirty="0"/>
-              <a:t>" към Фондация "Софтуерен университет"</a:t>
-            </a:r>
-            <a:r>
-              <a:rPr lang="en-US" sz="3200" dirty="0"/>
-              <a:t>:</a:t>
-            </a:r>
-            <a:endParaRPr lang="bg-BG" sz="3200" dirty="0"/>
-          </a:p>
-          <a:p>
-            <a:pPr marL="817563" lvl="1" indent="-360363" defTabSz="1218438">
-              <a:lnSpc>
-                <a:spcPct val="120000"/>
-              </a:lnSpc>
-              <a:spcBef>
-                <a:spcPts val="600"/>
-              </a:spcBef>
-              <a:spcAft>
-                <a:spcPts val="600"/>
-              </a:spcAft>
-              <a:buFont typeface="Wingdings" panose="05000000000000000000" pitchFamily="2" charset="2"/>
-              <a:buChar char="§"/>
-              <a:defRPr/>
-            </a:pPr>
-            <a:r>
-              <a:rPr kumimoji="0" lang="en-US" sz="3200" b="0" i="0" u="none" strike="noStrike" kern="1200" cap="none" spc="0" normalizeH="0" baseline="0" noProof="0" dirty="0">
-                <a:ln>
-                  <a:noFill/>
-                </a:ln>
-                <a:solidFill>
-                  <a:srgbClr val="234465"/>
-                </a:solidFill>
-                <a:effectLst/>
-                <a:uLnTx/>
-                <a:uFillTx/>
-                <a:latin typeface="Calibri"/>
-                <a:ea typeface="+mn-ea"/>
-                <a:cs typeface="+mn-cs"/>
-                <a:hlinkClick r:id="rId4"/>
-              </a:rPr>
-              <a:t>https://github.com/BG-IT-Edu</a:t>
-            </a:r>
-            <a:endParaRPr kumimoji="0" lang="bg-BG" sz="3200" b="0" i="0" u="none" strike="noStrike" kern="1200" cap="none" spc="0" normalizeH="0" baseline="0" noProof="0" dirty="0">
-              <a:ln>
-                <a:noFill/>
-              </a:ln>
-              <a:solidFill>
-                <a:srgbClr val="234465"/>
-              </a:solidFill>
-              <a:effectLst/>
-              <a:uLnTx/>
-              <a:uFillTx/>
-              <a:latin typeface="Calibri"/>
-              <a:ea typeface="+mn-ea"/>
-              <a:cs typeface="+mn-cs"/>
-            </a:endParaRPr>
-          </a:p>
-        </p:txBody>
-      </p:sp>
-      <p:pic>
-        <p:nvPicPr>
-          <p:cNvPr id="7" name="Picture 6" title="CC-BY-NC-SA License">
-            <a:hlinkClick r:id="rId5" tooltip="This work is licensed under the &quot;Creative Commons Attribution-NonCommercial-ShareAlike 4.0 International&quot; license"/>
-            <a:extLst>
-              <a:ext uri="{FF2B5EF4-FFF2-40B4-BE49-F238E27FC236}">
-                <a16:creationId xmlns:a16="http://schemas.microsoft.com/office/drawing/2014/main" id="{F6C77C47-F7D8-A176-5C69-7FDE5C7E8003}"/>
-              </a:ext>
-            </a:extLst>
-          </p:cNvPr>
-          <p:cNvPicPr>
-            <a:picLocks noChangeAspect="1" noChangeArrowheads="1"/>
-          </p:cNvPicPr>
-          <p:nvPr/>
-        </p:nvPicPr>
-        <p:blipFill>
-          <a:blip r:embed="rId6">
-            <a:extLst>
-              <a:ext uri="{28A0092B-C50C-407E-A947-70E740481C1C}">
-                <a14:useLocalDpi xmlns:a14="http://schemas.microsoft.com/office/drawing/2010/main"/>
-              </a:ext>
-            </a:extLst>
-          </a:blip>
-          <a:srcRect/>
-          <a:stretch>
-            <a:fillRect/>
-          </a:stretch>
-        </p:blipFill>
-        <p:spPr bwMode="auto">
-          <a:xfrm>
-            <a:off x="9831000" y="2908593"/>
-            <a:ext cx="1989336" cy="696022"/>
-          </a:xfrm>
-          <a:prstGeom prst="roundRect">
-            <a:avLst>
-              <a:gd name="adj" fmla="val 3940"/>
-            </a:avLst>
-          </a:prstGeom>
-          <a:solidFill>
-            <a:srgbClr val="231F20">
-              <a:alpha val="50000"/>
-            </a:srgbClr>
-          </a:solidFill>
-          <a:ln>
-            <a:noFill/>
-          </a:ln>
-        </p:spPr>
-      </p:pic>
-    </p:spTree>
-    <p:extLst>
-      <p:ext uri="{BB962C8B-B14F-4D97-AF65-F5344CB8AC3E}">
-        <p14:creationId xmlns:p14="http://schemas.microsoft.com/office/powerpoint/2010/main" val="3879276042"/>
       </p:ext>
     </p:extLst>
   </p:cSld>
@@ -11837,6 +14442,396 @@
             </p:seq>
           </p:childTnLst>
         </p:cTn>
+      </p:par>
+    </p:tnLst>
+  </p:timing>
+</p:sld>
+</file>
+
+<file path=ppt/slides/slide20.xml><?xml version="1.0" encoding="utf-8"?>
+<p:sld xmlns:a="http://schemas.openxmlformats.org/drawingml/2006/main" xmlns:r="http://schemas.openxmlformats.org/officeDocument/2006/relationships" xmlns:p="http://schemas.openxmlformats.org/presentationml/2006/main">
+  <p:cSld>
+    <p:spTree>
+      <p:nvGrpSpPr>
+        <p:cNvPr id="1" name=""/>
+        <p:cNvGrpSpPr/>
+        <p:nvPr/>
+      </p:nvGrpSpPr>
+      <p:grpSpPr>
+        <a:xfrm>
+          <a:off x="0" y="0"/>
+          <a:ext cx="0" cy="0"/>
+          <a:chOff x="0" y="0"/>
+          <a:chExt cx="0" cy="0"/>
+        </a:xfrm>
+      </p:grpSpPr>
+      <p:sp>
+        <p:nvSpPr>
+          <p:cNvPr id="5" name="Slide Number">
+            <a:extLst>
+              <a:ext uri="{FF2B5EF4-FFF2-40B4-BE49-F238E27FC236}">
+                <a16:creationId xmlns:a16="http://schemas.microsoft.com/office/drawing/2014/main" id="{F48C3C93-90A1-4D31-BEA6-B54D1106CE31}"/>
+              </a:ext>
+            </a:extLst>
+          </p:cNvPr>
+          <p:cNvSpPr>
+            <a:spLocks noGrp="1"/>
+          </p:cNvSpPr>
+          <p:nvPr>
+            <p:ph type="sldNum" sz="quarter" idx="5"/>
+          </p:nvPr>
+        </p:nvSpPr>
+        <p:spPr>
+          <a:xfrm>
+            <a:off x="11753030" y="6507000"/>
+            <a:ext cx="367414" cy="297000"/>
+          </a:xfrm>
+          <a:prstGeom prst="rect">
+            <a:avLst/>
+          </a:prstGeom>
+        </p:spPr>
+        <p:txBody>
+          <a:bodyPr vert="horz" lIns="91440" tIns="45720" rIns="91440" bIns="45720" rtlCol="0" anchor="b"/>
+          <a:lstStyle>
+            <a:lvl1pPr algn="r">
+              <a:defRPr sz="1000"/>
+            </a:lvl1pPr>
+          </a:lstStyle>
+          <a:p>
+            <a:fld id="{2BF067CD-8E6B-4360-9AA8-C5DF2A48A6D1}" type="slidenum">
+              <a:rPr lang="en-US" smtClean="0"/>
+              <a:pPr/>
+              <a:t>20</a:t>
+            </a:fld>
+            <a:endParaRPr lang="en-US" dirty="0"/>
+          </a:p>
+        </p:txBody>
+      </p:sp>
+      <p:sp>
+        <p:nvSpPr>
+          <p:cNvPr id="2" name="Slide Body">
+            <a:extLst>
+              <a:ext uri="{FF2B5EF4-FFF2-40B4-BE49-F238E27FC236}">
+                <a16:creationId xmlns:a16="http://schemas.microsoft.com/office/drawing/2014/main" id="{980F49B1-E4BE-4389-A747-7AB9B71AD920}"/>
+              </a:ext>
+            </a:extLst>
+          </p:cNvPr>
+          <p:cNvSpPr>
+            <a:spLocks noGrp="1"/>
+          </p:cNvSpPr>
+          <p:nvPr>
+            <p:ph type="body" sz="quarter" idx="10"/>
+          </p:nvPr>
+        </p:nvSpPr>
+        <p:spPr>
+          <a:xfrm>
+            <a:off x="190402" y="1269001"/>
+            <a:ext cx="9865598" cy="2474999"/>
+          </a:xfrm>
+        </p:spPr>
+        <p:txBody>
+          <a:bodyPr>
+            <a:normAutofit/>
+          </a:bodyPr>
+          <a:lstStyle/>
+          <a:p>
+            <a:pPr>
+              <a:lnSpc>
+                <a:spcPct val="120000"/>
+              </a:lnSpc>
+            </a:pPr>
+            <a:r>
+              <a:rPr lang="bg-BG" sz="3200" dirty="0"/>
+              <a:t>Този курс</a:t>
+            </a:r>
+            <a:r>
+              <a:rPr lang="en-US" sz="3200" dirty="0"/>
+              <a:t> (</a:t>
+            </a:r>
+            <a:r>
+              <a:rPr lang="bg-BG" sz="3200" dirty="0"/>
+              <a:t>презентации, примери, демонстрационен код, упражнения, домашни, видео и други активи</a:t>
+            </a:r>
+            <a:r>
+              <a:rPr lang="en-US" sz="3200" dirty="0"/>
+              <a:t>) </a:t>
+            </a:r>
+            <a:r>
+              <a:rPr lang="bg-BG" sz="3200" dirty="0"/>
+              <a:t>представлява</a:t>
+            </a:r>
+            <a:r>
+              <a:rPr lang="en-US" sz="3200" dirty="0"/>
+              <a:t> </a:t>
+            </a:r>
+            <a:r>
+              <a:rPr lang="bg-BG" sz="3200" b="1" dirty="0"/>
+              <a:t>свободно учебно съдържание </a:t>
+            </a:r>
+            <a:r>
+              <a:rPr lang="bg-BG" sz="3200" dirty="0"/>
+              <a:t>и се разпространява под свободен лиценз </a:t>
+            </a:r>
+            <a:r>
+              <a:rPr lang="en-US" sz="3200" b="1" dirty="0"/>
+              <a:t>CC-BY-NC-SA</a:t>
+            </a:r>
+            <a:endParaRPr lang="bg-BG" sz="3200" dirty="0"/>
+          </a:p>
+        </p:txBody>
+      </p:sp>
+      <p:pic>
+        <p:nvPicPr>
+          <p:cNvPr id="6" name="Picture License" descr="License">
+            <a:extLst>
+              <a:ext uri="{FF2B5EF4-FFF2-40B4-BE49-F238E27FC236}">
+                <a16:creationId xmlns:a16="http://schemas.microsoft.com/office/drawing/2014/main" id="{82BA520F-A037-4E01-AA18-27D9F1E930A6}"/>
+              </a:ext>
+            </a:extLst>
+          </p:cNvPr>
+          <p:cNvPicPr>
+            <a:picLocks noChangeAspect="1"/>
+          </p:cNvPicPr>
+          <p:nvPr/>
+        </p:nvPicPr>
+        <p:blipFill>
+          <a:blip r:embed="rId3">
+            <a:clrChange>
+              <a:clrFrom>
+                <a:srgbClr val="FFFFFF"/>
+              </a:clrFrom>
+              <a:clrTo>
+                <a:srgbClr val="FFFFFF">
+                  <a:alpha val="0"/>
+                </a:srgbClr>
+              </a:clrTo>
+            </a:clrChange>
+          </a:blip>
+          <a:stretch>
+            <a:fillRect/>
+          </a:stretch>
+        </p:blipFill>
+        <p:spPr>
+          <a:xfrm>
+            <a:off x="10226175" y="1440120"/>
+            <a:ext cx="1198986" cy="1268880"/>
+          </a:xfrm>
+          <a:prstGeom prst="rect">
+            <a:avLst/>
+          </a:prstGeom>
+        </p:spPr>
+      </p:pic>
+      <p:sp>
+        <p:nvSpPr>
+          <p:cNvPr id="3" name="Slide Title">
+            <a:extLst>
+              <a:ext uri="{FF2B5EF4-FFF2-40B4-BE49-F238E27FC236}">
+                <a16:creationId xmlns:a16="http://schemas.microsoft.com/office/drawing/2014/main" id="{E5F1FB41-80C3-4816-BC47-CCC50632E6E8}"/>
+              </a:ext>
+            </a:extLst>
+          </p:cNvPr>
+          <p:cNvSpPr>
+            <a:spLocks noGrp="1"/>
+          </p:cNvSpPr>
+          <p:nvPr>
+            <p:ph type="title"/>
+          </p:nvPr>
+        </p:nvSpPr>
+        <p:spPr/>
+        <p:txBody>
+          <a:bodyPr/>
+          <a:lstStyle/>
+          <a:p>
+            <a:r>
+              <a:rPr lang="bg-BG" dirty="0"/>
+              <a:t>Лиценз</a:t>
+            </a:r>
+          </a:p>
+        </p:txBody>
+      </p:sp>
+      <p:sp>
+        <p:nvSpPr>
+          <p:cNvPr id="11" name="TextBox 10">
+            <a:extLst>
+              <a:ext uri="{FF2B5EF4-FFF2-40B4-BE49-F238E27FC236}">
+                <a16:creationId xmlns:a16="http://schemas.microsoft.com/office/drawing/2014/main" id="{0C18DF19-B750-4C88-975B-661A6BF61F5E}"/>
+              </a:ext>
+            </a:extLst>
+          </p:cNvPr>
+          <p:cNvSpPr txBox="1"/>
+          <p:nvPr/>
+        </p:nvSpPr>
+        <p:spPr>
+          <a:xfrm>
+            <a:off x="190401" y="3927519"/>
+            <a:ext cx="11710599" cy="1979644"/>
+          </a:xfrm>
+          <a:prstGeom prst="rect">
+            <a:avLst/>
+          </a:prstGeom>
+          <a:noFill/>
+          <a:ln w="12700">
+            <a:noFill/>
+          </a:ln>
+        </p:spPr>
+        <p:txBody>
+          <a:bodyPr wrap="square">
+            <a:spAutoFit/>
+          </a:bodyPr>
+          <a:lstStyle/>
+          <a:p>
+            <a:pPr marL="360363" indent="-360363" defTabSz="1218438">
+              <a:lnSpc>
+                <a:spcPct val="120000"/>
+              </a:lnSpc>
+              <a:spcBef>
+                <a:spcPts val="600"/>
+              </a:spcBef>
+              <a:spcAft>
+                <a:spcPts val="600"/>
+              </a:spcAft>
+              <a:buFont typeface="Wingdings" panose="05000000000000000000" pitchFamily="2" charset="2"/>
+              <a:buChar char="§"/>
+              <a:defRPr/>
+            </a:pPr>
+            <a:r>
+              <a:rPr lang="bg-BG" sz="3200" dirty="0"/>
+              <a:t>Проект "</a:t>
+            </a:r>
+            <a:r>
+              <a:rPr lang="bg-BG" sz="3200" b="1" dirty="0"/>
+              <a:t>Отворено учебно съдържание по програмиране и ИТ</a:t>
+            </a:r>
+            <a:r>
+              <a:rPr lang="bg-BG" sz="3200" dirty="0"/>
+              <a:t>" към Фондация "Софтуерен университет"</a:t>
+            </a:r>
+            <a:r>
+              <a:rPr lang="en-US" sz="3200" dirty="0"/>
+              <a:t>:</a:t>
+            </a:r>
+            <a:endParaRPr lang="bg-BG" sz="3200" dirty="0"/>
+          </a:p>
+          <a:p>
+            <a:pPr marL="817563" lvl="1" indent="-360363" defTabSz="1218438">
+              <a:lnSpc>
+                <a:spcPct val="120000"/>
+              </a:lnSpc>
+              <a:spcBef>
+                <a:spcPts val="600"/>
+              </a:spcBef>
+              <a:spcAft>
+                <a:spcPts val="600"/>
+              </a:spcAft>
+              <a:buFont typeface="Wingdings" panose="05000000000000000000" pitchFamily="2" charset="2"/>
+              <a:buChar char="§"/>
+              <a:defRPr/>
+            </a:pPr>
+            <a:r>
+              <a:rPr kumimoji="0" lang="en-US" sz="3200" b="0" i="0" u="none" strike="noStrike" kern="1200" cap="none" spc="0" normalizeH="0" baseline="0" noProof="0" dirty="0">
+                <a:ln>
+                  <a:noFill/>
+                </a:ln>
+                <a:solidFill>
+                  <a:srgbClr val="234465"/>
+                </a:solidFill>
+                <a:effectLst/>
+                <a:uLnTx/>
+                <a:uFillTx/>
+                <a:latin typeface="Calibri"/>
+                <a:ea typeface="+mn-ea"/>
+                <a:cs typeface="+mn-cs"/>
+                <a:hlinkClick r:id="rId4"/>
+              </a:rPr>
+              <a:t>https://github.com/BG-IT-Edu</a:t>
+            </a:r>
+            <a:endParaRPr kumimoji="0" lang="bg-BG" sz="3200" b="0" i="0" u="none" strike="noStrike" kern="1200" cap="none" spc="0" normalizeH="0" baseline="0" noProof="0" dirty="0">
+              <a:ln>
+                <a:noFill/>
+              </a:ln>
+              <a:solidFill>
+                <a:srgbClr val="234465"/>
+              </a:solidFill>
+              <a:effectLst/>
+              <a:uLnTx/>
+              <a:uFillTx/>
+              <a:latin typeface="Calibri"/>
+              <a:ea typeface="+mn-ea"/>
+              <a:cs typeface="+mn-cs"/>
+            </a:endParaRPr>
+          </a:p>
+        </p:txBody>
+      </p:sp>
+      <p:pic>
+        <p:nvPicPr>
+          <p:cNvPr id="7" name="Picture 6" title="CC-BY-NC-SA License">
+            <a:hlinkClick r:id="rId5" tooltip="This work is licensed under the &quot;Creative Commons Attribution-NonCommercial-ShareAlike 4.0 International&quot; license"/>
+            <a:extLst>
+              <a:ext uri="{FF2B5EF4-FFF2-40B4-BE49-F238E27FC236}">
+                <a16:creationId xmlns:a16="http://schemas.microsoft.com/office/drawing/2014/main" id="{F6C77C47-F7D8-A176-5C69-7FDE5C7E8003}"/>
+              </a:ext>
+            </a:extLst>
+          </p:cNvPr>
+          <p:cNvPicPr>
+            <a:picLocks noChangeAspect="1" noChangeArrowheads="1"/>
+          </p:cNvPicPr>
+          <p:nvPr/>
+        </p:nvPicPr>
+        <p:blipFill>
+          <a:blip r:embed="rId6">
+            <a:extLst>
+              <a:ext uri="{28A0092B-C50C-407E-A947-70E740481C1C}">
+                <a14:useLocalDpi xmlns:a14="http://schemas.microsoft.com/office/drawing/2010/main"/>
+              </a:ext>
+            </a:extLst>
+          </a:blip>
+          <a:srcRect/>
+          <a:stretch>
+            <a:fillRect/>
+          </a:stretch>
+        </p:blipFill>
+        <p:spPr bwMode="auto">
+          <a:xfrm>
+            <a:off x="9831000" y="2908593"/>
+            <a:ext cx="1989336" cy="696022"/>
+          </a:xfrm>
+          <a:prstGeom prst="roundRect">
+            <a:avLst>
+              <a:gd name="adj" fmla="val 3940"/>
+            </a:avLst>
+          </a:prstGeom>
+          <a:solidFill>
+            <a:srgbClr val="231F20">
+              <a:alpha val="50000"/>
+            </a:srgbClr>
+          </a:solidFill>
+          <a:ln>
+            <a:noFill/>
+          </a:ln>
+        </p:spPr>
+      </p:pic>
+    </p:spTree>
+    <p:extLst>
+      <p:ext uri="{BB962C8B-B14F-4D97-AF65-F5344CB8AC3E}">
+        <p14:creationId xmlns:p14="http://schemas.microsoft.com/office/powerpoint/2010/main" val="3879276042"/>
+      </p:ext>
+    </p:extLst>
+  </p:cSld>
+  <p:clrMapOvr>
+    <a:masterClrMapping/>
+  </p:clrMapOvr>
+  <mc:AlternateContent xmlns:mc="http://schemas.openxmlformats.org/markup-compatibility/2006" xmlns:p14="http://schemas.microsoft.com/office/powerpoint/2010/main">
+    <mc:Choice Requires="p14">
+      <p:transition spd="slow" p14:dur="2000" advClick="0" advTm="5000"/>
+    </mc:Choice>
+    <mc:Fallback xmlns="">
+      <p:transition spd="slow" advClick="0" advTm="5000"/>
+    </mc:Fallback>
+  </mc:AlternateContent>
+  <p:timing>
+    <p:tnLst>
+      <p:par>
+        <p:cTn id="1" dur="indefinite" restart="never" nodeType="tmRoot"/>
       </p:par>
     </p:tnLst>
   </p:timing>
@@ -13275,11 +16270,7 @@
             </a:r>
             <a:r>
               <a:rPr lang="ru-RU" dirty="0"/>
-              <a:t> </a:t>
-            </a:r>
-            <a:r>
-              <a:rPr lang="ru-RU" dirty="0"/>
-              <a:t>на </a:t>
+              <a:t> на </a:t>
             </a:r>
             <a:r>
               <a:rPr lang="ru-RU" dirty="0" smtClean="0"/>
@@ -14447,11 +17438,7 @@
             <a:pPr algn="dist"/>
             <a:r>
               <a:rPr lang="en-US" sz="900" noProof="1"/>
-              <a:t>Lorem ipsum dolor sit amet, consectetur adipiscing elit. Donec id nisl id purus luctus dignissim vitae a purus. Maecenas tristique sapien sit amet justo ullamcorper elementum sed quis libero. Curabitur volutpat purus vel lacus suscipit ornare. Nulla rhoncus, risus id fringilla lobortis, ante velit sagittis sapien, at dictum turpis sapien id mi. Fusce nec fermentum risus. Duis gravida fermentum mauris vitae sollicitudin. In lobortis lacinia leo, ut finibus diam scelerisque at. Sed ac erat venenatis, egestas nibh vitae, sagittis </a:t>
-            </a:r>
-            <a:r>
-              <a:rPr lang="en-US" sz="900" noProof="1"/>
-              <a:t>diam</a:t>
+              <a:t>Lorem ipsum dolor sit amet, consectetur adipiscing elit. Donec id nisl id purus luctus dignissim vitae a purus. Maecenas tristique sapien sit amet justo ullamcorper elementum sed quis libero. Curabitur volutpat purus vel lacus suscipit ornare. Nulla rhoncus, risus id fringilla lobortis, ante velit sagittis sapien, at dictum turpis sapien id mi. Fusce nec fermentum risus. Duis gravida fermentum mauris vitae sollicitudin. In lobortis lacinia leo, ut finibus diam scelerisque at. Sed ac erat venenatis, egestas nibh vitae, sagittis diam</a:t>
             </a:r>
             <a:r>
               <a:rPr lang="en-US" sz="900" noProof="1" smtClean="0"/>

--- a/Courses/Computer-Modeling-and-IT/Computer-Modeling-and-IT-6-Class/07-Page-Formatting-And-Printing-A-Text-Document/07-Page-Formatting-And-Printing-A-Text-Document.pptx
+++ b/Courses/Computer-Modeling-and-IT/Computer-Modeling-and-IT-6-Class/07-Page-Formatting-And-Printing-A-Text-Document/07-Page-Formatting-And-Printing-A-Text-Document.pptx
@@ -289,7 +289,7 @@
           <a:p>
             <a:fld id="{4E087215-0C8F-4762-A664-737A353EC9A4}" type="datetimeFigureOut">
               <a:rPr lang="bg-BG" smtClean="0"/>
-              <a:t>10.4.2024 г.</a:t>
+              <a:t>13.05.24 г.</a:t>
             </a:fld>
             <a:endParaRPr lang="bg-BG"/>
           </a:p>
@@ -485,7 +485,7 @@
           <a:p>
             <a:fld id="{72D84649-876A-46C9-8472-14CB09C070D8}" type="datetimeFigureOut">
               <a:rPr lang="en-US" smtClean="0"/>
-              <a:t>4/10/2024</a:t>
+              <a:t>5/13/24</a:t>
             </a:fld>
             <a:endParaRPr lang="en-US"/>
           </a:p>
@@ -1242,19 +1242,19 @@
           <a:lstStyle/>
           <a:p>
             <a:r>
-              <a:rPr lang="bg-BG" sz="1100" smtClean="0"/>
+              <a:rPr lang="bg-BG" sz="1100"/>
               <a:t>Работна група </a:t>
             </a:r>
             <a:r>
-              <a:rPr lang="bg-BG" smtClean="0"/>
+              <a:rPr lang="bg-BG"/>
               <a:t>"Образование по програмиране и ИТ"</a:t>
             </a:r>
             <a:r>
-              <a:rPr lang="bg-BG" sz="1100" smtClean="0"/>
+              <a:rPr lang="bg-BG" sz="1100"/>
               <a:t>, с подкрепата на </a:t>
             </a:r>
             <a:r>
-              <a:rPr lang="en-US" sz="1100" smtClean="0">
+              <a:rPr lang="en-US" sz="1100">
                 <a:hlinkClick r:id="rId3"/>
               </a:rPr>
               <a:t>SoftUni</a:t>
@@ -1363,19 +1363,19 @@
           <a:lstStyle/>
           <a:p>
             <a:r>
-              <a:rPr lang="bg-BG" sz="1100" smtClean="0"/>
+              <a:rPr lang="bg-BG" sz="1100"/>
               <a:t>Работна група </a:t>
             </a:r>
             <a:r>
-              <a:rPr lang="bg-BG" smtClean="0"/>
+              <a:rPr lang="bg-BG"/>
               <a:t>"Образование по програмиране и ИТ"</a:t>
             </a:r>
             <a:r>
-              <a:rPr lang="bg-BG" sz="1100" smtClean="0"/>
+              <a:rPr lang="bg-BG" sz="1100"/>
               <a:t>, с подкрепата на </a:t>
             </a:r>
             <a:r>
-              <a:rPr lang="en-US" sz="1100" smtClean="0">
+              <a:rPr lang="en-US" sz="1100">
                 <a:hlinkClick r:id="rId3"/>
               </a:rPr>
               <a:t>SoftUni</a:t>
@@ -7049,16 +7049,12 @@
           <a:lstStyle/>
           <a:p>
             <a:r>
-              <a:rPr lang="en-US" dirty="0" smtClean="0"/>
+              <a:rPr lang="en-US" dirty="0"/>
               <a:t>6</a:t>
             </a:r>
             <a:r>
-              <a:rPr lang="bg-BG" dirty="0" smtClean="0"/>
-              <a:t> </a:t>
-            </a:r>
-            <a:r>
               <a:rPr lang="bg-BG" dirty="0"/>
-              <a:t>клас</a:t>
+              <a:t> клас</a:t>
             </a:r>
           </a:p>
         </p:txBody>
@@ -7249,6 +7245,13 @@
           </p:nvPr>
         </p:nvSpPr>
         <p:spPr/>
+        <p:txBody>
+          <a:bodyPr/>
+          <a:lstStyle/>
+          <a:p>
+            <a:endParaRPr lang="bg-BG"/>
+          </a:p>
+        </p:txBody>
       </p:sp>
       <p:sp>
         <p:nvSpPr>
@@ -7291,7 +7294,7 @@
           <a:p>
             <a:pPr algn="ctr"/>
             <a:r>
-              <a:rPr lang="bg-BG" sz="6000" b="1" dirty="0" smtClean="0">
+              <a:rPr lang="bg-BG" sz="6000" b="1" dirty="0">
                 <a:solidFill>
                   <a:srgbClr val="FFFFFF"/>
                 </a:solidFill>
@@ -7338,13 +7341,6 @@
       <p:transition spd="slow" advClick="0" advTm="5000"/>
     </mc:Fallback>
   </mc:AlternateContent>
-  <p:timing>
-    <p:tnLst>
-      <p:par>
-        <p:cTn id="1" dur="indefinite" restart="never" nodeType="tmRoot"/>
-      </p:par>
-    </p:tnLst>
-  </p:timing>
 </p:sld>
 </file>
 
@@ -7410,36 +7406,32 @@
             </a:r>
             <a:r>
               <a:rPr lang="ru-RU" b="1" dirty="0"/>
-              <a:t>по-лесна </a:t>
-            </a:r>
-            <a:r>
-              <a:rPr lang="ru-RU" b="1" dirty="0" smtClean="0"/>
-              <a:t>ориентация</a:t>
-            </a:r>
-          </a:p>
-          <a:p>
-            <a:r>
-              <a:rPr lang="ru-RU" dirty="0" smtClean="0"/>
+              <a:t>по-лесна ориентация</a:t>
+            </a:r>
+          </a:p>
+          <a:p>
+            <a:r>
+              <a:rPr lang="ru-RU" dirty="0"/>
               <a:t>Страниците в </a:t>
             </a:r>
             <a:r>
-              <a:rPr lang="en-US" b="1" dirty="0" smtClean="0"/>
+              <a:rPr lang="en-US" b="1" dirty="0"/>
               <a:t>Word</a:t>
             </a:r>
             <a:r>
-              <a:rPr lang="en-US" dirty="0" smtClean="0"/>
+              <a:rPr lang="en-US" dirty="0"/>
               <a:t> </a:t>
             </a:r>
             <a:r>
-              <a:rPr lang="bg-BG" dirty="0" smtClean="0"/>
+              <a:rPr lang="bg-BG" dirty="0"/>
               <a:t>се номерират от падащото</a:t>
             </a:r>
             <a:r>
-              <a:rPr lang="bg-BG" b="1" dirty="0" smtClean="0"/>
+              <a:rPr lang="bg-BG" b="1" dirty="0"/>
               <a:t> меню </a:t>
             </a:r>
             <a:r>
-              <a:rPr lang="en-US" b="1" dirty="0" smtClean="0">
+              <a:rPr lang="en-US" b="1" dirty="0">
                 <a:solidFill>
                   <a:schemeClr val="bg1"/>
                 </a:solidFill>
@@ -7447,15 +7439,15 @@
               <a:t>Page Number </a:t>
             </a:r>
             <a:r>
-              <a:rPr lang="bg-BG" dirty="0" smtClean="0"/>
+              <a:rPr lang="bg-BG" dirty="0"/>
               <a:t>на </a:t>
             </a:r>
             <a:r>
-              <a:rPr lang="bg-BG" b="1" dirty="0" smtClean="0"/>
+              <a:rPr lang="bg-BG" b="1" dirty="0"/>
               <a:t>панела </a:t>
             </a:r>
             <a:r>
-              <a:rPr lang="en-US" b="1" dirty="0" smtClean="0">
+              <a:rPr lang="en-US" b="1" dirty="0">
                 <a:solidFill>
                   <a:schemeClr val="bg1"/>
                 </a:solidFill>
@@ -7463,30 +7455,25 @@
               <a:t>Header&amp;Footer</a:t>
             </a:r>
             <a:r>
-              <a:rPr lang="en-US" b="1" dirty="0" smtClean="0"/>
+              <a:rPr lang="en-US" b="1" dirty="0"/>
               <a:t> </a:t>
             </a:r>
             <a:r>
-              <a:rPr lang="bg-BG" dirty="0" smtClean="0"/>
+              <a:rPr lang="bg-BG" dirty="0"/>
               <a:t>от </a:t>
             </a:r>
             <a:r>
-              <a:rPr lang="bg-BG" b="1" dirty="0" smtClean="0"/>
+              <a:rPr lang="bg-BG" b="1" dirty="0"/>
               <a:t>менюто </a:t>
             </a:r>
             <a:r>
-              <a:rPr lang="en-US" b="1" dirty="0" smtClean="0">
+              <a:rPr lang="en-US" b="1" dirty="0">
                 <a:solidFill>
                   <a:schemeClr val="bg1"/>
                 </a:solidFill>
               </a:rPr>
               <a:t>Insert</a:t>
             </a:r>
-            <a:endParaRPr lang="en-US" b="1" dirty="0">
-              <a:solidFill>
-                <a:schemeClr val="bg1"/>
-              </a:solidFill>
-            </a:endParaRPr>
           </a:p>
         </p:txBody>
       </p:sp>
@@ -7506,7 +7493,7 @@
           <a:lstStyle/>
           <a:p>
             <a:r>
-              <a:rPr lang="bg-BG" dirty="0" smtClean="0"/>
+              <a:rPr lang="bg-BG" dirty="0"/>
               <a:t>Номериране на страници</a:t>
             </a:r>
             <a:endParaRPr lang="en-US" dirty="0"/>
@@ -7601,6 +7588,36 @@
           </a:fontRef>
         </p:style>
       </p:cxnSp>
+      <p:sp>
+        <p:nvSpPr>
+          <p:cNvPr id="2" name="Slide Number Placeholder 1">
+            <a:extLst>
+              <a:ext uri="{FF2B5EF4-FFF2-40B4-BE49-F238E27FC236}">
+                <a16:creationId xmlns:a16="http://schemas.microsoft.com/office/drawing/2014/main" id="{883623C8-A1D9-AAF2-7084-D8961C567CCA}"/>
+              </a:ext>
+            </a:extLst>
+          </p:cNvPr>
+          <p:cNvSpPr>
+            <a:spLocks noGrp="1"/>
+          </p:cNvSpPr>
+          <p:nvPr>
+            <p:ph type="sldNum" sz="quarter" idx="5"/>
+          </p:nvPr>
+        </p:nvSpPr>
+        <p:spPr/>
+        <p:txBody>
+          <a:bodyPr/>
+          <a:lstStyle/>
+          <a:p>
+            <a:fld id="{2BF067CD-8E6B-4360-9AA8-C5DF2A48A6D1}" type="slidenum">
+              <a:rPr lang="en-US" noProof="0" smtClean="0"/>
+              <a:pPr/>
+              <a:t>10</a:t>
+            </a:fld>
+            <a:endParaRPr lang="en-US" noProof="0" dirty="0"/>
+          </a:p>
+        </p:txBody>
+      </p:sp>
     </p:spTree>
     <p:extLst>
       <p:ext uri="{BB962C8B-B14F-4D97-AF65-F5344CB8AC3E}">
@@ -7898,71 +7915,71 @@
           <a:lstStyle/>
           <a:p>
             <a:r>
-              <a:rPr lang="bg-BG" b="1" dirty="0" smtClean="0"/>
+              <a:rPr lang="bg-BG" b="1" dirty="0"/>
               <a:t>Номерацията</a:t>
             </a:r>
             <a:r>
-              <a:rPr lang="bg-BG" dirty="0" smtClean="0"/>
+              <a:rPr lang="bg-BG" dirty="0"/>
               <a:t> на страниците може да бъде на </a:t>
             </a:r>
             <a:r>
-              <a:rPr lang="bg-BG" b="1" dirty="0" smtClean="0"/>
+              <a:rPr lang="bg-BG" b="1" dirty="0"/>
               <a:t>различни места</a:t>
             </a:r>
             <a:r>
-              <a:rPr lang="bg-BG" dirty="0" smtClean="0"/>
+              <a:rPr lang="bg-BG" dirty="0"/>
               <a:t>:</a:t>
             </a:r>
           </a:p>
           <a:p>
             <a:pPr lvl="1"/>
             <a:r>
-              <a:rPr lang="en-US" b="1" dirty="0" smtClean="0"/>
+              <a:rPr lang="en-US" b="1" dirty="0"/>
               <a:t>Top of Page </a:t>
             </a:r>
             <a:r>
-              <a:rPr lang="en-US" dirty="0" smtClean="0"/>
+              <a:rPr lang="en-US" dirty="0"/>
               <a:t>(</a:t>
             </a:r>
             <a:r>
-              <a:rPr lang="bg-BG" dirty="0" smtClean="0"/>
+              <a:rPr lang="bg-BG" dirty="0"/>
               <a:t>горната част на страницата)</a:t>
             </a:r>
           </a:p>
           <a:p>
             <a:pPr lvl="1"/>
             <a:r>
-              <a:rPr lang="en-US" b="1" dirty="0" smtClean="0"/>
+              <a:rPr lang="en-US" b="1" dirty="0"/>
               <a:t>Bottom of Page </a:t>
             </a:r>
             <a:r>
-              <a:rPr lang="bg-BG" dirty="0" smtClean="0"/>
+              <a:rPr lang="bg-BG" dirty="0"/>
               <a:t>(долната част на страницата)</a:t>
             </a:r>
           </a:p>
           <a:p>
             <a:r>
-              <a:rPr lang="bg-BG" dirty="0" smtClean="0"/>
+              <a:rPr lang="bg-BG" dirty="0"/>
               <a:t>И в двата случая може да изберете дали да е </a:t>
             </a:r>
             <a:r>
-              <a:rPr lang="bg-BG" b="1" dirty="0" smtClean="0"/>
+              <a:rPr lang="bg-BG" b="1" dirty="0"/>
               <a:t>по средата</a:t>
             </a:r>
             <a:r>
-              <a:rPr lang="bg-BG" dirty="0" smtClean="0"/>
+              <a:rPr lang="bg-BG" dirty="0"/>
               <a:t>, </a:t>
             </a:r>
             <a:r>
-              <a:rPr lang="bg-BG" b="1" dirty="0" smtClean="0"/>
+              <a:rPr lang="bg-BG" b="1" dirty="0"/>
               <a:t>в ляв </a:t>
             </a:r>
             <a:r>
-              <a:rPr lang="bg-BG" dirty="0" smtClean="0"/>
+              <a:rPr lang="bg-BG" dirty="0"/>
               <a:t>или </a:t>
             </a:r>
             <a:r>
-              <a:rPr lang="bg-BG" b="1" dirty="0" smtClean="0"/>
+              <a:rPr lang="bg-BG" b="1" dirty="0"/>
               <a:t>десен ъгъл</a:t>
             </a:r>
             <a:endParaRPr lang="en-US" b="1" dirty="0"/>
@@ -7987,7 +8004,7 @@
           <a:lstStyle/>
           <a:p>
             <a:r>
-              <a:rPr lang="bg-BG" dirty="0" smtClean="0"/>
+              <a:rPr lang="bg-BG" dirty="0"/>
               <a:t>Разположение на номерацията</a:t>
             </a:r>
             <a:endParaRPr lang="en-US" dirty="0"/>
@@ -8051,15 +8068,7 @@
                   <a:schemeClr val="tx1"/>
                 </a:solidFill>
               </a:rPr>
-              <a:t>Lorem ipsum dolor sit amet, consectetur adipiscing elit. Donec id nisl id purus luctus dignissim vitae a purus. Maecenas tristique sapien sit amet justo ullamcorper elementum sed quis libero. Curabitur volutpat purus vel lacus suscipit ornare. Nulla rhoncus, risus id fringilla lobortis, ante velit sagittis sapien, at dictum turpis sapien id mi. Fusce nec fermentum risus. Duis gravida fermentum mauris vitae sollicitudin. In lobortis lacinia leo, ut finibus diam scelerisque at. Sed ac erat venenatis, egestas nibh vitae, sagittis diam</a:t>
-            </a:r>
-            <a:r>
-              <a:rPr lang="en-US" sz="1400" noProof="1" smtClean="0">
-                <a:solidFill>
-                  <a:schemeClr val="tx1"/>
-                </a:solidFill>
-              </a:rPr>
-              <a:t>.</a:t>
+              <a:t>Lorem ipsum dolor sit amet, consectetur adipiscing elit. Donec id nisl id purus luctus dignissim vitae a purus. Maecenas tristique sapien sit amet justo ullamcorper elementum sed quis libero. Curabitur volutpat purus vel lacus suscipit ornare. Nulla rhoncus, risus id fringilla lobortis, ante velit sagittis sapien, at dictum turpis sapien id mi. Fusce nec fermentum risus. Duis gravida fermentum mauris vitae sollicitudin. In lobortis lacinia leo, ut finibus diam scelerisque at. Sed ac erat venenatis, egestas nibh vitae, sagittis diam.</a:t>
             </a:r>
             <a:endParaRPr lang="en-US" sz="2000" b="1" noProof="1">
               <a:solidFill>
@@ -8114,7 +8123,7 @@
               <a:buSzPct val="70000"/>
             </a:pPr>
             <a:r>
-              <a:rPr lang="bg-BG" sz="2400" b="1" dirty="0" smtClean="0">
+              <a:rPr lang="bg-BG" sz="2400" b="1" dirty="0">
                 <a:solidFill>
                   <a:schemeClr val="bg1"/>
                 </a:solidFill>
@@ -8167,7 +8176,7 @@
               <a:buSzPct val="70000"/>
             </a:pPr>
             <a:r>
-              <a:rPr lang="bg-BG" sz="2400" b="1" dirty="0" smtClean="0">
+              <a:rPr lang="bg-BG" sz="2400" b="1" dirty="0">
                 <a:solidFill>
                   <a:schemeClr val="bg1"/>
                 </a:solidFill>
@@ -8220,7 +8229,7 @@
               <a:buSzPct val="70000"/>
             </a:pPr>
             <a:r>
-              <a:rPr lang="bg-BG" sz="2400" b="1" dirty="0" smtClean="0">
+              <a:rPr lang="bg-BG" sz="2400" b="1" dirty="0">
                 <a:solidFill>
                   <a:schemeClr val="bg1"/>
                 </a:solidFill>
@@ -8273,7 +8282,7 @@
               <a:buSzPct val="70000"/>
             </a:pPr>
             <a:r>
-              <a:rPr lang="bg-BG" sz="2400" b="1" dirty="0" smtClean="0">
+              <a:rPr lang="bg-BG" sz="2400" b="1" dirty="0">
                 <a:solidFill>
                   <a:schemeClr val="bg1"/>
                 </a:solidFill>
@@ -8326,7 +8335,7 @@
               <a:buSzPct val="70000"/>
             </a:pPr>
             <a:r>
-              <a:rPr lang="bg-BG" sz="2400" b="1" dirty="0" smtClean="0">
+              <a:rPr lang="bg-BG" sz="2400" b="1" dirty="0">
                 <a:solidFill>
                   <a:schemeClr val="bg1"/>
                 </a:solidFill>
@@ -8379,7 +8388,7 @@
               <a:buSzPct val="70000"/>
             </a:pPr>
             <a:r>
-              <a:rPr lang="bg-BG" sz="2400" b="1" dirty="0" smtClean="0">
+              <a:rPr lang="bg-BG" sz="2400" b="1" dirty="0">
                 <a:solidFill>
                   <a:schemeClr val="bg1"/>
                 </a:solidFill>
@@ -9059,18 +9068,9 @@
           <a:lstStyle/>
           <a:p>
             <a:r>
-              <a:rPr lang="en-US" dirty="0" smtClean="0"/>
-              <a:t>Format </a:t>
-            </a:r>
-            <a:r>
               <a:rPr lang="en-US" dirty="0"/>
-              <a:t>P</a:t>
-            </a:r>
-            <a:r>
-              <a:rPr lang="en-US" dirty="0" smtClean="0"/>
-              <a:t>age Numbers…</a:t>
-            </a:r>
-            <a:endParaRPr lang="en-US" dirty="0"/>
+              <a:t>Format Page Numbers…</a:t>
+            </a:r>
           </a:p>
         </p:txBody>
       </p:sp>
@@ -9164,21 +9164,6 @@
           <a:p>
             <a:pPr algn="ctr"/>
             <a:r>
-              <a:rPr lang="bg-BG" sz="2800" b="1" dirty="0" smtClean="0">
-                <a:solidFill>
-                  <a:srgbClr val="FFFFFF"/>
-                </a:solidFill>
-                <a:effectLst>
-                  <a:outerShdw blurRad="38100" dist="38100" dir="2700000" algn="tl">
-                    <a:srgbClr val="000000">
-                      <a:alpha val="43137"/>
-                    </a:srgbClr>
-                  </a:outerShdw>
-                </a:effectLst>
-              </a:rPr>
-              <a:t>Ако изберем </a:t>
-            </a:r>
-            <a:r>
               <a:rPr lang="bg-BG" sz="2800" b="1" dirty="0">
                 <a:solidFill>
                   <a:srgbClr val="FFFFFF"/>
@@ -9191,7 +9176,7 @@
                   </a:outerShdw>
                 </a:effectLst>
               </a:rPr>
-              <a:t>опцията </a:t>
+              <a:t>Ако изберем опцията </a:t>
             </a:r>
             <a:r>
               <a:rPr lang="en-US" sz="2800" b="1" dirty="0">
@@ -9353,7 +9338,7 @@
           <a:p>
             <a:pPr algn="ctr"/>
             <a:r>
-              <a:rPr lang="bg-BG" sz="2800" b="1" dirty="0" smtClean="0">
+              <a:rPr lang="bg-BG" sz="2800" b="1" dirty="0">
                 <a:solidFill>
                   <a:srgbClr val="FFFFFF"/>
                 </a:solidFill>
@@ -9368,7 +9353,7 @@
               <a:t>От полето </a:t>
             </a:r>
             <a:r>
-              <a:rPr lang="en-US" sz="2800" b="1" dirty="0" smtClean="0">
+              <a:rPr lang="en-US" sz="2800" b="1" dirty="0">
                 <a:solidFill>
                   <a:schemeClr val="bg1">
                     <a:lumMod val="60000"/>
@@ -9386,7 +9371,7 @@
               <a:t>Number format </a:t>
             </a:r>
             <a:r>
-              <a:rPr lang="bg-BG" sz="2800" b="1" dirty="0" smtClean="0">
+              <a:rPr lang="bg-BG" sz="2800" b="1" dirty="0">
                 <a:solidFill>
                   <a:srgbClr val="FFFFFF"/>
                 </a:solidFill>
@@ -9401,7 +9386,7 @@
               <a:t>може да се задав вида на номерацията (1, 2, 3; </a:t>
             </a:r>
             <a:r>
-              <a:rPr lang="en-US" sz="2800" b="1" dirty="0" smtClean="0">
+              <a:rPr lang="en-US" sz="2800" b="1" dirty="0">
                 <a:solidFill>
                   <a:srgbClr val="FFFFFF"/>
                 </a:solidFill>
@@ -9416,7 +9401,7 @@
               <a:t>a, b, c…</a:t>
             </a:r>
             <a:r>
-              <a:rPr lang="bg-BG" sz="2800" b="1" dirty="0" smtClean="0">
+              <a:rPr lang="bg-BG" sz="2800" b="1" dirty="0">
                 <a:solidFill>
                   <a:srgbClr val="FFFFFF"/>
                 </a:solidFill>
@@ -9505,7 +9490,7 @@
           <a:p>
             <a:pPr algn="ctr"/>
             <a:r>
-              <a:rPr lang="bg-BG" sz="2800" b="1" dirty="0" smtClean="0">
+              <a:rPr lang="bg-BG" sz="2800" b="1" dirty="0">
                 <a:solidFill>
                   <a:srgbClr val="FFFFFF"/>
                 </a:solidFill>
@@ -9520,7 +9505,7 @@
               <a:t>От секцията </a:t>
             </a:r>
             <a:r>
-              <a:rPr lang="en-US" sz="2800" b="1" dirty="0" smtClean="0">
+              <a:rPr lang="en-US" sz="2800" b="1" dirty="0">
                 <a:solidFill>
                   <a:schemeClr val="bg1">
                     <a:lumMod val="60000"/>
@@ -9538,7 +9523,7 @@
               <a:t>Page numbering </a:t>
             </a:r>
             <a:r>
-              <a:rPr lang="bg-BG" sz="2800" b="1" dirty="0" smtClean="0">
+              <a:rPr lang="bg-BG" sz="2800" b="1" dirty="0">
                 <a:solidFill>
                   <a:srgbClr val="FFFFFF"/>
                 </a:solidFill>
@@ -9947,11 +9932,7 @@
           <a:p>
             <a:r>
               <a:rPr lang="bg-BG" dirty="0"/>
-              <a:t>Отпечатване на </a:t>
-            </a:r>
-            <a:r>
-              <a:rPr lang="bg-BG" dirty="0" smtClean="0"/>
-              <a:t>документ</a:t>
+              <a:t>Отпечатване на документ</a:t>
             </a:r>
             <a:endParaRPr lang="en-US" dirty="0"/>
           </a:p>
@@ -10005,13 +9986,6 @@
       <p:transition spd="slow" advClick="0" advTm="5000"/>
     </mc:Fallback>
   </mc:AlternateContent>
-  <p:timing>
-    <p:tnLst>
-      <p:par>
-        <p:cTn id="1" dur="indefinite" restart="never" nodeType="tmRoot"/>
-      </p:par>
-    </p:tnLst>
-  </p:timing>
 </p:sld>
 </file>
 
@@ -10048,27 +10022,27 @@
           <a:lstStyle/>
           <a:p>
             <a:r>
-              <a:rPr lang="bg-BG" dirty="0" smtClean="0"/>
+              <a:rPr lang="bg-BG" dirty="0"/>
               <a:t>Печатането на документ в </a:t>
             </a:r>
             <a:r>
-              <a:rPr lang="en-US" b="1" dirty="0" smtClean="0"/>
+              <a:rPr lang="en-US" b="1" dirty="0"/>
               <a:t>Word</a:t>
             </a:r>
             <a:r>
-              <a:rPr lang="en-US" dirty="0" smtClean="0"/>
+              <a:rPr lang="en-US" dirty="0"/>
               <a:t> </a:t>
             </a:r>
             <a:r>
-              <a:rPr lang="bg-BG" dirty="0" smtClean="0"/>
+              <a:rPr lang="bg-BG" dirty="0"/>
               <a:t>се извършва от </a:t>
             </a:r>
             <a:r>
-              <a:rPr lang="bg-BG" b="1" dirty="0" smtClean="0"/>
+              <a:rPr lang="bg-BG" b="1" dirty="0"/>
               <a:t>менюто </a:t>
             </a:r>
             <a:r>
-              <a:rPr lang="en-US" b="1" dirty="0" smtClean="0">
+              <a:rPr lang="en-US" b="1" dirty="0">
                 <a:solidFill>
                   <a:schemeClr val="bg1"/>
                 </a:solidFill>
@@ -10076,30 +10050,25 @@
               <a:t>File</a:t>
             </a:r>
             <a:r>
-              <a:rPr lang="en-US" b="1" dirty="0" smtClean="0"/>
+              <a:rPr lang="en-US" b="1" dirty="0"/>
               <a:t> </a:t>
             </a:r>
             <a:r>
-              <a:rPr lang="bg-BG" dirty="0" smtClean="0"/>
+              <a:rPr lang="bg-BG" dirty="0"/>
               <a:t>и </a:t>
             </a:r>
             <a:r>
-              <a:rPr lang="bg-BG" b="1" dirty="0" smtClean="0"/>
+              <a:rPr lang="bg-BG" b="1" dirty="0"/>
               <a:t>командата </a:t>
             </a:r>
             <a:r>
-              <a:rPr lang="en-US" b="1" dirty="0" smtClean="0">
+              <a:rPr lang="en-US" b="1" dirty="0">
                 <a:solidFill>
                   <a:schemeClr val="bg1"/>
                 </a:solidFill>
               </a:rPr>
               <a:t>Print</a:t>
             </a:r>
-            <a:endParaRPr lang="en-US" b="1" dirty="0">
-              <a:solidFill>
-                <a:schemeClr val="bg1"/>
-              </a:solidFill>
-            </a:endParaRPr>
           </a:p>
         </p:txBody>
       </p:sp>
@@ -10119,7 +10088,7 @@
           <a:lstStyle/>
           <a:p>
             <a:r>
-              <a:rPr lang="bg-BG" dirty="0" smtClean="0"/>
+              <a:rPr lang="bg-BG" dirty="0"/>
               <a:t>Отпечатване на документ</a:t>
             </a:r>
             <a:endParaRPr lang="en-US" dirty="0"/>
@@ -10352,6 +10321,36 @@
           </a:fontRef>
         </p:style>
       </p:cxnSp>
+      <p:sp>
+        <p:nvSpPr>
+          <p:cNvPr id="2" name="Slide Number Placeholder 1">
+            <a:extLst>
+              <a:ext uri="{FF2B5EF4-FFF2-40B4-BE49-F238E27FC236}">
+                <a16:creationId xmlns:a16="http://schemas.microsoft.com/office/drawing/2014/main" id="{6AF7BDEE-5C50-62B5-8F4D-8AC475FBB4A4}"/>
+              </a:ext>
+            </a:extLst>
+          </p:cNvPr>
+          <p:cNvSpPr>
+            <a:spLocks noGrp="1"/>
+          </p:cNvSpPr>
+          <p:nvPr>
+            <p:ph type="sldNum" sz="quarter" idx="5"/>
+          </p:nvPr>
+        </p:nvSpPr>
+        <p:spPr/>
+        <p:txBody>
+          <a:bodyPr/>
+          <a:lstStyle/>
+          <a:p>
+            <a:fld id="{2BF067CD-8E6B-4360-9AA8-C5DF2A48A6D1}" type="slidenum">
+              <a:rPr lang="en-US" noProof="0" smtClean="0"/>
+              <a:pPr/>
+              <a:t>14</a:t>
+            </a:fld>
+            <a:endParaRPr lang="en-US" noProof="0" dirty="0"/>
+          </a:p>
+        </p:txBody>
+      </p:sp>
     </p:spTree>
     <p:extLst>
       <p:ext uri="{BB962C8B-B14F-4D97-AF65-F5344CB8AC3E}">
@@ -10879,7 +10878,7 @@
           <a:p>
             <a:pPr algn="ctr"/>
             <a:r>
-              <a:rPr lang="bg-BG" sz="2800" b="1" dirty="0" smtClean="0">
+              <a:rPr lang="bg-BG" sz="2800" b="1" dirty="0">
                 <a:solidFill>
                   <a:srgbClr val="FFFFFF"/>
                 </a:solidFill>
@@ -10968,7 +10967,7 @@
           <a:p>
             <a:pPr algn="ctr"/>
             <a:r>
-              <a:rPr lang="bg-BG" sz="2800" b="1" dirty="0" smtClean="0">
+              <a:rPr lang="bg-BG" sz="2800" b="1" dirty="0">
                 <a:solidFill>
                   <a:srgbClr val="FFFFFF"/>
                 </a:solidFill>
@@ -10983,7 +10982,7 @@
               <a:t>От секцията </a:t>
             </a:r>
             <a:r>
-              <a:rPr lang="en-US" sz="2800" b="1" dirty="0" smtClean="0">
+              <a:rPr lang="en-US" sz="2800" b="1" dirty="0">
                 <a:solidFill>
                   <a:schemeClr val="bg1">
                     <a:lumMod val="60000"/>
@@ -11001,7 +11000,7 @@
               <a:t>Printer</a:t>
             </a:r>
             <a:r>
-              <a:rPr lang="en-US" sz="2800" b="1" dirty="0" smtClean="0">
+              <a:rPr lang="en-US" sz="2800" b="1" dirty="0">
                 <a:solidFill>
                   <a:srgbClr val="FFFFFF"/>
                 </a:solidFill>
@@ -11016,7 +11015,7 @@
               <a:t> </a:t>
             </a:r>
             <a:r>
-              <a:rPr lang="bg-BG" sz="2800" b="1" dirty="0" smtClean="0">
+              <a:rPr lang="bg-BG" sz="2800" b="1" dirty="0">
                 <a:solidFill>
                   <a:srgbClr val="FFFFFF"/>
                 </a:solidFill>
@@ -11105,7 +11104,7 @@
           <a:p>
             <a:pPr algn="ctr"/>
             <a:r>
-              <a:rPr lang="bg-BG" sz="2800" b="1" dirty="0" smtClean="0">
+              <a:rPr lang="bg-BG" sz="2800" b="1" dirty="0">
                 <a:solidFill>
                   <a:srgbClr val="FFFFFF"/>
                 </a:solidFill>
@@ -11120,7 +11119,7 @@
               <a:t>От секцията </a:t>
             </a:r>
             <a:r>
-              <a:rPr lang="en-US" sz="2800" b="1" dirty="0" smtClean="0">
+              <a:rPr lang="en-US" sz="2800" b="1" dirty="0">
                 <a:solidFill>
                   <a:schemeClr val="bg1">
                     <a:lumMod val="60000"/>
@@ -11138,7 +11137,7 @@
               <a:t>Settings</a:t>
             </a:r>
             <a:r>
-              <a:rPr lang="en-US" sz="2800" b="1" dirty="0" smtClean="0">
+              <a:rPr lang="en-US" sz="2800" b="1" dirty="0">
                 <a:solidFill>
                   <a:srgbClr val="FFFFFF"/>
                 </a:solidFill>
@@ -11153,7 +11152,7 @@
               <a:t> </a:t>
             </a:r>
             <a:r>
-              <a:rPr lang="bg-BG" sz="2800" b="1" dirty="0" smtClean="0">
+              <a:rPr lang="bg-BG" sz="2800" b="1" dirty="0">
                 <a:solidFill>
                   <a:srgbClr val="FFFFFF"/>
                 </a:solidFill>
@@ -11242,7 +11241,7 @@
           <a:p>
             <a:pPr algn="ctr"/>
             <a:r>
-              <a:rPr lang="bg-BG" sz="2800" b="1" dirty="0" smtClean="0">
+              <a:rPr lang="bg-BG" sz="2800" b="1" dirty="0">
                 <a:solidFill>
                   <a:srgbClr val="FFFFFF"/>
                 </a:solidFill>
@@ -11572,11 +11571,11 @@
           <a:lstStyle/>
           <a:p>
             <a:r>
-              <a:rPr lang="bg-BG" dirty="0" smtClean="0"/>
+              <a:rPr lang="bg-BG" dirty="0"/>
               <a:t>С бутона </a:t>
             </a:r>
             <a:r>
-              <a:rPr lang="en-US" b="1" dirty="0" smtClean="0">
+              <a:rPr lang="en-US" b="1" dirty="0">
                 <a:solidFill>
                   <a:schemeClr val="bg1"/>
                 </a:solidFill>
@@ -11584,28 +11583,28 @@
               <a:t>Print All Pages </a:t>
             </a:r>
             <a:r>
-              <a:rPr lang="bg-BG" dirty="0" smtClean="0"/>
+              <a:rPr lang="bg-BG" dirty="0"/>
               <a:t>се отпечатва </a:t>
             </a:r>
             <a:r>
-              <a:rPr lang="bg-BG" b="1" dirty="0" smtClean="0"/>
+              <a:rPr lang="bg-BG" b="1" dirty="0"/>
               <a:t>целият документ</a:t>
             </a:r>
           </a:p>
           <a:p>
             <a:pPr lvl="1"/>
             <a:r>
-              <a:rPr lang="bg-BG" dirty="0" smtClean="0"/>
+              <a:rPr lang="bg-BG" dirty="0"/>
               <a:t>Ако отворите падащото меню, може да изберете други опции за печатане</a:t>
             </a:r>
           </a:p>
           <a:p>
             <a:r>
-              <a:rPr lang="bg-BG" dirty="0" smtClean="0"/>
+              <a:rPr lang="bg-BG" dirty="0"/>
               <a:t>В числовата кутия </a:t>
             </a:r>
             <a:r>
-              <a:rPr lang="en-US" b="1" dirty="0" smtClean="0">
+              <a:rPr lang="en-US" b="1" dirty="0">
                 <a:solidFill>
                   <a:schemeClr val="bg1"/>
                 </a:solidFill>
@@ -11613,53 +11612,53 @@
               <a:t>Pages</a:t>
             </a:r>
             <a:r>
-              <a:rPr lang="en-US" dirty="0" smtClean="0"/>
+              <a:rPr lang="en-US" dirty="0"/>
               <a:t> </a:t>
             </a:r>
             <a:r>
-              <a:rPr lang="bg-BG" dirty="0" smtClean="0"/>
+              <a:rPr lang="bg-BG" dirty="0"/>
               <a:t>може да запишете кои </a:t>
             </a:r>
             <a:r>
-              <a:rPr lang="bg-BG" b="1" dirty="0" smtClean="0"/>
+              <a:rPr lang="bg-BG" b="1" dirty="0"/>
               <a:t>страници</a:t>
             </a:r>
             <a:r>
-              <a:rPr lang="bg-BG" dirty="0" smtClean="0"/>
+              <a:rPr lang="bg-BG" dirty="0"/>
               <a:t> да се </a:t>
             </a:r>
             <a:r>
-              <a:rPr lang="bg-BG" b="1" dirty="0" smtClean="0"/>
+              <a:rPr lang="bg-BG" b="1" dirty="0"/>
               <a:t>отпечатат</a:t>
             </a:r>
           </a:p>
           <a:p>
             <a:r>
-              <a:rPr lang="bg-BG" b="1" dirty="0" smtClean="0"/>
+              <a:rPr lang="bg-BG" b="1" dirty="0"/>
               <a:t>Ориентация</a:t>
             </a:r>
           </a:p>
           <a:p>
             <a:r>
-              <a:rPr lang="bg-BG" b="1" dirty="0" smtClean="0"/>
+              <a:rPr lang="bg-BG" b="1" dirty="0"/>
               <a:t>Формат</a:t>
             </a:r>
             <a:r>
-              <a:rPr lang="bg-BG" dirty="0" smtClean="0"/>
+              <a:rPr lang="bg-BG" dirty="0"/>
               <a:t> на листа</a:t>
             </a:r>
           </a:p>
           <a:p>
             <a:r>
-              <a:rPr lang="bg-BG" b="1" dirty="0" smtClean="0"/>
+              <a:rPr lang="bg-BG" b="1" dirty="0"/>
               <a:t>Размер</a:t>
             </a:r>
             <a:r>
-              <a:rPr lang="bg-BG" dirty="0" smtClean="0"/>
+              <a:rPr lang="bg-BG" dirty="0"/>
               <a:t> на </a:t>
             </a:r>
             <a:r>
-              <a:rPr lang="bg-BG" b="1" dirty="0" smtClean="0"/>
+              <a:rPr lang="bg-BG" b="1" dirty="0"/>
               <a:t>белите полета</a:t>
             </a:r>
           </a:p>
@@ -11684,7 +11683,7 @@
           <a:lstStyle/>
           <a:p>
             <a:r>
-              <a:rPr lang="bg-BG" dirty="0" smtClean="0"/>
+              <a:rPr lang="bg-BG" dirty="0"/>
               <a:t>Настройки на принтирането</a:t>
             </a:r>
             <a:endParaRPr lang="en-US" dirty="0"/>
@@ -12105,10 +12104,9 @@
           <a:lstStyle/>
           <a:p>
             <a:r>
-              <a:rPr lang="en-US" dirty="0" smtClean="0"/>
+              <a:rPr lang="en-US" dirty="0"/>
               <a:t>Print</a:t>
             </a:r>
-            <a:endParaRPr lang="en-US" dirty="0"/>
           </a:p>
         </p:txBody>
       </p:sp>
@@ -12536,132 +12534,6 @@
               <a:rPr lang="bg-BG" dirty="0"/>
               <a:t>Какво научихме днес?</a:t>
             </a:r>
-            <a:endParaRPr lang="en-US" dirty="0"/>
-          </a:p>
-        </p:txBody>
-      </p:sp>
-      <p:sp>
-        <p:nvSpPr>
-          <p:cNvPr id="6" name="Slide Number Placeholder 5"/>
-          <p:cNvSpPr>
-            <a:spLocks noGrp="1"/>
-          </p:cNvSpPr>
-          <p:nvPr>
-            <p:ph type="sldNum" sz="quarter" idx="13"/>
-          </p:nvPr>
-        </p:nvSpPr>
-        <p:spPr>
-          <a:xfrm>
-            <a:off x="11566412" y="6397196"/>
-            <a:ext cx="428822" cy="308845"/>
-          </a:xfrm>
-          <a:prstGeom prst="rect">
-            <a:avLst/>
-          </a:prstGeom>
-        </p:spPr>
-        <p:txBody>
-          <a:bodyPr vert="horz" lIns="36000" tIns="36000" rIns="36000" bIns="36000" rtlCol="0" anchor="ctr"/>
-          <a:lstStyle>
-            <a:defPPr>
-              <a:defRPr lang="en-US"/>
-            </a:defPPr>
-            <a:lvl1pPr marL="0" algn="r" defTabSz="914400" rtl="0" eaLnBrk="1" latinLnBrk="0" hangingPunct="1">
-              <a:defRPr sz="1000" kern="1200">
-                <a:solidFill>
-                  <a:schemeClr val="tx1"/>
-                </a:solidFill>
-                <a:latin typeface="+mn-lt"/>
-                <a:ea typeface="+mn-ea"/>
-                <a:cs typeface="+mn-cs"/>
-              </a:defRPr>
-            </a:lvl1pPr>
-            <a:lvl2pPr marL="457200" algn="l" defTabSz="914400" rtl="0" eaLnBrk="1" latinLnBrk="0" hangingPunct="1">
-              <a:defRPr sz="1800" kern="1200">
-                <a:solidFill>
-                  <a:schemeClr val="tx1"/>
-                </a:solidFill>
-                <a:latin typeface="+mn-lt"/>
-                <a:ea typeface="+mn-ea"/>
-                <a:cs typeface="+mn-cs"/>
-              </a:defRPr>
-            </a:lvl2pPr>
-            <a:lvl3pPr marL="914400" algn="l" defTabSz="914400" rtl="0" eaLnBrk="1" latinLnBrk="0" hangingPunct="1">
-              <a:defRPr sz="1800" kern="1200">
-                <a:solidFill>
-                  <a:schemeClr val="tx1"/>
-                </a:solidFill>
-                <a:latin typeface="+mn-lt"/>
-                <a:ea typeface="+mn-ea"/>
-                <a:cs typeface="+mn-cs"/>
-              </a:defRPr>
-            </a:lvl3pPr>
-            <a:lvl4pPr marL="1371600" algn="l" defTabSz="914400" rtl="0" eaLnBrk="1" latinLnBrk="0" hangingPunct="1">
-              <a:defRPr sz="1800" kern="1200">
-                <a:solidFill>
-                  <a:schemeClr val="tx1"/>
-                </a:solidFill>
-                <a:latin typeface="+mn-lt"/>
-                <a:ea typeface="+mn-ea"/>
-                <a:cs typeface="+mn-cs"/>
-              </a:defRPr>
-            </a:lvl4pPr>
-            <a:lvl5pPr marL="1828800" algn="l" defTabSz="914400" rtl="0" eaLnBrk="1" latinLnBrk="0" hangingPunct="1">
-              <a:defRPr sz="1800" kern="1200">
-                <a:solidFill>
-                  <a:schemeClr val="tx1"/>
-                </a:solidFill>
-                <a:latin typeface="+mn-lt"/>
-                <a:ea typeface="+mn-ea"/>
-                <a:cs typeface="+mn-cs"/>
-              </a:defRPr>
-            </a:lvl5pPr>
-            <a:lvl6pPr marL="2286000" algn="l" defTabSz="914400" rtl="0" eaLnBrk="1" latinLnBrk="0" hangingPunct="1">
-              <a:defRPr sz="1800" kern="1200">
-                <a:solidFill>
-                  <a:schemeClr val="tx1"/>
-                </a:solidFill>
-                <a:latin typeface="+mn-lt"/>
-                <a:ea typeface="+mn-ea"/>
-                <a:cs typeface="+mn-cs"/>
-              </a:defRPr>
-            </a:lvl6pPr>
-            <a:lvl7pPr marL="2743200" algn="l" defTabSz="914400" rtl="0" eaLnBrk="1" latinLnBrk="0" hangingPunct="1">
-              <a:defRPr sz="1800" kern="1200">
-                <a:solidFill>
-                  <a:schemeClr val="tx1"/>
-                </a:solidFill>
-                <a:latin typeface="+mn-lt"/>
-                <a:ea typeface="+mn-ea"/>
-                <a:cs typeface="+mn-cs"/>
-              </a:defRPr>
-            </a:lvl7pPr>
-            <a:lvl8pPr marL="3200400" algn="l" defTabSz="914400" rtl="0" eaLnBrk="1" latinLnBrk="0" hangingPunct="1">
-              <a:defRPr sz="1800" kern="1200">
-                <a:solidFill>
-                  <a:schemeClr val="tx1"/>
-                </a:solidFill>
-                <a:latin typeface="+mn-lt"/>
-                <a:ea typeface="+mn-ea"/>
-                <a:cs typeface="+mn-cs"/>
-              </a:defRPr>
-            </a:lvl8pPr>
-            <a:lvl9pPr marL="3657600" algn="l" defTabSz="914400" rtl="0" eaLnBrk="1" latinLnBrk="0" hangingPunct="1">
-              <a:defRPr sz="1800" kern="1200">
-                <a:solidFill>
-                  <a:schemeClr val="tx1"/>
-                </a:solidFill>
-                <a:latin typeface="+mn-lt"/>
-                <a:ea typeface="+mn-ea"/>
-                <a:cs typeface="+mn-cs"/>
-              </a:defRPr>
-            </a:lvl9pPr>
-          </a:lstStyle>
-          <a:p>
-            <a:fld id="{C014DD1E-5D91-48A3-AD6D-45FBA980D106}" type="slidenum">
-              <a:rPr lang="en-US" smtClean="0"/>
-              <a:pPr/>
-              <a:t>18</a:t>
-            </a:fld>
             <a:endParaRPr lang="en-US" dirty="0"/>
           </a:p>
         </p:txBody>
@@ -13098,15 +12970,7 @@
                   <a:schemeClr val="bg2"/>
                 </a:solidFill>
               </a:rPr>
-              <a:t>един лист </a:t>
-            </a:r>
-            <a:r>
-              <a:rPr lang="ru-RU" sz="2800" b="1" dirty="0" smtClean="0">
-                <a:solidFill>
-                  <a:schemeClr val="bg2"/>
-                </a:solidFill>
-              </a:rPr>
-              <a:t>хартия</a:t>
+              <a:t>един лист хартия</a:t>
             </a:r>
           </a:p>
           <a:p>
@@ -13202,15 +13066,7 @@
                   <a:schemeClr val="bg2"/>
                 </a:solidFill>
               </a:rPr>
-              <a:t>Наборно </a:t>
-            </a:r>
-            <a:r>
-              <a:rPr lang="ru-RU" sz="2600" b="1" dirty="0" smtClean="0">
-                <a:solidFill>
-                  <a:schemeClr val="bg2"/>
-                </a:solidFill>
-              </a:rPr>
-              <a:t>поле</a:t>
+              <a:t>Наборно поле</a:t>
             </a:r>
           </a:p>
           <a:p>
@@ -13223,7 +13079,7 @@
               </a:buClr>
             </a:pPr>
             <a:r>
-              <a:rPr lang="ru-RU" sz="2800" b="1" dirty="0" smtClean="0">
+              <a:rPr lang="ru-RU" sz="2800" b="1" dirty="0">
                 <a:solidFill>
                   <a:schemeClr val="bg1">
                     <a:lumMod val="60000"/>
@@ -13234,7 +13090,7 @@
               <a:t>Номерация</a:t>
             </a:r>
             <a:r>
-              <a:rPr lang="ru-RU" sz="2800" b="1" dirty="0" smtClean="0">
+              <a:rPr lang="ru-RU" sz="2800" b="1" dirty="0">
                 <a:solidFill>
                   <a:schemeClr val="bg2"/>
                 </a:solidFill>
@@ -13242,7 +13098,7 @@
               <a:t> </a:t>
             </a:r>
             <a:r>
-              <a:rPr lang="ru-RU" sz="2800" dirty="0" smtClean="0">
+              <a:rPr lang="ru-RU" sz="2800" dirty="0">
                 <a:solidFill>
                   <a:schemeClr val="bg2"/>
                 </a:solidFill>
@@ -13260,7 +13116,7 @@
               </a:buClr>
             </a:pPr>
             <a:r>
-              <a:rPr lang="ru-RU" sz="2800" b="1" dirty="0" smtClean="0">
+              <a:rPr lang="ru-RU" sz="2800" b="1" dirty="0">
                 <a:solidFill>
                   <a:schemeClr val="bg1">
                     <a:lumMod val="60000"/>
@@ -13271,7 +13127,7 @@
               <a:t>Отпечатване</a:t>
             </a:r>
             <a:r>
-              <a:rPr lang="ru-RU" sz="2800" b="1" dirty="0" smtClean="0">
+              <a:rPr lang="ru-RU" sz="2800" b="1" dirty="0">
                 <a:solidFill>
                   <a:schemeClr val="bg2"/>
                 </a:solidFill>
@@ -13279,7 +13135,7 @@
               <a:t> </a:t>
             </a:r>
             <a:r>
-              <a:rPr lang="ru-RU" sz="2800" dirty="0" smtClean="0">
+              <a:rPr lang="ru-RU" sz="2800" dirty="0">
                 <a:solidFill>
                   <a:schemeClr val="bg2"/>
                 </a:solidFill>
@@ -13297,7 +13153,7 @@
               </a:buClr>
             </a:pPr>
             <a:r>
-              <a:rPr lang="ru-RU" sz="2600" b="1" dirty="0" smtClean="0">
+              <a:rPr lang="ru-RU" sz="2600" b="1" dirty="0">
                 <a:solidFill>
                   <a:schemeClr val="bg2"/>
                 </a:solidFill>
@@ -13305,7 +13161,7 @@
               <a:t>Настройки </a:t>
             </a:r>
             <a:r>
-              <a:rPr lang="ru-RU" sz="2600" dirty="0" smtClean="0">
+              <a:rPr lang="ru-RU" sz="2600" dirty="0">
                 <a:solidFill>
                   <a:schemeClr val="bg2"/>
                 </a:solidFill>
@@ -13313,7 +13169,7 @@
               <a:t>при</a:t>
             </a:r>
             <a:r>
-              <a:rPr lang="ru-RU" sz="2600" b="1" dirty="0" smtClean="0">
+              <a:rPr lang="ru-RU" sz="2600" b="1" dirty="0">
                 <a:solidFill>
                   <a:schemeClr val="bg2"/>
                 </a:solidFill>
@@ -13321,7 +13177,7 @@
               <a:t> разпечатването </a:t>
             </a:r>
             <a:r>
-              <a:rPr lang="ru-RU" sz="2600" dirty="0" smtClean="0">
+              <a:rPr lang="ru-RU" sz="2600" dirty="0">
                 <a:solidFill>
                   <a:schemeClr val="bg2"/>
                 </a:solidFill>
@@ -13329,7 +13185,7 @@
               <a:t>на </a:t>
             </a:r>
             <a:r>
-              <a:rPr lang="en-US" sz="2600" b="1" dirty="0" smtClean="0">
+              <a:rPr lang="en-US" sz="2600" b="1" dirty="0">
                 <a:solidFill>
                   <a:schemeClr val="bg2"/>
                 </a:solidFill>
@@ -13337,7 +13193,7 @@
               <a:t>Word</a:t>
             </a:r>
             <a:r>
-              <a:rPr lang="en-US" sz="2600" dirty="0" smtClean="0">
+              <a:rPr lang="en-US" sz="2600" dirty="0">
                 <a:solidFill>
                   <a:schemeClr val="bg2"/>
                 </a:solidFill>
@@ -13345,14 +13201,14 @@
               <a:t> </a:t>
             </a:r>
             <a:r>
-              <a:rPr lang="bg-BG" sz="2600" b="1" dirty="0" smtClean="0">
+              <a:rPr lang="bg-BG" sz="2600" b="1" dirty="0">
                 <a:solidFill>
                   <a:schemeClr val="bg2"/>
                 </a:solidFill>
               </a:rPr>
               <a:t>документ</a:t>
             </a:r>
-            <a:endParaRPr lang="ru-RU" sz="2600" b="1" dirty="0" smtClean="0">
+            <a:endParaRPr lang="ru-RU" sz="2600" b="1" dirty="0">
               <a:solidFill>
                 <a:schemeClr val="bg2"/>
               </a:solidFill>
@@ -13382,7 +13238,7 @@
                 <a:schemeClr val="bg2"/>
               </a:buClr>
             </a:pPr>
-            <a:endParaRPr lang="ru-RU" sz="2800" b="1" dirty="0" smtClean="0">
+            <a:endParaRPr lang="ru-RU" sz="2800" b="1" dirty="0">
               <a:solidFill>
                 <a:schemeClr val="bg2"/>
               </a:solidFill>
@@ -13412,7 +13268,7 @@
                 <a:schemeClr val="bg2"/>
               </a:buClr>
             </a:pPr>
-            <a:endParaRPr lang="en-US" sz="2400" dirty="0" smtClean="0">
+            <a:endParaRPr lang="en-US" sz="2400" dirty="0">
               <a:solidFill>
                 <a:schemeClr val="bg2"/>
               </a:solidFill>
@@ -13928,7 +13784,7 @@
                 <a:hlinkClick r:id="rId3">
                   <a:extLst>
                     <a:ext uri="{A12FA001-AC4F-418D-AE19-62706E023703}">
-                      <ahyp:hlinkClr xmlns="" xmlns:ahyp="http://schemas.microsoft.com/office/drawing/2018/hyperlinkcolor" val="tx"/>
+                      <ahyp:hlinkClr xmlns:ahyp="http://schemas.microsoft.com/office/drawing/2018/hyperlinkcolor" val="tx"/>
                     </a:ext>
                   </a:extLst>
                 </a:hlinkClick>
@@ -14001,13 +13857,6 @@
       <p:transition spd="slow" advClick="0" advTm="5000"/>
     </mc:Fallback>
   </mc:AlternateContent>
-  <p:timing>
-    <p:tnLst>
-      <p:par>
-        <p:cTn id="1" dur="indefinite" restart="never" nodeType="tmRoot"/>
-      </p:par>
-    </p:tnLst>
-  </p:timing>
 </p:sld>
 </file>
 
@@ -14179,43 +14028,43 @@
           <a:lstStyle/>
           <a:p>
             <a:r>
-              <a:rPr lang="bg-BG" dirty="0" smtClean="0"/>
+              <a:rPr lang="bg-BG" dirty="0"/>
               <a:t>͏</a:t>
             </a:r>
             <a:r>
-              <a:rPr lang="bg-BG" b="1" dirty="0" smtClean="0"/>
+              <a:rPr lang="bg-BG" b="1" dirty="0"/>
               <a:t>Форматиране</a:t>
             </a:r>
             <a:r>
-              <a:rPr lang="bg-BG" dirty="0" smtClean="0"/>
+              <a:rPr lang="bg-BG" dirty="0"/>
               <a:t> на странция</a:t>
             </a:r>
           </a:p>
           <a:p>
             <a:r>
-              <a:rPr lang="bg-BG" dirty="0" smtClean="0"/>
+              <a:rPr lang="bg-BG" dirty="0"/>
               <a:t>͏</a:t>
             </a:r>
             <a:r>
-              <a:rPr lang="bg-BG" b="1" dirty="0" smtClean="0"/>
+              <a:rPr lang="bg-BG" b="1" dirty="0"/>
               <a:t>Номериране</a:t>
             </a:r>
             <a:r>
-              <a:rPr lang="bg-BG" dirty="0" smtClean="0"/>
+              <a:rPr lang="bg-BG" dirty="0"/>
               <a:t> на страница</a:t>
             </a:r>
           </a:p>
           <a:p>
             <a:r>
-              <a:rPr lang="bg-BG" dirty="0" smtClean="0"/>
+              <a:rPr lang="bg-BG" dirty="0"/>
               <a:t>͏</a:t>
             </a:r>
             <a:r>
-              <a:rPr lang="bg-BG" b="1" dirty="0" smtClean="0"/>
+              <a:rPr lang="bg-BG" b="1" dirty="0"/>
               <a:t>Отпечатване</a:t>
             </a:r>
             <a:r>
-              <a:rPr lang="bg-BG" dirty="0" smtClean="0"/>
+              <a:rPr lang="bg-BG" dirty="0"/>
               <a:t> на документ</a:t>
             </a:r>
             <a:endParaRPr lang="en-US" dirty="0"/>
@@ -14299,6 +14148,36 @@
           </a:prstGeom>
         </p:spPr>
       </p:pic>
+      <p:sp>
+        <p:nvSpPr>
+          <p:cNvPr id="2" name="Slide Number Placeholder 1">
+            <a:extLst>
+              <a:ext uri="{FF2B5EF4-FFF2-40B4-BE49-F238E27FC236}">
+                <a16:creationId xmlns:a16="http://schemas.microsoft.com/office/drawing/2014/main" id="{C9120BBD-87DB-2763-9ADF-9BADE4762F41}"/>
+              </a:ext>
+            </a:extLst>
+          </p:cNvPr>
+          <p:cNvSpPr>
+            <a:spLocks noGrp="1"/>
+          </p:cNvSpPr>
+          <p:nvPr>
+            <p:ph type="sldNum" sz="quarter" idx="4"/>
+          </p:nvPr>
+        </p:nvSpPr>
+        <p:spPr/>
+        <p:txBody>
+          <a:bodyPr/>
+          <a:lstStyle/>
+          <a:p>
+            <a:fld id="{2BF067CD-8E6B-4360-9AA8-C5DF2A48A6D1}" type="slidenum">
+              <a:rPr lang="en-US" noProof="0" smtClean="0"/>
+              <a:pPr/>
+              <a:t>2</a:t>
+            </a:fld>
+            <a:endParaRPr lang="en-US" noProof="0"/>
+          </a:p>
+        </p:txBody>
+      </p:sp>
     </p:spTree>
     <p:extLst>
       <p:ext uri="{BB962C8B-B14F-4D97-AF65-F5344CB8AC3E}">
@@ -14449,7 +14328,7 @@
 </file>
 
 <file path=ppt/slides/slide20.xml><?xml version="1.0" encoding="utf-8"?>
-<p:sld xmlns:a="http://schemas.openxmlformats.org/drawingml/2006/main" xmlns:r="http://schemas.openxmlformats.org/officeDocument/2006/relationships" xmlns:p="http://schemas.openxmlformats.org/presentationml/2006/main">
+<p:sld xmlns:a="http://schemas.openxmlformats.org/drawingml/2006/main" xmlns:r="http://schemas.openxmlformats.org/officeDocument/2006/relationships" xmlns:p="http://schemas.openxmlformats.org/presentationml/2006/main" show="0">
   <p:cSld>
     <p:spTree>
       <p:nvGrpSpPr>
@@ -14820,21 +14699,14 @@
   <p:clrMapOvr>
     <a:masterClrMapping/>
   </p:clrMapOvr>
-  <mc:AlternateContent xmlns:mc="http://schemas.openxmlformats.org/markup-compatibility/2006" xmlns:p14="http://schemas.microsoft.com/office/powerpoint/2010/main">
-    <mc:Choice Requires="p14">
+  <mc:AlternateContent xmlns:mc="http://schemas.openxmlformats.org/markup-compatibility/2006">
+    <mc:Choice xmlns:p14="http://schemas.microsoft.com/office/powerpoint/2010/main" Requires="p14">
       <p:transition spd="slow" p14:dur="2000" advClick="0" advTm="5000"/>
     </mc:Choice>
-    <mc:Fallback xmlns="">
+    <mc:Fallback>
       <p:transition spd="slow" advClick="0" advTm="5000"/>
     </mc:Fallback>
   </mc:AlternateContent>
-  <p:timing>
-    <p:tnLst>
-      <p:par>
-        <p:cTn id="1" dur="indefinite" restart="never" nodeType="tmRoot"/>
-      </p:par>
-    </p:tnLst>
-  </p:timing>
 </p:sld>
 </file>
 
@@ -14871,16 +14743,8 @@
           <a:lstStyle/>
           <a:p>
             <a:r>
-              <a:rPr lang="bg-BG" dirty="0" smtClean="0"/>
-              <a:t>Основни </a:t>
-            </a:r>
-            <a:r>
               <a:rPr lang="bg-BG" dirty="0"/>
-              <a:t>характеристики</a:t>
-            </a:r>
-            <a:r>
-              <a:rPr lang="bg-BG" dirty="0" smtClean="0"/>
-              <a:t> при форматирането</a:t>
+              <a:t>Основни характеристики при форматирането</a:t>
             </a:r>
             <a:endParaRPr lang="en-US" dirty="0"/>
           </a:p>
@@ -14903,11 +14767,7 @@
           <a:p>
             <a:r>
               <a:rPr lang="bg-BG" dirty="0"/>
-              <a:t>͏Форматиране на </a:t>
-            </a:r>
-            <a:r>
-              <a:rPr lang="bg-BG" dirty="0" smtClean="0"/>
-              <a:t>страница</a:t>
+              <a:t>͏Форматиране на страница</a:t>
             </a:r>
             <a:endParaRPr lang="en-US" dirty="0"/>
           </a:p>
@@ -14961,13 +14821,6 @@
       <p:transition spd="slow" advClick="0" advTm="5000"/>
     </mc:Fallback>
   </mc:AlternateContent>
-  <p:timing>
-    <p:tnLst>
-      <p:par>
-        <p:cTn id="1" dur="indefinite" restart="never" nodeType="tmRoot"/>
-      </p:par>
-    </p:tnLst>
-  </p:timing>
 </p:sld>
 </file>
 
@@ -15025,15 +14878,15 @@
               <a:rPr lang="ru-RU" dirty="0"/>
               <a:t> върху хартия</a:t>
             </a:r>
-            <a:endParaRPr lang="bg-BG" dirty="0" smtClean="0"/>
-          </a:p>
-          <a:p>
-            <a:r>
-              <a:rPr lang="bg-BG" dirty="0" smtClean="0"/>
+            <a:endParaRPr lang="bg-BG" dirty="0"/>
+          </a:p>
+          <a:p>
+            <a:r>
+              <a:rPr lang="bg-BG" dirty="0"/>
               <a:t>͏</a:t>
             </a:r>
             <a:r>
-              <a:rPr lang="bg-BG" b="1" dirty="0" smtClean="0">
+              <a:rPr lang="bg-BG" b="1" dirty="0">
                 <a:solidFill>
                   <a:schemeClr val="bg1"/>
                 </a:solidFill>
@@ -15041,76 +14894,76 @@
               <a:t>Страница</a:t>
             </a:r>
             <a:r>
-              <a:rPr lang="bg-BG" dirty="0" smtClean="0"/>
+              <a:rPr lang="bg-BG" dirty="0"/>
               <a:t> – </a:t>
             </a:r>
             <a:r>
-              <a:rPr lang="bg-BG" b="1" dirty="0" smtClean="0"/>
+              <a:rPr lang="bg-BG" b="1" dirty="0"/>
               <a:t>тескт</a:t>
             </a:r>
             <a:r>
-              <a:rPr lang="bg-BG" dirty="0" smtClean="0"/>
+              <a:rPr lang="bg-BG" dirty="0"/>
               <a:t>, който може да се отпечата на </a:t>
             </a:r>
             <a:r>
-              <a:rPr lang="bg-BG" b="1" dirty="0" smtClean="0"/>
+              <a:rPr lang="bg-BG" b="1" dirty="0"/>
               <a:t>един лист хартия</a:t>
             </a:r>
           </a:p>
           <a:p>
             <a:r>
-              <a:rPr lang="bg-BG" dirty="0" smtClean="0"/>
+              <a:rPr lang="bg-BG" dirty="0"/>
               <a:t>Основни </a:t>
             </a:r>
             <a:r>
-              <a:rPr lang="bg-BG" b="1" dirty="0" smtClean="0"/>
+              <a:rPr lang="bg-BG" b="1" dirty="0"/>
               <a:t>характеристики</a:t>
             </a:r>
             <a:r>
-              <a:rPr lang="bg-BG" dirty="0" smtClean="0"/>
+              <a:rPr lang="bg-BG" dirty="0"/>
               <a:t> на </a:t>
             </a:r>
             <a:r>
-              <a:rPr lang="bg-BG" b="1" dirty="0" smtClean="0"/>
+              <a:rPr lang="bg-BG" b="1" dirty="0"/>
               <a:t>страница</a:t>
             </a:r>
             <a:r>
-              <a:rPr lang="bg-BG" dirty="0" smtClean="0"/>
+              <a:rPr lang="bg-BG" dirty="0"/>
               <a:t>:</a:t>
             </a:r>
           </a:p>
           <a:p>
             <a:pPr lvl="1"/>
             <a:r>
-              <a:rPr lang="bg-BG" dirty="0" smtClean="0"/>
+              <a:rPr lang="bg-BG" dirty="0"/>
               <a:t>Размер</a:t>
             </a:r>
           </a:p>
           <a:p>
             <a:pPr lvl="1"/>
             <a:r>
-              <a:rPr lang="bg-BG" dirty="0" smtClean="0"/>
+              <a:rPr lang="bg-BG" dirty="0"/>
               <a:t>Ориентация</a:t>
             </a:r>
           </a:p>
           <a:p>
             <a:pPr lvl="1"/>
             <a:r>
-              <a:rPr lang="bg-BG" dirty="0" smtClean="0"/>
+              <a:rPr lang="bg-BG" dirty="0"/>
               <a:t>Наборно поле</a:t>
             </a:r>
           </a:p>
           <a:p>
             <a:r>
-              <a:rPr lang="bg-BG" dirty="0" smtClean="0"/>
+              <a:rPr lang="bg-BG" dirty="0"/>
               <a:t>Те се задават от </a:t>
             </a:r>
             <a:r>
-              <a:rPr lang="bg-BG" b="1" dirty="0" smtClean="0"/>
+              <a:rPr lang="bg-BG" b="1" dirty="0"/>
               <a:t>панела </a:t>
             </a:r>
             <a:r>
-              <a:rPr lang="en-US" b="1" dirty="0" smtClean="0">
+              <a:rPr lang="en-US" b="1" dirty="0">
                 <a:solidFill>
                   <a:schemeClr val="bg1"/>
                 </a:solidFill>
@@ -15118,7 +14971,7 @@
               <a:t>Page Setup</a:t>
             </a:r>
             <a:r>
-              <a:rPr lang="en-US" dirty="0" smtClean="0">
+              <a:rPr lang="en-US" dirty="0">
                 <a:solidFill>
                   <a:schemeClr val="bg1"/>
                 </a:solidFill>
@@ -15126,26 +14979,21 @@
               <a:t> </a:t>
             </a:r>
             <a:r>
-              <a:rPr lang="bg-BG" dirty="0" smtClean="0"/>
+              <a:rPr lang="bg-BG" dirty="0"/>
               <a:t>в </a:t>
             </a:r>
             <a:r>
-              <a:rPr lang="bg-BG" b="1" dirty="0" smtClean="0"/>
+              <a:rPr lang="bg-BG" b="1" dirty="0"/>
               <a:t>менюто </a:t>
             </a:r>
             <a:r>
-              <a:rPr lang="en-US" b="1" dirty="0" smtClean="0">
+              <a:rPr lang="en-US" b="1" dirty="0">
                 <a:solidFill>
                   <a:schemeClr val="bg1"/>
                 </a:solidFill>
               </a:rPr>
               <a:t>Layout</a:t>
             </a:r>
-            <a:endParaRPr lang="en-US" b="1" dirty="0">
-              <a:solidFill>
-                <a:schemeClr val="bg1"/>
-              </a:solidFill>
-            </a:endParaRPr>
           </a:p>
         </p:txBody>
       </p:sp>
@@ -15166,11 +15014,7 @@
           <a:p>
             <a:r>
               <a:rPr lang="bg-BG" dirty="0"/>
-              <a:t>͏Форматиране на </a:t>
-            </a:r>
-            <a:r>
-              <a:rPr lang="bg-BG" dirty="0" smtClean="0"/>
-              <a:t>страница</a:t>
+              <a:t>͏Форматиране на страница</a:t>
             </a:r>
             <a:endParaRPr lang="en-US" dirty="0"/>
           </a:p>
@@ -15207,6 +15051,36 @@
           </a:ln>
         </p:spPr>
       </p:pic>
+      <p:sp>
+        <p:nvSpPr>
+          <p:cNvPr id="2" name="Slide Number Placeholder 1">
+            <a:extLst>
+              <a:ext uri="{FF2B5EF4-FFF2-40B4-BE49-F238E27FC236}">
+                <a16:creationId xmlns:a16="http://schemas.microsoft.com/office/drawing/2014/main" id="{50A943DD-D334-6A42-A821-7B0B9B46D51C}"/>
+              </a:ext>
+            </a:extLst>
+          </p:cNvPr>
+          <p:cNvSpPr>
+            <a:spLocks noGrp="1"/>
+          </p:cNvSpPr>
+          <p:nvPr>
+            <p:ph type="sldNum" sz="quarter" idx="5"/>
+          </p:nvPr>
+        </p:nvSpPr>
+        <p:spPr/>
+        <p:txBody>
+          <a:bodyPr/>
+          <a:lstStyle/>
+          <a:p>
+            <a:fld id="{2BF067CD-8E6B-4360-9AA8-C5DF2A48A6D1}" type="slidenum">
+              <a:rPr lang="en-US" noProof="0" smtClean="0"/>
+              <a:pPr/>
+              <a:t>4</a:t>
+            </a:fld>
+            <a:endParaRPr lang="en-US" noProof="0" dirty="0"/>
+          </a:p>
+        </p:txBody>
+      </p:sp>
     </p:spTree>
     <p:extLst>
       <p:ext uri="{BB962C8B-B14F-4D97-AF65-F5344CB8AC3E}">
@@ -15681,7 +15555,7 @@
               <a:t>, известни още като </a:t>
             </a:r>
             <a:r>
-              <a:rPr lang="ru-RU" b="1" dirty="0" smtClean="0">
+              <a:rPr lang="ru-RU" b="1" dirty="0">
                 <a:solidFill>
                   <a:schemeClr val="bg1"/>
                 </a:solidFill>
@@ -15703,23 +15577,15 @@
               <a:t> най-често се използва </a:t>
             </a:r>
             <a:r>
-              <a:rPr lang="ru-RU" b="1" dirty="0" smtClean="0"/>
+              <a:rPr lang="ru-RU" b="1" dirty="0"/>
               <a:t>A4</a:t>
             </a:r>
           </a:p>
           <a:p>
             <a:pPr lvl="1"/>
             <a:r>
-              <a:rPr lang="bg-BG" dirty="0" smtClean="0"/>
-              <a:t>Размери: 21 </a:t>
-            </a:r>
-            <a:r>
               <a:rPr lang="bg-BG" dirty="0"/>
-              <a:t>х 29.7 см</a:t>
-            </a:r>
-            <a:r>
-              <a:rPr lang="bg-BG" dirty="0" smtClean="0"/>
-              <a:t>.</a:t>
+              <a:t>Размери: 21 х 29.7 см.</a:t>
             </a:r>
           </a:p>
           <a:p>
@@ -15733,54 +15599,38 @@
             </a:r>
             <a:r>
               <a:rPr lang="ru-RU" dirty="0"/>
-              <a:t> </a:t>
-            </a:r>
-            <a:r>
-              <a:rPr lang="ru-RU" dirty="0" smtClean="0"/>
-              <a:t>най-популярният формат </a:t>
-            </a:r>
+              <a:t> най-популярният формат е </a:t>
+            </a:r>
+            <a:r>
+              <a:rPr lang="ru-RU" b="1" dirty="0"/>
+              <a:t>Letter</a:t>
+            </a:r>
+          </a:p>
+          <a:p>
+            <a:pPr lvl="1"/>
             <a:r>
               <a:rPr lang="ru-RU" dirty="0"/>
-              <a:t>е </a:t>
-            </a:r>
-            <a:r>
-              <a:rPr lang="ru-RU" b="1" dirty="0" smtClean="0"/>
-              <a:t>Letter</a:t>
-            </a:r>
-          </a:p>
-          <a:p>
-            <a:pPr lvl="1"/>
-            <a:r>
-              <a:rPr lang="ru-RU" dirty="0" smtClean="0"/>
-              <a:t>Размери: </a:t>
-            </a:r>
+              <a:t>Размери: 22 х 28 см.</a:t>
+            </a:r>
+          </a:p>
+          <a:p>
             <a:r>
               <a:rPr lang="ru-RU" dirty="0"/>
-              <a:t>22 х 28 см</a:t>
-            </a:r>
-            <a:r>
-              <a:rPr lang="ru-RU" dirty="0" smtClean="0"/>
-              <a:t>.</a:t>
-            </a:r>
-          </a:p>
-          <a:p>
-            <a:r>
-              <a:rPr lang="ru-RU" dirty="0" smtClean="0"/>
               <a:t>Размерът се задава от падащото </a:t>
             </a:r>
             <a:r>
-              <a:rPr lang="ru-RU" b="1" dirty="0" smtClean="0"/>
+              <a:rPr lang="ru-RU" b="1" dirty="0"/>
               <a:t>меню </a:t>
             </a:r>
             <a:r>
-              <a:rPr lang="en-US" b="1" dirty="0" smtClean="0">
+              <a:rPr lang="en-US" b="1" dirty="0">
                 <a:solidFill>
                   <a:schemeClr val="bg1"/>
                 </a:solidFill>
               </a:rPr>
               <a:t>Size</a:t>
             </a:r>
-            <a:endParaRPr lang="ru-RU" b="1" dirty="0" smtClean="0">
+            <a:endParaRPr lang="ru-RU" b="1" dirty="0">
               <a:solidFill>
                 <a:schemeClr val="bg1"/>
               </a:solidFill>
@@ -15808,7 +15658,7 @@
           <a:lstStyle/>
           <a:p>
             <a:r>
-              <a:rPr lang="bg-BG" dirty="0" smtClean="0"/>
+              <a:rPr lang="bg-BG" dirty="0"/>
               <a:t>Размер</a:t>
             </a:r>
             <a:endParaRPr lang="en-US" dirty="0"/>
@@ -16249,11 +16099,11 @@
           <a:lstStyle/>
           <a:p>
             <a:r>
-              <a:rPr lang="ru-RU" dirty="0" smtClean="0"/>
+              <a:rPr lang="ru-RU" dirty="0"/>
               <a:t>͏</a:t>
             </a:r>
             <a:r>
-              <a:rPr lang="ru-RU" b="1" dirty="0" smtClean="0">
+              <a:rPr lang="ru-RU" b="1" dirty="0">
                 <a:solidFill>
                   <a:schemeClr val="bg1"/>
                 </a:solidFill>
@@ -16261,7 +16111,7 @@
               <a:t>Ориентация</a:t>
             </a:r>
             <a:r>
-              <a:rPr lang="ru-RU" dirty="0" smtClean="0"/>
+              <a:rPr lang="ru-RU" dirty="0"/>
               <a:t> – </a:t>
             </a:r>
             <a:r>
@@ -16270,87 +16120,74 @@
             </a:r>
             <a:r>
               <a:rPr lang="ru-RU" dirty="0"/>
-              <a:t> на </a:t>
-            </a:r>
-            <a:r>
-              <a:rPr lang="ru-RU" dirty="0" smtClean="0"/>
-              <a:t>страницата </a:t>
-            </a:r>
+              <a:t> на страницата спрямо </a:t>
+            </a:r>
+            <a:r>
+              <a:rPr lang="ru-RU" b="1" dirty="0"/>
+              <a:t>хоризонтала</a:t>
+            </a:r>
+          </a:p>
+          <a:p>
             <a:r>
               <a:rPr lang="ru-RU" dirty="0"/>
-              <a:t>спрямо </a:t>
-            </a:r>
-            <a:r>
-              <a:rPr lang="ru-RU" b="1" dirty="0" smtClean="0"/>
-              <a:t>хоризонтала</a:t>
-            </a:r>
-          </a:p>
-          <a:p>
-            <a:r>
-              <a:rPr lang="ru-RU" dirty="0" smtClean="0"/>
               <a:t>Тя може да бъде:</a:t>
             </a:r>
           </a:p>
           <a:p>
             <a:pPr lvl="1"/>
             <a:r>
-              <a:rPr lang="en-US" b="1" dirty="0" smtClean="0"/>
+              <a:rPr lang="en-US" b="1" dirty="0"/>
               <a:t>Landscape</a:t>
             </a:r>
             <a:r>
-              <a:rPr lang="en-US" dirty="0" smtClean="0"/>
+              <a:rPr lang="en-US" dirty="0"/>
               <a:t> </a:t>
             </a:r>
             <a:r>
-              <a:rPr lang="bg-BG" dirty="0" smtClean="0"/>
+              <a:rPr lang="bg-BG" dirty="0"/>
               <a:t>(пейзаж)</a:t>
             </a:r>
           </a:p>
           <a:p>
             <a:pPr lvl="1"/>
             <a:r>
-              <a:rPr lang="en-US" b="1" dirty="0" smtClean="0"/>
+              <a:rPr lang="en-US" b="1" dirty="0"/>
               <a:t>Portrait</a:t>
             </a:r>
             <a:r>
-              <a:rPr lang="en-US" dirty="0" smtClean="0"/>
+              <a:rPr lang="en-US" dirty="0"/>
               <a:t> </a:t>
             </a:r>
             <a:r>
-              <a:rPr lang="bg-BG" dirty="0" smtClean="0"/>
+              <a:rPr lang="bg-BG" dirty="0"/>
               <a:t>(портрет)</a:t>
             </a:r>
           </a:p>
           <a:p>
             <a:r>
-              <a:rPr lang="bg-BG" dirty="0" smtClean="0"/>
+              <a:rPr lang="bg-BG" dirty="0"/>
               <a:t>Ориентацията се</a:t>
             </a:r>
             <a:r>
-              <a:rPr lang="en-US" dirty="0" smtClean="0"/>
+              <a:rPr lang="en-US" dirty="0"/>
               <a:t> </a:t>
             </a:r>
             <a:r>
-              <a:rPr lang="bg-BG" dirty="0" smtClean="0"/>
+              <a:rPr lang="bg-BG" dirty="0"/>
               <a:t>задава от падащото </a:t>
             </a:r>
             <a:r>
-              <a:rPr lang="bg-BG" b="1" dirty="0" smtClean="0"/>
+              <a:rPr lang="bg-BG" b="1" dirty="0"/>
               <a:t>меню </a:t>
             </a:r>
             <a:r>
-              <a:rPr lang="en-US" b="1" dirty="0" smtClean="0">
+              <a:rPr lang="en-US" b="1" dirty="0">
                 <a:solidFill>
                   <a:schemeClr val="bg1"/>
                 </a:solidFill>
               </a:rPr>
               <a:t>Orientation</a:t>
             </a:r>
-            <a:endParaRPr lang="en-US" b="1" dirty="0">
-              <a:solidFill>
-                <a:schemeClr val="bg1"/>
-              </a:solidFill>
-            </a:endParaRPr>
           </a:p>
         </p:txBody>
       </p:sp>
@@ -16370,7 +16207,7 @@
           <a:lstStyle/>
           <a:p>
             <a:r>
-              <a:rPr lang="bg-BG" dirty="0" smtClean="0"/>
+              <a:rPr lang="bg-BG" dirty="0"/>
               <a:t>Ориентация</a:t>
             </a:r>
             <a:endParaRPr lang="en-US" dirty="0"/>
@@ -16428,7 +16265,7 @@
           <a:lstStyle/>
           <a:p>
             <a:r>
-              <a:rPr lang="en-US" sz="1000" noProof="1" smtClean="0"/>
+              <a:rPr lang="en-US" sz="1000" noProof="1"/>
               <a:t>Lorem ipsum dolor sit amet, consectetur adipiscing elit. Donec id nisl id purus luctus dignissim vitae a purus. Maecenas tristique sapien sit amet justo ullamcorper elementum sed quis libero. Curabitur volutpat purus vel lacus suscipit ornare. Nulla rhoncus, risus id fringilla lobortis, ante velit sagittis sapien, at dictum turpis sapien id mi. Fusce nec fermentum risus. Duis gravida fermentum mauris vitae sollicitudin. In lobortis lacinia leo, ut finibus diam scelerisque at. Sed ac erat venenatis, egestas nibh vitae, sagittis diam.</a:t>
             </a:r>
             <a:endParaRPr lang="en-US" sz="1000" b="1" noProof="1">
@@ -16493,7 +16330,7 @@
               <a:buSzPct val="70000"/>
             </a:pPr>
             <a:r>
-              <a:rPr lang="bg-BG" sz="2400" dirty="0" smtClean="0"/>
+              <a:rPr lang="bg-BG" sz="2400" dirty="0"/>
               <a:t>Пейзаж</a:t>
             </a:r>
             <a:endParaRPr lang="en-US" sz="2400" dirty="0"/>
@@ -16547,7 +16384,7 @@
               <a:buSzPct val="70000"/>
             </a:pPr>
             <a:r>
-              <a:rPr lang="bg-BG" sz="2400" dirty="0" smtClean="0"/>
+              <a:rPr lang="bg-BG" sz="2400" dirty="0"/>
               <a:t>Портрет</a:t>
             </a:r>
             <a:endParaRPr lang="en-US" sz="2400" dirty="0"/>
@@ -16605,7 +16442,7 @@
           <a:lstStyle/>
           <a:p>
             <a:r>
-              <a:rPr lang="en-US" sz="900" noProof="1" smtClean="0"/>
+              <a:rPr lang="en-US" sz="900" noProof="1"/>
               <a:t>Lorem ipsum dolor sit amet, consectetur adipiscing elit. Donec id nisl id purus luctus dignissim vitae a purus. Maecenas tristique sapien sit amet justo ullamcorper elementum sed quis libero. Curabitur volutpat purus vel lacus suscipit ornare. Nulla rhoncus, risus id fringilla lobortis, ante velit sagittis sapien, at dictum turpis sapien id mi. Fusce nec fermentum risus. Duis gravida fermentum mauris vitae sollicitudin. In lobortis lacinia leo, ut finibus diam scelerisque at. Sed ac erat venenatis, egestas nibh vitae, sagittis diam.</a:t>
             </a:r>
             <a:endParaRPr lang="en-US" sz="1100" b="1" noProof="1">
@@ -17118,16 +16955,8 @@
           <a:lstStyle/>
           <a:p>
             <a:r>
-              <a:rPr lang="ru-RU" b="1" dirty="0" smtClean="0"/>
+              <a:rPr lang="ru-RU" b="1" dirty="0"/>
               <a:t>͏</a:t>
-            </a:r>
-            <a:r>
-              <a:rPr lang="ru-RU" b="1" dirty="0" smtClean="0">
-                <a:solidFill>
-                  <a:schemeClr val="bg1"/>
-                </a:solidFill>
-              </a:rPr>
-              <a:t>Наборно </a:t>
             </a:r>
             <a:r>
               <a:rPr lang="ru-RU" b="1" dirty="0">
@@ -17135,15 +16964,11 @@
                   <a:schemeClr val="bg1"/>
                 </a:solidFill>
               </a:rPr>
-              <a:t>поле </a:t>
-            </a:r>
-            <a:r>
-              <a:rPr lang="ru-RU" dirty="0" smtClean="0"/>
-              <a:t>– областта </a:t>
+              <a:t>Наборно поле </a:t>
             </a:r>
             <a:r>
               <a:rPr lang="ru-RU" dirty="0"/>
-              <a:t>на страницата, където се разполага </a:t>
+              <a:t>– областта на страницата, където се разполага </a:t>
             </a:r>
             <a:r>
               <a:rPr lang="ru-RU" b="1" dirty="0"/>
@@ -17151,11 +16976,7 @@
             </a:r>
             <a:r>
               <a:rPr lang="ru-RU" dirty="0"/>
-              <a:t>на </a:t>
-            </a:r>
-            <a:r>
-              <a:rPr lang="ru-RU" dirty="0" smtClean="0"/>
-              <a:t>документа</a:t>
+              <a:t>на документа</a:t>
             </a:r>
           </a:p>
           <a:p>
@@ -17166,11 +16987,7 @@
             </a:pPr>
             <a:r>
               <a:rPr lang="ru-RU" dirty="0"/>
-              <a:t>То се получава, като от размера на </a:t>
-            </a:r>
-            <a:r>
-              <a:rPr lang="ru-RU" dirty="0" smtClean="0"/>
-              <a:t>работния</a:t>
+              <a:t>То се получава, като от размера на работния</a:t>
             </a:r>
           </a:p>
           <a:p>
@@ -17181,109 +16998,96 @@
               <a:buNone/>
             </a:pPr>
             <a:r>
-              <a:rPr lang="ru-RU" dirty="0" smtClean="0"/>
+              <a:rPr lang="ru-RU" dirty="0"/>
+              <a:t> лист се извадят </a:t>
+            </a:r>
+            <a:r>
+              <a:rPr lang="ru-RU" b="1" dirty="0"/>
+              <a:t>белите полета</a:t>
+            </a:r>
+          </a:p>
+          <a:p>
+            <a:r>
+              <a:rPr lang="ru-RU" dirty="0"/>
+              <a:t>Те са:</a:t>
+            </a:r>
+          </a:p>
+          <a:p>
+            <a:pPr lvl="1"/>
+            <a:r>
+              <a:rPr lang="en-US" b="1" dirty="0"/>
+              <a:t>Top</a:t>
+            </a:r>
+            <a:r>
+              <a:rPr lang="en-US" dirty="0"/>
+              <a:t> (</a:t>
+            </a:r>
+            <a:r>
+              <a:rPr lang="bg-BG" dirty="0"/>
+              <a:t>горно поле</a:t>
+            </a:r>
+            <a:r>
+              <a:rPr lang="en-US" dirty="0"/>
+              <a:t>)</a:t>
+            </a:r>
+            <a:endParaRPr lang="bg-BG" dirty="0"/>
+          </a:p>
+          <a:p>
+            <a:pPr lvl="1"/>
+            <a:r>
+              <a:rPr lang="en-US" b="1" dirty="0"/>
+              <a:t>Bottom</a:t>
+            </a:r>
+            <a:r>
+              <a:rPr lang="en-US" dirty="0"/>
               <a:t> </a:t>
             </a:r>
             <a:r>
-              <a:rPr lang="ru-RU" dirty="0"/>
-              <a:t>лист се извадят </a:t>
-            </a:r>
-            <a:r>
-              <a:rPr lang="ru-RU" b="1" dirty="0"/>
-              <a:t>белите </a:t>
-            </a:r>
-            <a:r>
-              <a:rPr lang="ru-RU" b="1" dirty="0" smtClean="0"/>
-              <a:t>полета</a:t>
-            </a:r>
-          </a:p>
-          <a:p>
-            <a:r>
-              <a:rPr lang="ru-RU" dirty="0" smtClean="0"/>
-              <a:t>Те са:</a:t>
-            </a:r>
+              <a:rPr lang="bg-BG" dirty="0"/>
+              <a:t>(долно поле)</a:t>
+            </a:r>
+            <a:endParaRPr lang="en-US" dirty="0"/>
           </a:p>
           <a:p>
             <a:pPr lvl="1"/>
             <a:r>
-              <a:rPr lang="en-US" b="1" dirty="0" smtClean="0"/>
-              <a:t>Top</a:t>
-            </a:r>
-            <a:r>
-              <a:rPr lang="en-US" dirty="0" smtClean="0"/>
-              <a:t> (</a:t>
-            </a:r>
-            <a:r>
-              <a:rPr lang="bg-BG" dirty="0" smtClean="0"/>
-              <a:t>горно поле</a:t>
-            </a:r>
-            <a:r>
-              <a:rPr lang="en-US" dirty="0" smtClean="0"/>
-              <a:t>)</a:t>
-            </a:r>
-            <a:endParaRPr lang="bg-BG" dirty="0" smtClean="0"/>
+              <a:rPr lang="en-US" b="1" dirty="0"/>
+              <a:t>Left</a:t>
+            </a:r>
+            <a:r>
+              <a:rPr lang="bg-BG" dirty="0"/>
+              <a:t> (ляво поле)</a:t>
+            </a:r>
+            <a:endParaRPr lang="en-US" dirty="0"/>
           </a:p>
           <a:p>
             <a:pPr lvl="1"/>
             <a:r>
-              <a:rPr lang="en-US" b="1" dirty="0" smtClean="0"/>
-              <a:t>Bottom</a:t>
-            </a:r>
-            <a:r>
-              <a:rPr lang="en-US" dirty="0" smtClean="0"/>
-              <a:t> </a:t>
-            </a:r>
-            <a:r>
-              <a:rPr lang="bg-BG" dirty="0" smtClean="0"/>
-              <a:t>(долно поле)</a:t>
-            </a:r>
-            <a:endParaRPr lang="en-US" dirty="0" smtClean="0"/>
-          </a:p>
-          <a:p>
-            <a:pPr lvl="1"/>
-            <a:r>
-              <a:rPr lang="en-US" b="1" dirty="0" smtClean="0"/>
-              <a:t>Left</a:t>
-            </a:r>
-            <a:r>
-              <a:rPr lang="bg-BG" dirty="0" smtClean="0"/>
-              <a:t> (ляво поле)</a:t>
-            </a:r>
-            <a:endParaRPr lang="en-US" dirty="0" smtClean="0"/>
-          </a:p>
-          <a:p>
-            <a:pPr lvl="1"/>
-            <a:r>
-              <a:rPr lang="en-US" b="1" dirty="0" smtClean="0"/>
+              <a:rPr lang="en-US" b="1" dirty="0"/>
               <a:t>Right</a:t>
             </a:r>
             <a:r>
-              <a:rPr lang="bg-BG" dirty="0" smtClean="0"/>
+              <a:rPr lang="bg-BG" dirty="0"/>
               <a:t> (дясно поле)</a:t>
             </a:r>
           </a:p>
           <a:p>
             <a:r>
-              <a:rPr lang="bg-BG" dirty="0" smtClean="0"/>
+              <a:rPr lang="bg-BG" dirty="0"/>
               <a:t>Размерът на полетата се задава от падащото </a:t>
             </a:r>
             <a:r>
-              <a:rPr lang="bg-BG" b="1" dirty="0" smtClean="0"/>
+              <a:rPr lang="bg-BG" b="1" dirty="0"/>
               <a:t>меню </a:t>
             </a:r>
             <a:r>
-              <a:rPr lang="en-US" b="1" dirty="0" smtClean="0">
+              <a:rPr lang="en-US" b="1" dirty="0">
                 <a:solidFill>
                   <a:schemeClr val="bg1"/>
                 </a:solidFill>
               </a:rPr>
               <a:t>Margins</a:t>
             </a:r>
-            <a:endParaRPr lang="en-US" b="1" dirty="0">
-              <a:solidFill>
-                <a:schemeClr val="bg1"/>
-              </a:solidFill>
-            </a:endParaRPr>
           </a:p>
         </p:txBody>
       </p:sp>
@@ -17303,7 +17107,7 @@
           <a:lstStyle/>
           <a:p>
             <a:r>
-              <a:rPr lang="bg-BG" dirty="0" smtClean="0"/>
+              <a:rPr lang="bg-BG" dirty="0"/>
               <a:t>Наборно поле</a:t>
             </a:r>
             <a:endParaRPr lang="en-US" dirty="0"/>
@@ -17438,11 +17242,7 @@
             <a:pPr algn="dist"/>
             <a:r>
               <a:rPr lang="en-US" sz="900" noProof="1"/>
-              <a:t>Lorem ipsum dolor sit amet, consectetur adipiscing elit. Donec id nisl id purus luctus dignissim vitae a purus. Maecenas tristique sapien sit amet justo ullamcorper elementum sed quis libero. Curabitur volutpat purus vel lacus suscipit ornare. Nulla rhoncus, risus id fringilla lobortis, ante velit sagittis sapien, at dictum turpis sapien id mi. Fusce nec fermentum risus. Duis gravida fermentum mauris vitae sollicitudin. In lobortis lacinia leo, ut finibus diam scelerisque at. Sed ac erat venenatis, egestas nibh vitae, sagittis diam</a:t>
-            </a:r>
-            <a:r>
-              <a:rPr lang="en-US" sz="900" noProof="1" smtClean="0"/>
-              <a:t>.</a:t>
+              <a:t>Lorem ipsum dolor sit amet, consectetur adipiscing elit. Donec id nisl id purus luctus dignissim vitae a purus. Maecenas tristique sapien sit amet justo ullamcorper elementum sed quis libero. Curabitur volutpat purus vel lacus suscipit ornare. Nulla rhoncus, risus id fringilla lobortis, ante velit sagittis sapien, at dictum turpis sapien id mi. Fusce nec fermentum risus. Duis gravida fermentum mauris vitae sollicitudin. In lobortis lacinia leo, ut finibus diam scelerisque at. Sed ac erat venenatis, egestas nibh vitae, sagittis diam.</a:t>
             </a:r>
             <a:endParaRPr lang="en-US" sz="1200" b="1" noProof="1">
               <a:solidFill>
@@ -18343,10 +18143,9 @@
           <a:lstStyle/>
           <a:p>
             <a:r>
-              <a:rPr lang="en-US" dirty="0" smtClean="0"/>
+              <a:rPr lang="en-US" dirty="0"/>
               <a:t>Page Setup</a:t>
             </a:r>
-            <a:endParaRPr lang="en-US" dirty="0"/>
           </a:p>
         </p:txBody>
       </p:sp>
@@ -18472,7 +18271,7 @@
           <a:p>
             <a:pPr algn="ctr"/>
             <a:r>
-              <a:rPr lang="bg-BG" sz="2800" b="1" dirty="0" smtClean="0">
+              <a:rPr lang="bg-BG" sz="2800" b="1" dirty="0">
                 <a:solidFill>
                   <a:srgbClr val="FFFFFF"/>
                 </a:solidFill>
@@ -18487,7 +18286,7 @@
               <a:t>От стрелката в долния десен ъгъл може да отворите диалоговия прозорец </a:t>
             </a:r>
             <a:r>
-              <a:rPr lang="en-US" sz="2800" b="1" dirty="0" smtClean="0">
+              <a:rPr lang="en-US" sz="2800" b="1" dirty="0">
                 <a:solidFill>
                   <a:schemeClr val="bg1">
                     <a:lumMod val="60000"/>
@@ -18504,21 +18303,6 @@
               </a:rPr>
               <a:t>Page Setup</a:t>
             </a:r>
-            <a:endParaRPr lang="en-US" sz="2800" b="1" dirty="0">
-              <a:solidFill>
-                <a:schemeClr val="bg1">
-                  <a:lumMod val="60000"/>
-                  <a:lumOff val="40000"/>
-                </a:schemeClr>
-              </a:solidFill>
-              <a:effectLst>
-                <a:outerShdw blurRad="38100" dist="38100" dir="2700000" algn="tl">
-                  <a:srgbClr val="000000">
-                    <a:alpha val="43137"/>
-                  </a:srgbClr>
-                </a:outerShdw>
-              </a:effectLst>
-            </a:endParaRPr>
           </a:p>
         </p:txBody>
       </p:sp>
@@ -18615,7 +18399,7 @@
           <a:p>
             <a:pPr algn="ctr"/>
             <a:r>
-              <a:rPr lang="bg-BG" sz="2800" b="1" dirty="0" smtClean="0">
+              <a:rPr lang="bg-BG" sz="2800" b="1" dirty="0">
                 <a:solidFill>
                   <a:srgbClr val="FFFFFF"/>
                 </a:solidFill>
@@ -18836,7 +18620,7 @@
           <a:p>
             <a:pPr algn="ctr"/>
             <a:r>
-              <a:rPr lang="bg-BG" sz="2800" b="1" dirty="0" smtClean="0">
+              <a:rPr lang="bg-BG" sz="2800" b="1" dirty="0">
                 <a:solidFill>
                   <a:srgbClr val="FFFFFF"/>
                 </a:solidFill>
@@ -18925,7 +18709,7 @@
           <a:p>
             <a:pPr algn="ctr"/>
             <a:r>
-              <a:rPr lang="bg-BG" sz="2800" b="1" dirty="0" smtClean="0">
+              <a:rPr lang="bg-BG" sz="2800" b="1" dirty="0">
                 <a:solidFill>
                   <a:srgbClr val="FFFFFF"/>
                 </a:solidFill>
@@ -18940,7 +18724,7 @@
               <a:t>От </a:t>
             </a:r>
             <a:r>
-              <a:rPr lang="en-US" sz="2800" b="1" dirty="0" smtClean="0">
+              <a:rPr lang="en-US" sz="2800" b="1" dirty="0">
                 <a:solidFill>
                   <a:schemeClr val="bg1">
                     <a:lumMod val="60000"/>
@@ -18958,7 +18742,7 @@
               <a:t>Apply to </a:t>
             </a:r>
             <a:r>
-              <a:rPr lang="bg-BG" sz="2800" b="1" dirty="0" smtClean="0">
+              <a:rPr lang="bg-BG" sz="2800" b="1" dirty="0">
                 <a:solidFill>
                   <a:srgbClr val="FFFFFF"/>
                 </a:solidFill>
@@ -19499,13 +19283,6 @@
       <p:transition spd="slow" advClick="0" advTm="5000"/>
     </mc:Fallback>
   </mc:AlternateContent>
-  <p:timing>
-    <p:tnLst>
-      <p:par>
-        <p:cTn id="1" dur="indefinite" restart="never" nodeType="tmRoot"/>
-      </p:par>
-    </p:tnLst>
-  </p:timing>
 </p:sld>
 </file>
 
